--- a/Git and GitHub.pptx
+++ b/Git and GitHub.pptx
@@ -37,6 +37,8 @@
     <p:sldId id="282" r:id="rId31"/>
     <p:sldId id="283" r:id="rId32"/>
     <p:sldId id="284" r:id="rId33"/>
+    <p:sldId id="285" r:id="rId34"/>
+    <p:sldId id="286" r:id="rId35"/>
   </p:sldIdLst>
   <p:sldSz cy="6858000" cx="9144000"/>
   <p:notesSz cx="6858000" cy="9144000"/>
@@ -896,7 +898,7 @@
   <p:cSld>
     <p:spTree>
       <p:nvGrpSpPr>
-        <p:cNvPr id="117" name="Shape 117"/>
+        <p:cNvPr id="115" name="Shape 115"/>
         <p:cNvGrpSpPr/>
         <p:nvPr/>
       </p:nvGrpSpPr>
@@ -910,7 +912,7 @@
       </p:grpSpPr>
       <p:sp>
         <p:nvSpPr>
-          <p:cNvPr id="118" name="Shape 118"/>
+          <p:cNvPr id="116" name="Shape 116"/>
           <p:cNvSpPr/>
           <p:nvPr>
             <p:ph idx="2" type="sldImg"/>
@@ -944,7 +946,7 @@
       </p:sp>
       <p:sp>
         <p:nvSpPr>
-          <p:cNvPr id="119" name="Shape 119"/>
+          <p:cNvPr id="117" name="Shape 117"/>
           <p:cNvSpPr txBox="1"/>
           <p:nvPr>
             <p:ph idx="1" type="body"/>
@@ -994,7 +996,7 @@
   <p:cSld>
     <p:spTree>
       <p:nvGrpSpPr>
-        <p:cNvPr id="128" name="Shape 128"/>
+        <p:cNvPr id="132" name="Shape 132"/>
         <p:cNvGrpSpPr/>
         <p:nvPr/>
       </p:nvGrpSpPr>
@@ -1008,7 +1010,7 @@
       </p:grpSpPr>
       <p:sp>
         <p:nvSpPr>
-          <p:cNvPr id="129" name="Shape 129"/>
+          <p:cNvPr id="133" name="Shape 133"/>
           <p:cNvSpPr/>
           <p:nvPr>
             <p:ph idx="2" type="sldImg"/>
@@ -1042,7 +1044,7 @@
       </p:sp>
       <p:sp>
         <p:nvSpPr>
-          <p:cNvPr id="130" name="Shape 130"/>
+          <p:cNvPr id="134" name="Shape 134"/>
           <p:cNvSpPr txBox="1"/>
           <p:nvPr>
             <p:ph idx="1" type="body"/>
@@ -1092,7 +1094,7 @@
   <p:cSld>
     <p:spTree>
       <p:nvGrpSpPr>
-        <p:cNvPr id="139" name="Shape 139"/>
+        <p:cNvPr id="145" name="Shape 145"/>
         <p:cNvGrpSpPr/>
         <p:nvPr/>
       </p:nvGrpSpPr>
@@ -1106,7 +1108,7 @@
       </p:grpSpPr>
       <p:sp>
         <p:nvSpPr>
-          <p:cNvPr id="140" name="Shape 140"/>
+          <p:cNvPr id="146" name="Shape 146"/>
           <p:cNvSpPr/>
           <p:nvPr>
             <p:ph idx="2" type="sldImg"/>
@@ -1140,7 +1142,7 @@
       </p:sp>
       <p:sp>
         <p:nvSpPr>
-          <p:cNvPr id="141" name="Shape 141"/>
+          <p:cNvPr id="147" name="Shape 147"/>
           <p:cNvSpPr txBox="1"/>
           <p:nvPr>
             <p:ph idx="1" type="body"/>
@@ -1190,7 +1192,7 @@
   <p:cSld>
     <p:spTree>
       <p:nvGrpSpPr>
-        <p:cNvPr id="145" name="Shape 145"/>
+        <p:cNvPr id="151" name="Shape 151"/>
         <p:cNvGrpSpPr/>
         <p:nvPr/>
       </p:nvGrpSpPr>
@@ -1204,7 +1206,7 @@
       </p:grpSpPr>
       <p:sp>
         <p:nvSpPr>
-          <p:cNvPr id="146" name="Shape 146"/>
+          <p:cNvPr id="152" name="Shape 152"/>
           <p:cNvSpPr/>
           <p:nvPr>
             <p:ph idx="2" type="sldImg"/>
@@ -1238,7 +1240,7 @@
       </p:sp>
       <p:sp>
         <p:nvSpPr>
-          <p:cNvPr id="147" name="Shape 147"/>
+          <p:cNvPr id="153" name="Shape 153"/>
           <p:cNvSpPr txBox="1"/>
           <p:nvPr>
             <p:ph idx="1" type="body"/>
@@ -1288,7 +1290,7 @@
   <p:cSld>
     <p:spTree>
       <p:nvGrpSpPr>
-        <p:cNvPr id="160" name="Shape 160"/>
+        <p:cNvPr id="164" name="Shape 164"/>
         <p:cNvGrpSpPr/>
         <p:nvPr/>
       </p:nvGrpSpPr>
@@ -1302,7 +1304,7 @@
       </p:grpSpPr>
       <p:sp>
         <p:nvSpPr>
-          <p:cNvPr id="161" name="Shape 161"/>
+          <p:cNvPr id="165" name="Shape 165"/>
           <p:cNvSpPr/>
           <p:nvPr>
             <p:ph idx="2" type="sldImg"/>
@@ -1336,7 +1338,7 @@
       </p:sp>
       <p:sp>
         <p:nvSpPr>
-          <p:cNvPr id="162" name="Shape 162"/>
+          <p:cNvPr id="166" name="Shape 166"/>
           <p:cNvSpPr txBox="1"/>
           <p:nvPr>
             <p:ph idx="1" type="body"/>
@@ -1386,7 +1388,7 @@
   <p:cSld>
     <p:spTree>
       <p:nvGrpSpPr>
-        <p:cNvPr id="168" name="Shape 168"/>
+        <p:cNvPr id="172" name="Shape 172"/>
         <p:cNvGrpSpPr/>
         <p:nvPr/>
       </p:nvGrpSpPr>
@@ -1400,7 +1402,7 @@
       </p:grpSpPr>
       <p:sp>
         <p:nvSpPr>
-          <p:cNvPr id="169" name="Shape 169"/>
+          <p:cNvPr id="173" name="Shape 173"/>
           <p:cNvSpPr/>
           <p:nvPr>
             <p:ph idx="2" type="sldImg"/>
@@ -1434,7 +1436,7 @@
       </p:sp>
       <p:sp>
         <p:nvSpPr>
-          <p:cNvPr id="170" name="Shape 170"/>
+          <p:cNvPr id="174" name="Shape 174"/>
           <p:cNvSpPr txBox="1"/>
           <p:nvPr>
             <p:ph idx="1" type="body"/>
@@ -1484,7 +1486,7 @@
   <p:cSld>
     <p:spTree>
       <p:nvGrpSpPr>
-        <p:cNvPr id="174" name="Shape 174"/>
+        <p:cNvPr id="178" name="Shape 178"/>
         <p:cNvGrpSpPr/>
         <p:nvPr/>
       </p:nvGrpSpPr>
@@ -1498,7 +1500,7 @@
       </p:grpSpPr>
       <p:sp>
         <p:nvSpPr>
-          <p:cNvPr id="175" name="Shape 175"/>
+          <p:cNvPr id="179" name="Shape 179"/>
           <p:cNvSpPr/>
           <p:nvPr>
             <p:ph idx="2" type="sldImg"/>
@@ -1532,7 +1534,7 @@
       </p:sp>
       <p:sp>
         <p:nvSpPr>
-          <p:cNvPr id="176" name="Shape 176"/>
+          <p:cNvPr id="180" name="Shape 180"/>
           <p:cNvSpPr txBox="1"/>
           <p:nvPr>
             <p:ph idx="1" type="body"/>
@@ -1582,7 +1584,7 @@
   <p:cSld>
     <p:spTree>
       <p:nvGrpSpPr>
-        <p:cNvPr id="184" name="Shape 184"/>
+        <p:cNvPr id="188" name="Shape 188"/>
         <p:cNvGrpSpPr/>
         <p:nvPr/>
       </p:nvGrpSpPr>
@@ -1596,7 +1598,7 @@
       </p:grpSpPr>
       <p:sp>
         <p:nvSpPr>
-          <p:cNvPr id="185" name="Shape 185"/>
+          <p:cNvPr id="189" name="Shape 189"/>
           <p:cNvSpPr/>
           <p:nvPr>
             <p:ph idx="2" type="sldImg"/>
@@ -1630,7 +1632,7 @@
       </p:sp>
       <p:sp>
         <p:nvSpPr>
-          <p:cNvPr id="186" name="Shape 186"/>
+          <p:cNvPr id="190" name="Shape 190"/>
           <p:cNvSpPr txBox="1"/>
           <p:nvPr>
             <p:ph idx="1" type="body"/>
@@ -1680,7 +1682,7 @@
   <p:cSld>
     <p:spTree>
       <p:nvGrpSpPr>
-        <p:cNvPr id="190" name="Shape 190"/>
+        <p:cNvPr id="194" name="Shape 194"/>
         <p:cNvGrpSpPr/>
         <p:nvPr/>
       </p:nvGrpSpPr>
@@ -1694,7 +1696,7 @@
       </p:grpSpPr>
       <p:sp>
         <p:nvSpPr>
-          <p:cNvPr id="191" name="Shape 191"/>
+          <p:cNvPr id="195" name="Shape 195"/>
           <p:cNvSpPr/>
           <p:nvPr>
             <p:ph idx="2" type="sldImg"/>
@@ -1728,7 +1730,7 @@
       </p:sp>
       <p:sp>
         <p:nvSpPr>
-          <p:cNvPr id="192" name="Shape 192"/>
+          <p:cNvPr id="196" name="Shape 196"/>
           <p:cNvSpPr txBox="1"/>
           <p:nvPr>
             <p:ph idx="1" type="body"/>
@@ -1876,7 +1878,7 @@
   <p:cSld>
     <p:spTree>
       <p:nvGrpSpPr>
-        <p:cNvPr id="200" name="Shape 200"/>
+        <p:cNvPr id="209" name="Shape 209"/>
         <p:cNvGrpSpPr/>
         <p:nvPr/>
       </p:nvGrpSpPr>
@@ -1890,7 +1892,7 @@
       </p:grpSpPr>
       <p:sp>
         <p:nvSpPr>
-          <p:cNvPr id="201" name="Shape 201"/>
+          <p:cNvPr id="210" name="Shape 210"/>
           <p:cNvSpPr/>
           <p:nvPr>
             <p:ph idx="2" type="sldImg"/>
@@ -1924,7 +1926,7 @@
       </p:sp>
       <p:sp>
         <p:nvSpPr>
-          <p:cNvPr id="202" name="Shape 202"/>
+          <p:cNvPr id="211" name="Shape 211"/>
           <p:cNvSpPr txBox="1"/>
           <p:nvPr>
             <p:ph idx="1" type="body"/>
@@ -1974,7 +1976,7 @@
   <p:cSld>
     <p:spTree>
       <p:nvGrpSpPr>
-        <p:cNvPr id="206" name="Shape 206"/>
+        <p:cNvPr id="215" name="Shape 215"/>
         <p:cNvGrpSpPr/>
         <p:nvPr/>
       </p:nvGrpSpPr>
@@ -1988,7 +1990,7 @@
       </p:grpSpPr>
       <p:sp>
         <p:nvSpPr>
-          <p:cNvPr id="207" name="Shape 207"/>
+          <p:cNvPr id="216" name="Shape 216"/>
           <p:cNvSpPr/>
           <p:nvPr>
             <p:ph idx="2" type="sldImg"/>
@@ -2022,7 +2024,7 @@
       </p:sp>
       <p:sp>
         <p:nvSpPr>
-          <p:cNvPr id="208" name="Shape 208"/>
+          <p:cNvPr id="217" name="Shape 217"/>
           <p:cNvSpPr txBox="1"/>
           <p:nvPr>
             <p:ph idx="1" type="body"/>
@@ -2072,7 +2074,7 @@
   <p:cSld>
     <p:spTree>
       <p:nvGrpSpPr>
-        <p:cNvPr id="226" name="Shape 226"/>
+        <p:cNvPr id="235" name="Shape 235"/>
         <p:cNvGrpSpPr/>
         <p:nvPr/>
       </p:nvGrpSpPr>
@@ -2086,7 +2088,7 @@
       </p:grpSpPr>
       <p:sp>
         <p:nvSpPr>
-          <p:cNvPr id="227" name="Shape 227"/>
+          <p:cNvPr id="236" name="Shape 236"/>
           <p:cNvSpPr/>
           <p:nvPr>
             <p:ph idx="2" type="sldImg"/>
@@ -2120,7 +2122,7 @@
       </p:sp>
       <p:sp>
         <p:nvSpPr>
-          <p:cNvPr id="228" name="Shape 228"/>
+          <p:cNvPr id="237" name="Shape 237"/>
           <p:cNvSpPr txBox="1"/>
           <p:nvPr>
             <p:ph idx="1" type="body"/>
@@ -2170,7 +2172,7 @@
   <p:cSld>
     <p:spTree>
       <p:nvGrpSpPr>
-        <p:cNvPr id="261" name="Shape 261"/>
+        <p:cNvPr id="270" name="Shape 270"/>
         <p:cNvGrpSpPr/>
         <p:nvPr/>
       </p:nvGrpSpPr>
@@ -2184,7 +2186,7 @@
       </p:grpSpPr>
       <p:sp>
         <p:nvSpPr>
-          <p:cNvPr id="262" name="Shape 262"/>
+          <p:cNvPr id="271" name="Shape 271"/>
           <p:cNvSpPr/>
           <p:nvPr>
             <p:ph idx="2" type="sldImg"/>
@@ -2218,7 +2220,7 @@
       </p:sp>
       <p:sp>
         <p:nvSpPr>
-          <p:cNvPr id="263" name="Shape 263"/>
+          <p:cNvPr id="272" name="Shape 272"/>
           <p:cNvSpPr txBox="1"/>
           <p:nvPr>
             <p:ph idx="1" type="body"/>
@@ -2268,7 +2270,7 @@
   <p:cSld>
     <p:spTree>
       <p:nvGrpSpPr>
-        <p:cNvPr id="274" name="Shape 274"/>
+        <p:cNvPr id="281" name="Shape 281"/>
         <p:cNvGrpSpPr/>
         <p:nvPr/>
       </p:nvGrpSpPr>
@@ -2282,7 +2284,7 @@
       </p:grpSpPr>
       <p:sp>
         <p:nvSpPr>
-          <p:cNvPr id="275" name="Shape 275"/>
+          <p:cNvPr id="282" name="Shape 282"/>
           <p:cNvSpPr/>
           <p:nvPr>
             <p:ph idx="2" type="sldImg"/>
@@ -2316,7 +2318,7 @@
       </p:sp>
       <p:sp>
         <p:nvSpPr>
-          <p:cNvPr id="276" name="Shape 276"/>
+          <p:cNvPr id="283" name="Shape 283"/>
           <p:cNvSpPr txBox="1"/>
           <p:nvPr>
             <p:ph idx="1" type="body"/>
@@ -2366,7 +2368,7 @@
   <p:cSld>
     <p:spTree>
       <p:nvGrpSpPr>
-        <p:cNvPr id="290" name="Shape 290"/>
+        <p:cNvPr id="295" name="Shape 295"/>
         <p:cNvGrpSpPr/>
         <p:nvPr/>
       </p:nvGrpSpPr>
@@ -2380,7 +2382,7 @@
       </p:grpSpPr>
       <p:sp>
         <p:nvSpPr>
-          <p:cNvPr id="291" name="Shape 291"/>
+          <p:cNvPr id="296" name="Shape 296"/>
           <p:cNvSpPr/>
           <p:nvPr>
             <p:ph idx="2" type="sldImg"/>
@@ -2414,7 +2416,7 @@
       </p:sp>
       <p:sp>
         <p:nvSpPr>
-          <p:cNvPr id="292" name="Shape 292"/>
+          <p:cNvPr id="297" name="Shape 297"/>
           <p:cNvSpPr txBox="1"/>
           <p:nvPr>
             <p:ph idx="1" type="body"/>
@@ -2464,7 +2466,7 @@
   <p:cSld>
     <p:spTree>
       <p:nvGrpSpPr>
-        <p:cNvPr id="302" name="Shape 302"/>
+        <p:cNvPr id="305" name="Shape 305"/>
         <p:cNvGrpSpPr/>
         <p:nvPr/>
       </p:nvGrpSpPr>
@@ -2478,7 +2480,7 @@
       </p:grpSpPr>
       <p:sp>
         <p:nvSpPr>
-          <p:cNvPr id="303" name="Shape 303"/>
+          <p:cNvPr id="306" name="Shape 306"/>
           <p:cNvSpPr/>
           <p:nvPr>
             <p:ph idx="2" type="sldImg"/>
@@ -2512,7 +2514,7 @@
       </p:sp>
       <p:sp>
         <p:nvSpPr>
-          <p:cNvPr id="304" name="Shape 304"/>
+          <p:cNvPr id="307" name="Shape 307"/>
           <p:cNvSpPr txBox="1"/>
           <p:nvPr>
             <p:ph idx="1" type="body"/>
@@ -2562,7 +2564,7 @@
   <p:cSld>
     <p:spTree>
       <p:nvGrpSpPr>
-        <p:cNvPr id="308" name="Shape 308"/>
+        <p:cNvPr id="311" name="Shape 311"/>
         <p:cNvGrpSpPr/>
         <p:nvPr/>
       </p:nvGrpSpPr>
@@ -2576,7 +2578,7 @@
       </p:grpSpPr>
       <p:sp>
         <p:nvSpPr>
-          <p:cNvPr id="309" name="Shape 309"/>
+          <p:cNvPr id="312" name="Shape 312"/>
           <p:cNvSpPr/>
           <p:nvPr>
             <p:ph idx="2" type="sldImg"/>
@@ -2610,7 +2612,7 @@
       </p:sp>
       <p:sp>
         <p:nvSpPr>
-          <p:cNvPr id="310" name="Shape 310"/>
+          <p:cNvPr id="313" name="Shape 313"/>
           <p:cNvSpPr txBox="1"/>
           <p:nvPr>
             <p:ph idx="1" type="body"/>
@@ -2660,7 +2662,7 @@
   <p:cSld>
     <p:spTree>
       <p:nvGrpSpPr>
-        <p:cNvPr id="324" name="Shape 324"/>
+        <p:cNvPr id="321" name="Shape 321"/>
         <p:cNvGrpSpPr/>
         <p:nvPr/>
       </p:nvGrpSpPr>
@@ -2674,7 +2676,7 @@
       </p:grpSpPr>
       <p:sp>
         <p:nvSpPr>
-          <p:cNvPr id="325" name="Shape 325"/>
+          <p:cNvPr id="322" name="Shape 322"/>
           <p:cNvSpPr/>
           <p:nvPr>
             <p:ph idx="2" type="sldImg"/>
@@ -2708,7 +2710,7 @@
       </p:sp>
       <p:sp>
         <p:nvSpPr>
-          <p:cNvPr id="326" name="Shape 326"/>
+          <p:cNvPr id="323" name="Shape 323"/>
           <p:cNvSpPr txBox="1"/>
           <p:nvPr>
             <p:ph idx="1" type="body"/>
@@ -2758,7 +2760,7 @@
   <p:cSld>
     <p:spTree>
       <p:nvGrpSpPr>
-        <p:cNvPr id="330" name="Shape 330"/>
+        <p:cNvPr id="327" name="Shape 327"/>
         <p:cNvGrpSpPr/>
         <p:nvPr/>
       </p:nvGrpSpPr>
@@ -2772,7 +2774,7 @@
       </p:grpSpPr>
       <p:sp>
         <p:nvSpPr>
-          <p:cNvPr id="331" name="Shape 331"/>
+          <p:cNvPr id="328" name="Shape 328"/>
           <p:cNvSpPr/>
           <p:nvPr>
             <p:ph idx="2" type="sldImg"/>
@@ -2806,7 +2808,7 @@
       </p:sp>
       <p:sp>
         <p:nvSpPr>
-          <p:cNvPr id="332" name="Shape 332"/>
+          <p:cNvPr id="329" name="Shape 329"/>
           <p:cNvSpPr txBox="1"/>
           <p:nvPr>
             <p:ph idx="1" type="body"/>
@@ -2949,6 +2951,202 @@
 </p:notes>
 </file>
 
+<file path=ppt/notesSlides/notesSlide30.xml><?xml version="1.0" encoding="utf-8"?>
+<p:notes xmlns:a="http://schemas.openxmlformats.org/drawingml/2006/main" xmlns:r="http://schemas.openxmlformats.org/officeDocument/2006/relationships" xmlns:mc="http://schemas.openxmlformats.org/markup-compatibility/2006" xmlns:mv="urn:schemas-microsoft-com:mac:vml" xmlns:p="http://schemas.openxmlformats.org/presentationml/2006/main" xmlns:c="http://schemas.openxmlformats.org/drawingml/2006/chart" xmlns:dgm="http://schemas.openxmlformats.org/drawingml/2006/diagram" xmlns:o="urn:schemas-microsoft-com:office:office" xmlns:v="urn:schemas-microsoft-com:vml" xmlns:pvml="urn:schemas-microsoft-com:office:powerpoint" xmlns:com="http://schemas.openxmlformats.org/drawingml/2006/compatibility" xmlns:p14="http://schemas.microsoft.com/office/powerpoint/2010/main" xmlns:p15="http://schemas.microsoft.com/office/powerpoint/2012/main" showMasterPhAnim="0" showMasterSp="0">
+  <p:cSld>
+    <p:spTree>
+      <p:nvGrpSpPr>
+        <p:cNvPr id="333" name="Shape 333"/>
+        <p:cNvGrpSpPr/>
+        <p:nvPr/>
+      </p:nvGrpSpPr>
+      <p:grpSpPr>
+        <a:xfrm>
+          <a:off x="0" y="0"/>
+          <a:ext cx="0" cy="0"/>
+          <a:chOff x="0" y="0"/>
+          <a:chExt cx="0" cy="0"/>
+        </a:xfrm>
+      </p:grpSpPr>
+      <p:sp>
+        <p:nvSpPr>
+          <p:cNvPr id="334" name="Shape 334"/>
+          <p:cNvSpPr/>
+          <p:nvPr>
+            <p:ph idx="2" type="sldImg"/>
+          </p:nvPr>
+        </p:nvSpPr>
+        <p:spPr>
+          <a:xfrm>
+            <a:off x="1143309" y="685800"/>
+            <a:ext cx="4572000" cy="3429000"/>
+          </a:xfrm>
+          <a:custGeom>
+            <a:pathLst>
+              <a:path extrusionOk="0" h="120000" w="120000">
+                <a:moveTo>
+                  <a:pt x="0" y="0"/>
+                </a:moveTo>
+                <a:lnTo>
+                  <a:pt x="120000" y="0"/>
+                </a:lnTo>
+                <a:lnTo>
+                  <a:pt x="120000" y="120000"/>
+                </a:lnTo>
+                <a:lnTo>
+                  <a:pt x="0" y="120000"/>
+                </a:lnTo>
+                <a:close/>
+              </a:path>
+            </a:pathLst>
+          </a:custGeom>
+        </p:spPr>
+      </p:sp>
+      <p:sp>
+        <p:nvSpPr>
+          <p:cNvPr id="335" name="Shape 335"/>
+          <p:cNvSpPr txBox="1"/>
+          <p:nvPr>
+            <p:ph idx="1" type="body"/>
+          </p:nvPr>
+        </p:nvSpPr>
+        <p:spPr>
+          <a:xfrm>
+            <a:off x="685800" y="4343400"/>
+            <a:ext cx="5486400" cy="4114800"/>
+          </a:xfrm>
+          <a:prstGeom prst="rect">
+            <a:avLst/>
+          </a:prstGeom>
+        </p:spPr>
+        <p:txBody>
+          <a:bodyPr anchorCtr="0" anchor="t" bIns="91425" lIns="91425" spcFirstLastPara="1" rIns="91425" wrap="square" tIns="91425">
+            <a:noAutofit/>
+          </a:bodyPr>
+          <a:lstStyle/>
+          <a:p>
+            <a:pPr indent="0" lvl="0" marL="0">
+              <a:spcBef>
+                <a:spcPts val="0"/>
+              </a:spcBef>
+              <a:spcAft>
+                <a:spcPts val="0"/>
+              </a:spcAft>
+              <a:buNone/>
+            </a:pPr>
+            <a:r>
+              <a:t/>
+            </a:r>
+            <a:endParaRPr/>
+          </a:p>
+        </p:txBody>
+      </p:sp>
+    </p:spTree>
+  </p:cSld>
+  <p:clrMapOvr>
+    <a:masterClrMapping/>
+  </p:clrMapOvr>
+</p:notes>
+</file>
+
+<file path=ppt/notesSlides/notesSlide31.xml><?xml version="1.0" encoding="utf-8"?>
+<p:notes xmlns:a="http://schemas.openxmlformats.org/drawingml/2006/main" xmlns:r="http://schemas.openxmlformats.org/officeDocument/2006/relationships" xmlns:mc="http://schemas.openxmlformats.org/markup-compatibility/2006" xmlns:mv="urn:schemas-microsoft-com:mac:vml" xmlns:p="http://schemas.openxmlformats.org/presentationml/2006/main" xmlns:c="http://schemas.openxmlformats.org/drawingml/2006/chart" xmlns:dgm="http://schemas.openxmlformats.org/drawingml/2006/diagram" xmlns:o="urn:schemas-microsoft-com:office:office" xmlns:v="urn:schemas-microsoft-com:vml" xmlns:pvml="urn:schemas-microsoft-com:office:powerpoint" xmlns:com="http://schemas.openxmlformats.org/drawingml/2006/compatibility" xmlns:p14="http://schemas.microsoft.com/office/powerpoint/2010/main" xmlns:p15="http://schemas.microsoft.com/office/powerpoint/2012/main" showMasterPhAnim="0" showMasterSp="0">
+  <p:cSld>
+    <p:spTree>
+      <p:nvGrpSpPr>
+        <p:cNvPr id="339" name="Shape 339"/>
+        <p:cNvGrpSpPr/>
+        <p:nvPr/>
+      </p:nvGrpSpPr>
+      <p:grpSpPr>
+        <a:xfrm>
+          <a:off x="0" y="0"/>
+          <a:ext cx="0" cy="0"/>
+          <a:chOff x="0" y="0"/>
+          <a:chExt cx="0" cy="0"/>
+        </a:xfrm>
+      </p:grpSpPr>
+      <p:sp>
+        <p:nvSpPr>
+          <p:cNvPr id="340" name="Shape 340"/>
+          <p:cNvSpPr/>
+          <p:nvPr>
+            <p:ph idx="2" type="sldImg"/>
+          </p:nvPr>
+        </p:nvSpPr>
+        <p:spPr>
+          <a:xfrm>
+            <a:off x="1143309" y="685800"/>
+            <a:ext cx="4572000" cy="3429000"/>
+          </a:xfrm>
+          <a:custGeom>
+            <a:pathLst>
+              <a:path extrusionOk="0" h="120000" w="120000">
+                <a:moveTo>
+                  <a:pt x="0" y="0"/>
+                </a:moveTo>
+                <a:lnTo>
+                  <a:pt x="120000" y="0"/>
+                </a:lnTo>
+                <a:lnTo>
+                  <a:pt x="120000" y="120000"/>
+                </a:lnTo>
+                <a:lnTo>
+                  <a:pt x="0" y="120000"/>
+                </a:lnTo>
+                <a:close/>
+              </a:path>
+            </a:pathLst>
+          </a:custGeom>
+        </p:spPr>
+      </p:sp>
+      <p:sp>
+        <p:nvSpPr>
+          <p:cNvPr id="341" name="Shape 341"/>
+          <p:cNvSpPr txBox="1"/>
+          <p:nvPr>
+            <p:ph idx="1" type="body"/>
+          </p:nvPr>
+        </p:nvSpPr>
+        <p:spPr>
+          <a:xfrm>
+            <a:off x="685800" y="4343400"/>
+            <a:ext cx="5486400" cy="4114800"/>
+          </a:xfrm>
+          <a:prstGeom prst="rect">
+            <a:avLst/>
+          </a:prstGeom>
+        </p:spPr>
+        <p:txBody>
+          <a:bodyPr anchorCtr="0" anchor="t" bIns="91425" lIns="91425" spcFirstLastPara="1" rIns="91425" wrap="square" tIns="91425">
+            <a:noAutofit/>
+          </a:bodyPr>
+          <a:lstStyle/>
+          <a:p>
+            <a:pPr indent="0" lvl="0" marL="0">
+              <a:spcBef>
+                <a:spcPts val="0"/>
+              </a:spcBef>
+              <a:spcAft>
+                <a:spcPts val="0"/>
+              </a:spcAft>
+              <a:buNone/>
+            </a:pPr>
+            <a:r>
+              <a:t/>
+            </a:r>
+            <a:endParaRPr/>
+          </a:p>
+        </p:txBody>
+      </p:sp>
+    </p:spTree>
+  </p:cSld>
+  <p:clrMapOvr>
+    <a:masterClrMapping/>
+  </p:clrMapOvr>
+</p:notes>
+</file>
+
 <file path=ppt/notesSlides/notesSlide4.xml><?xml version="1.0" encoding="utf-8"?>
 <p:notes xmlns:a="http://schemas.openxmlformats.org/drawingml/2006/main" xmlns:r="http://schemas.openxmlformats.org/officeDocument/2006/relationships" xmlns:mc="http://schemas.openxmlformats.org/markup-compatibility/2006" xmlns:mv="urn:schemas-microsoft-com:mac:vml" xmlns:p="http://schemas.openxmlformats.org/presentationml/2006/main" xmlns:c="http://schemas.openxmlformats.org/drawingml/2006/chart" xmlns:dgm="http://schemas.openxmlformats.org/drawingml/2006/diagram" xmlns:o="urn:schemas-microsoft-com:office:office" xmlns:v="urn:schemas-microsoft-com:vml" xmlns:pvml="urn:schemas-microsoft-com:office:powerpoint" xmlns:com="http://schemas.openxmlformats.org/drawingml/2006/compatibility" xmlns:p14="http://schemas.microsoft.com/office/powerpoint/2010/main" xmlns:p15="http://schemas.microsoft.com/office/powerpoint/2012/main" showMasterPhAnim="0" showMasterSp="0">
   <p:cSld>
@@ -3934,7 +4132,7 @@
           <p:cNvPr id="45" name="Shape 45"/>
           <p:cNvSpPr txBox="1"/>
           <p:nvPr>
-            <p:ph type="title"/>
+            <p:ph hasCustomPrompt="1" type="title"/>
           </p:nvPr>
         </p:nvSpPr>
         <p:spPr>
@@ -4049,7 +4247,11 @@
               <a:defRPr sz="12000"/>
             </a:lvl9pPr>
           </a:lstStyle>
-          <a:p/>
+          <a:p>
+            <a:r>
+              <a:t>xx%</a:t>
+            </a:r>
+          </a:p>
         </p:txBody>
       </p:sp>
       <p:sp>
@@ -8274,7 +8476,7 @@
         </p:nvSpPr>
         <p:spPr>
           <a:xfrm>
-            <a:off x="311700" y="593367"/>
+            <a:off x="311700" y="182842"/>
             <a:ext cx="8520600" cy="763500"/>
           </a:xfrm>
           <a:prstGeom prst="rect">
@@ -8304,42 +8506,15 @@
           </a:p>
         </p:txBody>
       </p:sp>
-      <p:pic>
-        <p:nvPicPr>
+      <p:sp>
+        <p:nvSpPr>
           <p:cNvPr id="110" name="Shape 110"/>
-          <p:cNvPicPr preferRelativeResize="0"/>
-          <p:nvPr/>
-        </p:nvPicPr>
-        <p:blipFill rotWithShape="1">
-          <a:blip r:embed="rId3">
-            <a:alphaModFix/>
-          </a:blip>
-          <a:srcRect b="0" l="0" r="38574" t="0"/>
-          <a:stretch/>
-        </p:blipFill>
-        <p:spPr>
-          <a:xfrm>
-            <a:off x="2567820" y="1465800"/>
-            <a:ext cx="5167250" cy="5392200"/>
-          </a:xfrm>
-          <a:prstGeom prst="rect">
-            <a:avLst/>
-          </a:prstGeom>
-          <a:noFill/>
-          <a:ln>
-            <a:noFill/>
-          </a:ln>
-        </p:spPr>
-      </p:pic>
-      <p:sp>
-        <p:nvSpPr>
-          <p:cNvPr id="111" name="Shape 111"/>
           <p:cNvSpPr/>
           <p:nvPr/>
         </p:nvSpPr>
         <p:spPr>
           <a:xfrm>
-            <a:off x="2567825" y="2500600"/>
+            <a:off x="2413138" y="2341200"/>
             <a:ext cx="268800" cy="2845800"/>
           </a:xfrm>
           <a:prstGeom prst="leftBrace">
@@ -8383,14 +8558,14 @@
       </p:sp>
       <p:sp>
         <p:nvSpPr>
-          <p:cNvPr id="112" name="Shape 112"/>
+          <p:cNvPr id="111" name="Shape 111"/>
           <p:cNvSpPr txBox="1"/>
           <p:nvPr/>
         </p:nvSpPr>
         <p:spPr>
           <a:xfrm>
-            <a:off x="431225" y="3200325"/>
-            <a:ext cx="2136600" cy="2528700"/>
+            <a:off x="713063" y="2449200"/>
+            <a:ext cx="1700100" cy="2528700"/>
           </a:xfrm>
           <a:prstGeom prst="rect">
             <a:avLst/>
@@ -8423,44 +8598,16 @@
           </a:p>
         </p:txBody>
       </p:sp>
-      <p:cxnSp>
-        <p:nvCxnSpPr>
-          <p:cNvPr id="113" name="Shape 113"/>
-          <p:cNvCxnSpPr/>
-          <p:nvPr/>
-        </p:nvCxnSpPr>
-        <p:spPr>
-          <a:xfrm rot="-5400000">
-            <a:off x="6629425" y="1031025"/>
-            <a:ext cx="643800" cy="541200"/>
-          </a:xfrm>
-          <a:prstGeom prst="bentConnector3">
-            <a:avLst>
-              <a:gd fmla="val 50000" name="adj1"/>
-            </a:avLst>
-          </a:prstGeom>
-          <a:noFill/>
-          <a:ln cap="flat" cmpd="sng" w="9525">
-            <a:solidFill>
-              <a:schemeClr val="dk2"/>
-            </a:solidFill>
-            <a:prstDash val="solid"/>
-            <a:round/>
-            <a:headEnd len="med" w="med" type="stealth"/>
-            <a:tailEnd len="med" w="med" type="none"/>
-          </a:ln>
-        </p:spPr>
-      </p:cxnSp>
-      <p:sp>
-        <p:nvSpPr>
-          <p:cNvPr id="114" name="Shape 114"/>
+      <p:sp>
+        <p:nvSpPr>
+          <p:cNvPr id="112" name="Shape 112"/>
           <p:cNvSpPr txBox="1"/>
           <p:nvPr/>
         </p:nvSpPr>
         <p:spPr>
           <a:xfrm>
-            <a:off x="5896950" y="593375"/>
-            <a:ext cx="3097800" cy="354600"/>
+            <a:off x="713063" y="1447425"/>
+            <a:ext cx="1968900" cy="354600"/>
           </a:xfrm>
           <a:prstGeom prst="rect">
             <a:avLst/>
@@ -8493,16 +8640,43 @@
           </a:p>
         </p:txBody>
       </p:sp>
+      <p:pic>
+        <p:nvPicPr>
+          <p:cNvPr id="113" name="Shape 113"/>
+          <p:cNvPicPr preferRelativeResize="0"/>
+          <p:nvPr/>
+        </p:nvPicPr>
+        <p:blipFill rotWithShape="1">
+          <a:blip r:embed="rId3">
+            <a:alphaModFix/>
+          </a:blip>
+          <a:srcRect b="0" l="0" r="32523" t="0"/>
+          <a:stretch/>
+        </p:blipFill>
+        <p:spPr>
+          <a:xfrm>
+            <a:off x="2590363" y="1225450"/>
+            <a:ext cx="5840574" cy="5501125"/>
+          </a:xfrm>
+          <a:prstGeom prst="rect">
+            <a:avLst/>
+          </a:prstGeom>
+          <a:noFill/>
+          <a:ln>
+            <a:noFill/>
+          </a:ln>
+        </p:spPr>
+      </p:pic>
       <p:cxnSp>
         <p:nvCxnSpPr>
-          <p:cNvPr id="115" name="Shape 115"/>
+          <p:cNvPr id="114" name="Shape 114"/>
           <p:cNvCxnSpPr/>
           <p:nvPr/>
         </p:nvCxnSpPr>
         <p:spPr>
           <a:xfrm>
-            <a:off x="2164700" y="1968750"/>
-            <a:ext cx="727800" cy="0"/>
+            <a:off x="2468088" y="1781400"/>
+            <a:ext cx="471000" cy="0"/>
           </a:xfrm>
           <a:prstGeom prst="straightConnector1">
             <a:avLst/>
@@ -8515,52 +8689,10 @@
             <a:prstDash val="solid"/>
             <a:round/>
             <a:headEnd len="med" w="med" type="none"/>
-            <a:tailEnd len="med" w="med" type="stealth"/>
+            <a:tailEnd len="med" w="med" type="triangle"/>
           </a:ln>
         </p:spPr>
       </p:cxnSp>
-      <p:sp>
-        <p:nvSpPr>
-          <p:cNvPr id="116" name="Shape 116"/>
-          <p:cNvSpPr txBox="1"/>
-          <p:nvPr/>
-        </p:nvSpPr>
-        <p:spPr>
-          <a:xfrm>
-            <a:off x="195950" y="1679500"/>
-            <a:ext cx="1968900" cy="1173000"/>
-          </a:xfrm>
-          <a:prstGeom prst="rect">
-            <a:avLst/>
-          </a:prstGeom>
-          <a:noFill/>
-          <a:ln>
-            <a:noFill/>
-          </a:ln>
-        </p:spPr>
-        <p:txBody>
-          <a:bodyPr anchorCtr="0" anchor="t" bIns="91425" lIns="91425" spcFirstLastPara="1" rIns="91425" wrap="square" tIns="91425">
-            <a:noAutofit/>
-          </a:bodyPr>
-          <a:lstStyle/>
-          <a:p>
-            <a:pPr indent="0" lvl="0" marL="0">
-              <a:spcBef>
-                <a:spcPts val="0"/>
-              </a:spcBef>
-              <a:spcAft>
-                <a:spcPts val="0"/>
-              </a:spcAft>
-              <a:buNone/>
-            </a:pPr>
-            <a:r>
-              <a:rPr lang="en-GB"/>
-              <a:t>This is where you can create new repositories or add them to GitHub Desktop</a:t>
-            </a:r>
-            <a:endParaRPr/>
-          </a:p>
-        </p:txBody>
-      </p:sp>
     </p:spTree>
   </p:cSld>
   <p:clrMapOvr>
@@ -8574,7 +8706,7 @@
   <p:cSld>
     <p:spTree>
       <p:nvGrpSpPr>
-        <p:cNvPr id="120" name="Shape 120"/>
+        <p:cNvPr id="118" name="Shape 118"/>
         <p:cNvGrpSpPr/>
         <p:nvPr/>
       </p:nvGrpSpPr>
@@ -8588,7 +8720,7 @@
       </p:grpSpPr>
       <p:sp>
         <p:nvSpPr>
-          <p:cNvPr id="121" name="Shape 121"/>
+          <p:cNvPr id="119" name="Shape 119"/>
           <p:cNvSpPr txBox="1"/>
           <p:nvPr>
             <p:ph type="title"/>
@@ -8596,7 +8728,7 @@
         </p:nvSpPr>
         <p:spPr>
           <a:xfrm>
-            <a:off x="311700" y="593367"/>
+            <a:off x="311700" y="288567"/>
             <a:ext cx="8520600" cy="763500"/>
           </a:xfrm>
           <a:prstGeom prst="rect">
@@ -8628,7 +8760,7 @@
       </p:sp>
       <p:sp>
         <p:nvSpPr>
-          <p:cNvPr id="122" name="Shape 122"/>
+          <p:cNvPr id="120" name="Shape 120"/>
           <p:cNvSpPr txBox="1"/>
           <p:nvPr>
             <p:ph idx="1" type="body"/>
@@ -8636,7 +8768,7 @@
         </p:nvSpPr>
         <p:spPr>
           <a:xfrm>
-            <a:off x="311700" y="1126082"/>
+            <a:off x="311700" y="821282"/>
             <a:ext cx="8520600" cy="609300"/>
           </a:xfrm>
           <a:prstGeom prst="rect">
@@ -8666,23 +8798,313 @@
           </a:p>
         </p:txBody>
       </p:sp>
+      <p:sp>
+        <p:nvSpPr>
+          <p:cNvPr id="121" name="Shape 121"/>
+          <p:cNvSpPr txBox="1"/>
+          <p:nvPr/>
+        </p:nvSpPr>
+        <p:spPr>
+          <a:xfrm>
+            <a:off x="619125" y="1785475"/>
+            <a:ext cx="2000100" cy="2729400"/>
+          </a:xfrm>
+          <a:prstGeom prst="rect">
+            <a:avLst/>
+          </a:prstGeom>
+          <a:noFill/>
+          <a:ln>
+            <a:noFill/>
+          </a:ln>
+        </p:spPr>
+        <p:txBody>
+          <a:bodyPr anchorCtr="0" anchor="t" bIns="91425" lIns="91425" spcFirstLastPara="1" rIns="91425" wrap="square" tIns="91425">
+            <a:noAutofit/>
+          </a:bodyPr>
+          <a:lstStyle/>
+          <a:p>
+            <a:pPr indent="0" lvl="0" marL="0" rtl="0">
+              <a:spcBef>
+                <a:spcPts val="0"/>
+              </a:spcBef>
+              <a:spcAft>
+                <a:spcPts val="0"/>
+              </a:spcAft>
+              <a:buNone/>
+            </a:pPr>
+            <a:r>
+              <a:rPr lang="en-GB"/>
+              <a:t>By selecting ‘Add Local’ or ‘New’ here, you can either add an existing repository on your computer (e.g. one you created by running </a:t>
+            </a:r>
+            <a:r>
+              <a:rPr lang="en-GB">
+                <a:latin typeface="Courier New"/>
+                <a:ea typeface="Courier New"/>
+                <a:cs typeface="Courier New"/>
+                <a:sym typeface="Courier New"/>
+              </a:rPr>
+              <a:t>git init</a:t>
+            </a:r>
+            <a:r>
+              <a:rPr lang="en-GB"/>
+              <a:t> in the terminal) to GitHub Desktop, or create a new one by selecting the folder you want Git to track.</a:t>
+            </a:r>
+            <a:endParaRPr/>
+          </a:p>
+          <a:p>
+            <a:pPr indent="0" lvl="0" marL="0" rtl="0">
+              <a:spcBef>
+                <a:spcPts val="0"/>
+              </a:spcBef>
+              <a:spcAft>
+                <a:spcPts val="0"/>
+              </a:spcAft>
+              <a:buNone/>
+            </a:pPr>
+            <a:r>
+              <a:t/>
+            </a:r>
+            <a:endParaRPr/>
+          </a:p>
+        </p:txBody>
+      </p:sp>
+      <p:grpSp>
+        <p:nvGrpSpPr>
+          <p:cNvPr id="122" name="Shape 122"/>
+          <p:cNvGrpSpPr/>
+          <p:nvPr/>
+        </p:nvGrpSpPr>
+        <p:grpSpPr>
+          <a:xfrm>
+            <a:off x="1328250" y="1469425"/>
+            <a:ext cx="6487499" cy="1025750"/>
+            <a:chOff x="1314000" y="1945675"/>
+            <a:chExt cx="6487499" cy="1025750"/>
+          </a:xfrm>
+        </p:grpSpPr>
+        <p:grpSp>
+          <p:nvGrpSpPr>
+            <p:cNvPr id="123" name="Shape 123"/>
+            <p:cNvGrpSpPr/>
+            <p:nvPr/>
+          </p:nvGrpSpPr>
+          <p:grpSpPr>
+            <a:xfrm>
+              <a:off x="1314000" y="1945675"/>
+              <a:ext cx="6487499" cy="1025750"/>
+              <a:chOff x="1085475" y="1507525"/>
+              <a:chExt cx="6487499" cy="1025750"/>
+            </a:xfrm>
+          </p:grpSpPr>
+          <p:pic>
+            <p:nvPicPr>
+              <p:cNvPr id="124" name="Shape 124"/>
+              <p:cNvPicPr preferRelativeResize="0"/>
+              <p:nvPr/>
+            </p:nvPicPr>
+            <p:blipFill rotWithShape="1">
+              <a:blip r:embed="rId3">
+                <a:alphaModFix/>
+              </a:blip>
+              <a:srcRect b="0" l="0" r="0" t="11166"/>
+              <a:stretch/>
+            </p:blipFill>
+            <p:spPr>
+              <a:xfrm>
+                <a:off x="2417100" y="1698176"/>
+                <a:ext cx="2151175" cy="835100"/>
+              </a:xfrm>
+              <a:prstGeom prst="rect">
+                <a:avLst/>
+              </a:prstGeom>
+              <a:noFill/>
+              <a:ln>
+                <a:noFill/>
+              </a:ln>
+            </p:spPr>
+          </p:pic>
+          <p:pic>
+            <p:nvPicPr>
+              <p:cNvPr id="125" name="Shape 125"/>
+              <p:cNvPicPr preferRelativeResize="0"/>
+              <p:nvPr/>
+            </p:nvPicPr>
+            <p:blipFill rotWithShape="1">
+              <a:blip r:embed="rId4">
+                <a:alphaModFix/>
+              </a:blip>
+              <a:srcRect b="7054" l="0" r="41877" t="0"/>
+              <a:stretch/>
+            </p:blipFill>
+            <p:spPr>
+              <a:xfrm>
+                <a:off x="1085475" y="1507525"/>
+                <a:ext cx="6487499" cy="190650"/>
+              </a:xfrm>
+              <a:prstGeom prst="rect">
+                <a:avLst/>
+              </a:prstGeom>
+              <a:noFill/>
+              <a:ln>
+                <a:noFill/>
+              </a:ln>
+            </p:spPr>
+          </p:pic>
+        </p:grpSp>
+        <p:sp>
+          <p:nvSpPr>
+            <p:cNvPr id="126" name="Shape 126"/>
+            <p:cNvSpPr/>
+            <p:nvPr/>
+          </p:nvSpPr>
+          <p:spPr>
+            <a:xfrm>
+              <a:off x="2828925" y="2152650"/>
+              <a:ext cx="1800300" cy="190500"/>
+            </a:xfrm>
+            <a:prstGeom prst="rect">
+              <a:avLst/>
+            </a:prstGeom>
+            <a:noFill/>
+            <a:ln cap="flat" cmpd="sng" w="19050">
+              <a:solidFill>
+                <a:srgbClr val="FF0000"/>
+              </a:solidFill>
+              <a:prstDash val="solid"/>
+              <a:round/>
+              <a:headEnd len="sm" w="sm" type="none"/>
+              <a:tailEnd len="sm" w="sm" type="none"/>
+            </a:ln>
+          </p:spPr>
+          <p:txBody>
+            <a:bodyPr anchorCtr="0" anchor="ctr" bIns="91425" lIns="91425" spcFirstLastPara="1" rIns="91425" wrap="square" tIns="91425">
+              <a:noAutofit/>
+            </a:bodyPr>
+            <a:lstStyle/>
+            <a:p>
+              <a:pPr indent="0" lvl="0" marL="0">
+                <a:spcBef>
+                  <a:spcPts val="0"/>
+                </a:spcBef>
+                <a:spcAft>
+                  <a:spcPts val="0"/>
+                </a:spcAft>
+                <a:buNone/>
+              </a:pPr>
+              <a:r>
+                <a:t/>
+              </a:r>
+              <a:endParaRPr/>
+            </a:p>
+          </p:txBody>
+        </p:sp>
+        <p:sp>
+          <p:nvSpPr>
+            <p:cNvPr id="127" name="Shape 127"/>
+            <p:cNvSpPr/>
+            <p:nvPr/>
+          </p:nvSpPr>
+          <p:spPr>
+            <a:xfrm>
+              <a:off x="2828925" y="2396450"/>
+              <a:ext cx="1800300" cy="190500"/>
+            </a:xfrm>
+            <a:prstGeom prst="rect">
+              <a:avLst/>
+            </a:prstGeom>
+            <a:noFill/>
+            <a:ln cap="flat" cmpd="sng" w="19050">
+              <a:solidFill>
+                <a:srgbClr val="FF0000"/>
+              </a:solidFill>
+              <a:prstDash val="solid"/>
+              <a:round/>
+              <a:headEnd len="sm" w="sm" type="none"/>
+              <a:tailEnd len="sm" w="sm" type="none"/>
+            </a:ln>
+          </p:spPr>
+          <p:txBody>
+            <a:bodyPr anchorCtr="0" anchor="ctr" bIns="91425" lIns="91425" spcFirstLastPara="1" rIns="91425" wrap="square" tIns="91425">
+              <a:noAutofit/>
+            </a:bodyPr>
+            <a:lstStyle/>
+            <a:p>
+              <a:pPr indent="0" lvl="0" marL="0">
+                <a:spcBef>
+                  <a:spcPts val="0"/>
+                </a:spcBef>
+                <a:spcAft>
+                  <a:spcPts val="0"/>
+                </a:spcAft>
+                <a:buNone/>
+              </a:pPr>
+              <a:r>
+                <a:t/>
+              </a:r>
+              <a:endParaRPr/>
+            </a:p>
+          </p:txBody>
+        </p:sp>
+      </p:grpSp>
+      <p:sp>
+        <p:nvSpPr>
+          <p:cNvPr id="128" name="Shape 128"/>
+          <p:cNvSpPr txBox="1"/>
+          <p:nvPr/>
+        </p:nvSpPr>
+        <p:spPr>
+          <a:xfrm>
+            <a:off x="619125" y="4662725"/>
+            <a:ext cx="5210100" cy="1395300"/>
+          </a:xfrm>
+          <a:prstGeom prst="rect">
+            <a:avLst/>
+          </a:prstGeom>
+          <a:noFill/>
+          <a:ln>
+            <a:noFill/>
+          </a:ln>
+        </p:spPr>
+        <p:txBody>
+          <a:bodyPr anchorCtr="0" anchor="t" bIns="91425" lIns="91425" spcFirstLastPara="1" rIns="91425" wrap="square" tIns="91425">
+            <a:noAutofit/>
+          </a:bodyPr>
+          <a:lstStyle/>
+          <a:p>
+            <a:pPr indent="0" lvl="0" marL="0" rtl="0">
+              <a:spcBef>
+                <a:spcPts val="0"/>
+              </a:spcBef>
+              <a:spcAft>
+                <a:spcPts val="0"/>
+              </a:spcAft>
+              <a:buNone/>
+            </a:pPr>
+            <a:r>
+              <a:rPr lang="en-GB"/>
+              <a:t>After you’ve created or added a repository this way, you’ll have the option to publish it to GitHub if you want it hosted on the web.  By default, this will make your repository visible to anyone on the internet, so make sure you don’t have any sensitive information (e.g. hard coded passwords) in it first.</a:t>
+            </a:r>
+            <a:endParaRPr/>
+          </a:p>
+        </p:txBody>
+      </p:sp>
       <p:pic>
         <p:nvPicPr>
-          <p:cNvPr id="123" name="Shape 123"/>
+          <p:cNvPr id="129" name="Shape 129"/>
           <p:cNvPicPr preferRelativeResize="0"/>
           <p:nvPr/>
         </p:nvPicPr>
         <p:blipFill rotWithShape="1">
-          <a:blip r:embed="rId3">
+          <a:blip r:embed="rId5">
             <a:alphaModFix/>
           </a:blip>
-          <a:srcRect b="0" l="0" r="37304" t="0"/>
+          <a:srcRect b="39921" l="33849" r="33919" t="33940"/>
           <a:stretch/>
         </p:blipFill>
         <p:spPr>
           <a:xfrm>
-            <a:off x="3502100" y="1595400"/>
-            <a:ext cx="5147374" cy="5262600"/>
+            <a:off x="2871723" y="2816788"/>
+            <a:ext cx="2957499" cy="1524324"/>
           </a:xfrm>
           <a:prstGeom prst="rect">
             <a:avLst/>
@@ -8693,16 +9115,43 @@
           </a:ln>
         </p:spPr>
       </p:pic>
+      <p:pic>
+        <p:nvPicPr>
+          <p:cNvPr id="130" name="Shape 130"/>
+          <p:cNvPicPr preferRelativeResize="0"/>
+          <p:nvPr/>
+        </p:nvPicPr>
+        <p:blipFill rotWithShape="1">
+          <a:blip r:embed="rId6">
+            <a:alphaModFix/>
+          </a:blip>
+          <a:srcRect b="24895" l="33810" r="33903" t="18791"/>
+          <a:stretch/>
+        </p:blipFill>
+        <p:spPr>
+          <a:xfrm>
+            <a:off x="5931200" y="2495175"/>
+            <a:ext cx="2831798" cy="3139074"/>
+          </a:xfrm>
+          <a:prstGeom prst="rect">
+            <a:avLst/>
+          </a:prstGeom>
+          <a:noFill/>
+          <a:ln>
+            <a:noFill/>
+          </a:ln>
+        </p:spPr>
+      </p:pic>
       <p:cxnSp>
         <p:nvCxnSpPr>
-          <p:cNvPr id="124" name="Shape 124"/>
+          <p:cNvPr id="131" name="Shape 131"/>
           <p:cNvCxnSpPr/>
           <p:nvPr/>
         </p:nvCxnSpPr>
         <p:spPr>
-          <a:xfrm>
-            <a:off x="2920500" y="2388625"/>
-            <a:ext cx="933000" cy="0"/>
+          <a:xfrm flipH="1" rot="10800000">
+            <a:off x="2333625" y="1781550"/>
+            <a:ext cx="378600" cy="218700"/>
           </a:xfrm>
           <a:prstGeom prst="straightConnector1">
             <a:avLst/>
@@ -8715,190 +9164,10 @@
             <a:prstDash val="solid"/>
             <a:round/>
             <a:headEnd len="med" w="med" type="none"/>
-            <a:tailEnd len="med" w="med" type="stealth"/>
+            <a:tailEnd len="med" w="med" type="triangle"/>
           </a:ln>
         </p:spPr>
       </p:cxnSp>
-      <p:sp>
-        <p:nvSpPr>
-          <p:cNvPr id="125" name="Shape 125"/>
-          <p:cNvSpPr/>
-          <p:nvPr/>
-        </p:nvSpPr>
-        <p:spPr>
-          <a:xfrm>
-            <a:off x="4935900" y="2276675"/>
-            <a:ext cx="755700" cy="186600"/>
-          </a:xfrm>
-          <a:prstGeom prst="rect">
-            <a:avLst/>
-          </a:prstGeom>
-          <a:noFill/>
-          <a:ln cap="flat" cmpd="sng" w="19050">
-            <a:solidFill>
-              <a:srgbClr val="FF0000"/>
-            </a:solidFill>
-            <a:prstDash val="solid"/>
-            <a:round/>
-            <a:headEnd len="sm" w="sm" type="none"/>
-            <a:tailEnd len="sm" w="sm" type="none"/>
-          </a:ln>
-        </p:spPr>
-        <p:txBody>
-          <a:bodyPr anchorCtr="0" anchor="ctr" bIns="91425" lIns="91425" spcFirstLastPara="1" rIns="91425" wrap="square" tIns="91425">
-            <a:noAutofit/>
-          </a:bodyPr>
-          <a:lstStyle/>
-          <a:p>
-            <a:pPr indent="0" lvl="0" marL="0">
-              <a:spcBef>
-                <a:spcPts val="0"/>
-              </a:spcBef>
-              <a:spcAft>
-                <a:spcPts val="0"/>
-              </a:spcAft>
-              <a:buNone/>
-            </a:pPr>
-            <a:r>
-              <a:t/>
-            </a:r>
-            <a:endParaRPr/>
-          </a:p>
-        </p:txBody>
-      </p:sp>
-      <p:sp>
-        <p:nvSpPr>
-          <p:cNvPr id="126" name="Shape 126"/>
-          <p:cNvSpPr txBox="1"/>
-          <p:nvPr/>
-        </p:nvSpPr>
-        <p:spPr>
-          <a:xfrm>
-            <a:off x="311700" y="2043400"/>
-            <a:ext cx="2608800" cy="4599900"/>
-          </a:xfrm>
-          <a:prstGeom prst="rect">
-            <a:avLst/>
-          </a:prstGeom>
-          <a:noFill/>
-          <a:ln>
-            <a:noFill/>
-          </a:ln>
-        </p:spPr>
-        <p:txBody>
-          <a:bodyPr anchorCtr="0" anchor="t" bIns="91425" lIns="91425" spcFirstLastPara="1" rIns="91425" wrap="square" tIns="91425">
-            <a:noAutofit/>
-          </a:bodyPr>
-          <a:lstStyle/>
-          <a:p>
-            <a:pPr indent="0" lvl="0" marL="0" rtl="0">
-              <a:spcBef>
-                <a:spcPts val="0"/>
-              </a:spcBef>
-              <a:spcAft>
-                <a:spcPts val="0"/>
-              </a:spcAft>
-              <a:buNone/>
-            </a:pPr>
-            <a:r>
-              <a:rPr lang="en-GB"/>
-              <a:t>By selecting ‘Add’ or ‘Create’ here, you can either add an existing repository on your computer (e.g. one you created by running </a:t>
-            </a:r>
-            <a:r>
-              <a:rPr lang="en-GB">
-                <a:latin typeface="Courier New"/>
-                <a:ea typeface="Courier New"/>
-                <a:cs typeface="Courier New"/>
-                <a:sym typeface="Courier New"/>
-              </a:rPr>
-              <a:t>git init</a:t>
-            </a:r>
-            <a:r>
-              <a:rPr lang="en-GB"/>
-              <a:t> in the terminal) to GitHub Desktop, or create a new one by selecting the folder you want Git to track.</a:t>
-            </a:r>
-            <a:endParaRPr/>
-          </a:p>
-          <a:p>
-            <a:pPr indent="0" lvl="0" marL="0" rtl="0">
-              <a:spcBef>
-                <a:spcPts val="0"/>
-              </a:spcBef>
-              <a:spcAft>
-                <a:spcPts val="0"/>
-              </a:spcAft>
-              <a:buNone/>
-            </a:pPr>
-            <a:r>
-              <a:t/>
-            </a:r>
-            <a:endParaRPr/>
-          </a:p>
-          <a:p>
-            <a:pPr indent="0" lvl="0" marL="0" rtl="0">
-              <a:spcBef>
-                <a:spcPts val="0"/>
-              </a:spcBef>
-              <a:spcAft>
-                <a:spcPts val="0"/>
-              </a:spcAft>
-              <a:buNone/>
-            </a:pPr>
-            <a:r>
-              <a:rPr lang="en-GB"/>
-              <a:t>After you’ve created or added a repository this way, you’ll have the option to publish it to GitHub if you want it hosted on the web.  By default, this will make your repository visible to anyone on the internet, so make sure you don’t have any sensitive information (e.g. hard coded passwords) in it first.</a:t>
-            </a:r>
-            <a:endParaRPr/>
-          </a:p>
-        </p:txBody>
-      </p:sp>
-      <p:sp>
-        <p:nvSpPr>
-          <p:cNvPr id="127" name="Shape 127"/>
-          <p:cNvSpPr/>
-          <p:nvPr/>
-        </p:nvSpPr>
-        <p:spPr>
-          <a:xfrm>
-            <a:off x="3931300" y="1971875"/>
-            <a:ext cx="332700" cy="239400"/>
-          </a:xfrm>
-          <a:prstGeom prst="rect">
-            <a:avLst/>
-          </a:prstGeom>
-          <a:noFill/>
-          <a:ln cap="flat" cmpd="sng" w="19050">
-            <a:solidFill>
-              <a:srgbClr val="FF0000"/>
-            </a:solidFill>
-            <a:prstDash val="solid"/>
-            <a:round/>
-            <a:headEnd len="sm" w="sm" type="none"/>
-            <a:tailEnd len="sm" w="sm" type="none"/>
-          </a:ln>
-        </p:spPr>
-        <p:txBody>
-          <a:bodyPr anchorCtr="0" anchor="ctr" bIns="91425" lIns="91425" spcFirstLastPara="1" rIns="91425" wrap="square" tIns="91425">
-            <a:noAutofit/>
-          </a:bodyPr>
-          <a:lstStyle/>
-          <a:p>
-            <a:pPr indent="0" lvl="0" marL="0">
-              <a:spcBef>
-                <a:spcPts val="0"/>
-              </a:spcBef>
-              <a:spcAft>
-                <a:spcPts val="0"/>
-              </a:spcAft>
-              <a:buNone/>
-            </a:pPr>
-            <a:r>
-              <a:t/>
-            </a:r>
-            <a:endParaRPr/>
-          </a:p>
-        </p:txBody>
-      </p:sp>
     </p:spTree>
   </p:cSld>
   <p:clrMapOvr>
@@ -8912,7 +9181,7 @@
   <p:cSld>
     <p:spTree>
       <p:nvGrpSpPr>
-        <p:cNvPr id="131" name="Shape 131"/>
+        <p:cNvPr id="135" name="Shape 135"/>
         <p:cNvGrpSpPr/>
         <p:nvPr/>
       </p:nvGrpSpPr>
@@ -8926,7 +9195,7 @@
       </p:grpSpPr>
       <p:sp>
         <p:nvSpPr>
-          <p:cNvPr id="132" name="Shape 132"/>
+          <p:cNvPr id="136" name="Shape 136"/>
           <p:cNvSpPr txBox="1"/>
           <p:nvPr>
             <p:ph type="title"/>
@@ -8934,7 +9203,7 @@
         </p:nvSpPr>
         <p:spPr>
           <a:xfrm>
-            <a:off x="311700" y="593367"/>
+            <a:off x="311700" y="269517"/>
             <a:ext cx="8520600" cy="763500"/>
           </a:xfrm>
           <a:prstGeom prst="rect">
@@ -8966,7 +9235,7 @@
       </p:sp>
       <p:sp>
         <p:nvSpPr>
-          <p:cNvPr id="133" name="Shape 133"/>
+          <p:cNvPr id="137" name="Shape 137"/>
           <p:cNvSpPr txBox="1"/>
           <p:nvPr>
             <p:ph idx="1" type="body"/>
@@ -8974,7 +9243,7 @@
         </p:nvSpPr>
         <p:spPr>
           <a:xfrm>
-            <a:off x="311700" y="1126082"/>
+            <a:off x="311700" y="802232"/>
             <a:ext cx="8520600" cy="609300"/>
           </a:xfrm>
           <a:prstGeom prst="rect">
@@ -9004,69 +9273,16 @@
           </a:p>
         </p:txBody>
       </p:sp>
-      <p:pic>
-        <p:nvPicPr>
-          <p:cNvPr id="134" name="Shape 134"/>
-          <p:cNvPicPr preferRelativeResize="0"/>
-          <p:nvPr/>
-        </p:nvPicPr>
-        <p:blipFill rotWithShape="1">
-          <a:blip r:embed="rId3">
-            <a:alphaModFix/>
-          </a:blip>
-          <a:srcRect b="0" l="0" r="37304" t="0"/>
-          <a:stretch/>
-        </p:blipFill>
-        <p:spPr>
-          <a:xfrm>
-            <a:off x="3502100" y="1595400"/>
-            <a:ext cx="5147374" cy="5262600"/>
-          </a:xfrm>
-          <a:prstGeom prst="rect">
-            <a:avLst/>
-          </a:prstGeom>
-          <a:noFill/>
-          <a:ln>
-            <a:noFill/>
-          </a:ln>
-        </p:spPr>
-      </p:pic>
-      <p:cxnSp>
-        <p:nvCxnSpPr>
-          <p:cNvPr id="135" name="Shape 135"/>
-          <p:cNvCxnSpPr/>
-          <p:nvPr/>
-        </p:nvCxnSpPr>
-        <p:spPr>
-          <a:xfrm>
-            <a:off x="2920500" y="2388625"/>
-            <a:ext cx="933000" cy="0"/>
-          </a:xfrm>
-          <a:prstGeom prst="straightConnector1">
-            <a:avLst/>
-          </a:prstGeom>
-          <a:noFill/>
-          <a:ln cap="flat" cmpd="sng" w="9525">
-            <a:solidFill>
-              <a:schemeClr val="dk2"/>
-            </a:solidFill>
-            <a:prstDash val="solid"/>
-            <a:round/>
-            <a:headEnd len="med" w="med" type="none"/>
-            <a:tailEnd len="med" w="med" type="stealth"/>
-          </a:ln>
-        </p:spPr>
-      </p:cxnSp>
-      <p:sp>
-        <p:nvSpPr>
-          <p:cNvPr id="136" name="Shape 136"/>
+      <p:sp>
+        <p:nvSpPr>
+          <p:cNvPr id="138" name="Shape 138"/>
           <p:cNvSpPr txBox="1"/>
           <p:nvPr/>
         </p:nvSpPr>
         <p:spPr>
           <a:xfrm>
-            <a:off x="311700" y="1894000"/>
-            <a:ext cx="2608800" cy="3909600"/>
+            <a:off x="559350" y="1903525"/>
+            <a:ext cx="2917200" cy="4592400"/>
           </a:xfrm>
           <a:prstGeom prst="rect">
             <a:avLst/>
@@ -9093,7 +9309,7 @@
             </a:pPr>
             <a:r>
               <a:rPr lang="en-GB"/>
-              <a:t>You can also clone, or download a copy of repositories you have stored in GitHub.  These can be your own repositories, or ones belonging to a GitHub organisation you’re a part of, in this case flyconnectome.</a:t>
+              <a:t>You can also clone, or download a copy of repositories you have stored in GitHub.  These can be your own repositories, or ones belonging to a GitHub organisation you’re a part of, like flyconnectome.  You can also use a URL to clone repos from other sources, e.g. BitBucket.</a:t>
             </a:r>
             <a:endParaRPr/>
           </a:p>
@@ -9130,100 +9346,164 @@
           </a:p>
         </p:txBody>
       </p:sp>
-      <p:sp>
-        <p:nvSpPr>
-          <p:cNvPr id="137" name="Shape 137"/>
-          <p:cNvSpPr/>
+      <p:grpSp>
+        <p:nvGrpSpPr>
+          <p:cNvPr id="139" name="Shape 139"/>
+          <p:cNvGrpSpPr/>
           <p:nvPr/>
-        </p:nvSpPr>
-        <p:spPr>
-          <a:xfrm>
-            <a:off x="3931300" y="1971875"/>
-            <a:ext cx="332700" cy="239400"/>
+        </p:nvGrpSpPr>
+        <p:grpSpPr>
+          <a:xfrm>
+            <a:off x="3376138" y="1182363"/>
+            <a:ext cx="4912999" cy="1025750"/>
+            <a:chOff x="1399725" y="1945675"/>
+            <a:chExt cx="4912999" cy="1025750"/>
+          </a:xfrm>
+        </p:grpSpPr>
+        <p:grpSp>
+          <p:nvGrpSpPr>
+            <p:cNvPr id="140" name="Shape 140"/>
+            <p:cNvGrpSpPr/>
+            <p:nvPr/>
+          </p:nvGrpSpPr>
+          <p:grpSpPr>
+            <a:xfrm>
+              <a:off x="1399725" y="1945675"/>
+              <a:ext cx="4912999" cy="1025750"/>
+              <a:chOff x="1171200" y="1507525"/>
+              <a:chExt cx="4912999" cy="1025750"/>
+            </a:xfrm>
+          </p:grpSpPr>
+          <p:pic>
+            <p:nvPicPr>
+              <p:cNvPr id="141" name="Shape 141"/>
+              <p:cNvPicPr preferRelativeResize="0"/>
+              <p:nvPr/>
+            </p:nvPicPr>
+            <p:blipFill rotWithShape="1">
+              <a:blip r:embed="rId3">
+                <a:alphaModFix/>
+              </a:blip>
+              <a:srcRect b="0" l="0" r="0" t="11166"/>
+              <a:stretch/>
+            </p:blipFill>
+            <p:spPr>
+              <a:xfrm>
+                <a:off x="2417100" y="1698176"/>
+                <a:ext cx="2151175" cy="835100"/>
+              </a:xfrm>
+              <a:prstGeom prst="rect">
+                <a:avLst/>
+              </a:prstGeom>
+              <a:noFill/>
+              <a:ln>
+                <a:noFill/>
+              </a:ln>
+            </p:spPr>
+          </p:pic>
+          <p:pic>
+            <p:nvPicPr>
+              <p:cNvPr id="142" name="Shape 142"/>
+              <p:cNvPicPr preferRelativeResize="0"/>
+              <p:nvPr/>
+            </p:nvPicPr>
+            <p:blipFill rotWithShape="1">
+              <a:blip r:embed="rId4">
+                <a:alphaModFix/>
+              </a:blip>
+              <a:srcRect b="7054" l="0" r="55983" t="0"/>
+              <a:stretch/>
+            </p:blipFill>
+            <p:spPr>
+              <a:xfrm>
+                <a:off x="1171200" y="1507525"/>
+                <a:ext cx="4912999" cy="190650"/>
+              </a:xfrm>
+              <a:prstGeom prst="rect">
+                <a:avLst/>
+              </a:prstGeom>
+              <a:noFill/>
+              <a:ln>
+                <a:noFill/>
+              </a:ln>
+            </p:spPr>
+          </p:pic>
+        </p:grpSp>
+        <p:sp>
+          <p:nvSpPr>
+            <p:cNvPr id="143" name="Shape 143"/>
+            <p:cNvSpPr/>
+            <p:nvPr/>
+          </p:nvSpPr>
+          <p:spPr>
+            <a:xfrm>
+              <a:off x="2821063" y="2577425"/>
+              <a:ext cx="1800300" cy="190500"/>
+            </a:xfrm>
+            <a:prstGeom prst="rect">
+              <a:avLst/>
+            </a:prstGeom>
+            <a:noFill/>
+            <a:ln cap="flat" cmpd="sng" w="19050">
+              <a:solidFill>
+                <a:srgbClr val="FF0000"/>
+              </a:solidFill>
+              <a:prstDash val="solid"/>
+              <a:round/>
+              <a:headEnd len="sm" w="sm" type="none"/>
+              <a:tailEnd len="sm" w="sm" type="none"/>
+            </a:ln>
+          </p:spPr>
+          <p:txBody>
+            <a:bodyPr anchorCtr="0" anchor="ctr" bIns="91425" lIns="91425" spcFirstLastPara="1" rIns="91425" wrap="square" tIns="91425">
+              <a:noAutofit/>
+            </a:bodyPr>
+            <a:lstStyle/>
+            <a:p>
+              <a:pPr indent="0" lvl="0" marL="0">
+                <a:spcBef>
+                  <a:spcPts val="0"/>
+                </a:spcBef>
+                <a:spcAft>
+                  <a:spcPts val="0"/>
+                </a:spcAft>
+                <a:buNone/>
+              </a:pPr>
+              <a:r>
+                <a:t/>
+              </a:r>
+              <a:endParaRPr/>
+            </a:p>
+          </p:txBody>
+        </p:sp>
+      </p:grpSp>
+      <p:pic>
+        <p:nvPicPr>
+          <p:cNvPr id="144" name="Shape 144"/>
+          <p:cNvPicPr preferRelativeResize="0"/>
+          <p:nvPr/>
+        </p:nvPicPr>
+        <p:blipFill rotWithShape="1">
+          <a:blip r:embed="rId5">
+            <a:alphaModFix/>
+          </a:blip>
+          <a:srcRect b="22203" l="31839" r="31904" t="16102"/>
+          <a:stretch/>
+        </p:blipFill>
+        <p:spPr>
+          <a:xfrm>
+            <a:off x="3960964" y="2357450"/>
+            <a:ext cx="3743325" cy="4048700"/>
           </a:xfrm>
           <a:prstGeom prst="rect">
             <a:avLst/>
           </a:prstGeom>
           <a:noFill/>
-          <a:ln cap="flat" cmpd="sng" w="19050">
-            <a:solidFill>
-              <a:srgbClr val="FF0000"/>
-            </a:solidFill>
-            <a:prstDash val="solid"/>
-            <a:round/>
-            <a:headEnd len="sm" w="sm" type="none"/>
-            <a:tailEnd len="sm" w="sm" type="none"/>
+          <a:ln>
+            <a:noFill/>
           </a:ln>
         </p:spPr>
-        <p:txBody>
-          <a:bodyPr anchorCtr="0" anchor="ctr" bIns="91425" lIns="91425" spcFirstLastPara="1" rIns="91425" wrap="square" tIns="91425">
-            <a:noAutofit/>
-          </a:bodyPr>
-          <a:lstStyle/>
-          <a:p>
-            <a:pPr indent="0" lvl="0" marL="0">
-              <a:spcBef>
-                <a:spcPts val="0"/>
-              </a:spcBef>
-              <a:spcAft>
-                <a:spcPts val="0"/>
-              </a:spcAft>
-              <a:buNone/>
-            </a:pPr>
-            <a:r>
-              <a:t/>
-            </a:r>
-            <a:endParaRPr/>
-          </a:p>
-        </p:txBody>
-      </p:sp>
-      <p:sp>
-        <p:nvSpPr>
-          <p:cNvPr id="138" name="Shape 138"/>
-          <p:cNvSpPr/>
-          <p:nvPr/>
-        </p:nvSpPr>
-        <p:spPr>
-          <a:xfrm>
-            <a:off x="5738350" y="2295325"/>
-            <a:ext cx="332700" cy="186600"/>
-          </a:xfrm>
-          <a:prstGeom prst="rect">
-            <a:avLst/>
-          </a:prstGeom>
-          <a:noFill/>
-          <a:ln cap="flat" cmpd="sng" w="19050">
-            <a:solidFill>
-              <a:srgbClr val="FF0000"/>
-            </a:solidFill>
-            <a:prstDash val="solid"/>
-            <a:round/>
-            <a:headEnd len="sm" w="sm" type="none"/>
-            <a:tailEnd len="sm" w="sm" type="none"/>
-          </a:ln>
-        </p:spPr>
-        <p:txBody>
-          <a:bodyPr anchorCtr="0" anchor="ctr" bIns="91425" lIns="91425" spcFirstLastPara="1" rIns="91425" wrap="square" tIns="91425">
-            <a:noAutofit/>
-          </a:bodyPr>
-          <a:lstStyle/>
-          <a:p>
-            <a:pPr indent="0" lvl="0" marL="0">
-              <a:spcBef>
-                <a:spcPts val="0"/>
-              </a:spcBef>
-              <a:spcAft>
-                <a:spcPts val="0"/>
-              </a:spcAft>
-              <a:buNone/>
-            </a:pPr>
-            <a:r>
-              <a:t/>
-            </a:r>
-            <a:endParaRPr/>
-          </a:p>
-        </p:txBody>
-      </p:sp>
+      </p:pic>
     </p:spTree>
   </p:cSld>
   <p:clrMapOvr>
@@ -9233,159 +9513,6 @@
 </file>
 
 <file path=ppt/slides/slide13.xml><?xml version="1.0" encoding="utf-8"?>
-<p:sld xmlns:a="http://schemas.openxmlformats.org/drawingml/2006/main" xmlns:r="http://schemas.openxmlformats.org/officeDocument/2006/relationships" xmlns:mc="http://schemas.openxmlformats.org/markup-compatibility/2006" xmlns:mv="urn:schemas-microsoft-com:mac:vml" xmlns:p="http://schemas.openxmlformats.org/presentationml/2006/main" xmlns:c="http://schemas.openxmlformats.org/drawingml/2006/chart" xmlns:dgm="http://schemas.openxmlformats.org/drawingml/2006/diagram" xmlns:o="urn:schemas-microsoft-com:office:office" xmlns:v="urn:schemas-microsoft-com:vml" xmlns:pvml="urn:schemas-microsoft-com:office:powerpoint" xmlns:com="http://schemas.openxmlformats.org/drawingml/2006/compatibility" xmlns:p14="http://schemas.microsoft.com/office/powerpoint/2010/main" xmlns:p15="http://schemas.microsoft.com/office/powerpoint/2012/main">
-  <p:cSld>
-    <p:spTree>
-      <p:nvGrpSpPr>
-        <p:cNvPr id="142" name="Shape 142"/>
-        <p:cNvGrpSpPr/>
-        <p:nvPr/>
-      </p:nvGrpSpPr>
-      <p:grpSpPr>
-        <a:xfrm>
-          <a:off x="0" y="0"/>
-          <a:ext cx="0" cy="0"/>
-          <a:chOff x="0" y="0"/>
-          <a:chExt cx="0" cy="0"/>
-        </a:xfrm>
-      </p:grpSpPr>
-      <p:sp>
-        <p:nvSpPr>
-          <p:cNvPr id="143" name="Shape 143"/>
-          <p:cNvSpPr txBox="1"/>
-          <p:nvPr>
-            <p:ph type="title"/>
-          </p:nvPr>
-        </p:nvSpPr>
-        <p:spPr>
-          <a:xfrm>
-            <a:off x="311700" y="593367"/>
-            <a:ext cx="8520600" cy="763500"/>
-          </a:xfrm>
-          <a:prstGeom prst="rect">
-            <a:avLst/>
-          </a:prstGeom>
-        </p:spPr>
-        <p:txBody>
-          <a:bodyPr anchorCtr="0" anchor="t" bIns="91425" lIns="91425" spcFirstLastPara="1" rIns="91425" wrap="square" tIns="91425">
-            <a:noAutofit/>
-          </a:bodyPr>
-          <a:lstStyle/>
-          <a:p>
-            <a:pPr indent="0" lvl="0" marL="0">
-              <a:spcBef>
-                <a:spcPts val="0"/>
-              </a:spcBef>
-              <a:spcAft>
-                <a:spcPts val="0"/>
-              </a:spcAft>
-              <a:buNone/>
-            </a:pPr>
-            <a:r>
-              <a:rPr lang="en-GB"/>
-              <a:t>Commits</a:t>
-            </a:r>
-            <a:endParaRPr/>
-          </a:p>
-        </p:txBody>
-      </p:sp>
-      <p:sp>
-        <p:nvSpPr>
-          <p:cNvPr id="144" name="Shape 144"/>
-          <p:cNvSpPr txBox="1"/>
-          <p:nvPr>
-            <p:ph idx="1" type="body"/>
-          </p:nvPr>
-        </p:nvSpPr>
-        <p:spPr>
-          <a:xfrm>
-            <a:off x="311700" y="1536633"/>
-            <a:ext cx="8520600" cy="4555200"/>
-          </a:xfrm>
-          <a:prstGeom prst="rect">
-            <a:avLst/>
-          </a:prstGeom>
-        </p:spPr>
-        <p:txBody>
-          <a:bodyPr anchorCtr="0" anchor="t" bIns="91425" lIns="91425" spcFirstLastPara="1" rIns="91425" wrap="square" tIns="91425">
-            <a:noAutofit/>
-          </a:bodyPr>
-          <a:lstStyle/>
-          <a:p>
-            <a:pPr indent="0" lvl="0" marL="0">
-              <a:spcBef>
-                <a:spcPts val="0"/>
-              </a:spcBef>
-              <a:spcAft>
-                <a:spcPts val="0"/>
-              </a:spcAft>
-              <a:buNone/>
-            </a:pPr>
-            <a:r>
-              <a:rPr lang="en-GB"/>
-              <a:t>Once you’ve changed (or added or deleted) something, you need to tell Git about it so it can save a snapshot of your work.</a:t>
-            </a:r>
-            <a:endParaRPr/>
-          </a:p>
-          <a:p>
-            <a:pPr indent="0" lvl="0" marL="0">
-              <a:spcBef>
-                <a:spcPts val="1600"/>
-              </a:spcBef>
-              <a:spcAft>
-                <a:spcPts val="0"/>
-              </a:spcAft>
-              <a:buNone/>
-            </a:pPr>
-            <a:r>
-              <a:rPr lang="en-GB"/>
-              <a:t>You do this by </a:t>
-            </a:r>
-            <a:r>
-              <a:rPr b="1" lang="en-GB"/>
-              <a:t>staging</a:t>
-            </a:r>
-            <a:r>
-              <a:rPr lang="en-GB"/>
-              <a:t>, or selecting the files you want Git to snapshot, and then creating a </a:t>
-            </a:r>
-            <a:r>
-              <a:rPr lang="en-GB"/>
-              <a:t>commit</a:t>
-            </a:r>
-            <a:r>
-              <a:rPr lang="en-GB"/>
-              <a:t>.  The commit will include the changes to the files you selected, as well as information like the date and time.  If you’re using GitHub Desktop, it will also include who is making the commit.</a:t>
-            </a:r>
-            <a:endParaRPr/>
-          </a:p>
-          <a:p>
-            <a:pPr indent="0" lvl="0" marL="0">
-              <a:spcBef>
-                <a:spcPts val="1600"/>
-              </a:spcBef>
-              <a:spcAft>
-                <a:spcPts val="1600"/>
-              </a:spcAft>
-              <a:buNone/>
-            </a:pPr>
-            <a:r>
-              <a:rPr lang="en-GB"/>
-              <a:t>Commits can also include messages, which are an important part of why Git is so useful.  They let you record why you are making each change, which can be very helpful when looking back through your commit history, or trying to figure out what a bit of code does.</a:t>
-            </a:r>
-            <a:endParaRPr/>
-          </a:p>
-        </p:txBody>
-      </p:sp>
-    </p:spTree>
-  </p:cSld>
-  <p:clrMapOvr>
-    <a:masterClrMapping/>
-  </p:clrMapOvr>
-</p:sld>
-</file>
-
-<file path=ppt/slides/slide14.xml><?xml version="1.0" encoding="utf-8"?>
 <p:sld xmlns:a="http://schemas.openxmlformats.org/drawingml/2006/main" xmlns:r="http://schemas.openxmlformats.org/officeDocument/2006/relationships" xmlns:mc="http://schemas.openxmlformats.org/markup-compatibility/2006" xmlns:mv="urn:schemas-microsoft-com:mac:vml" xmlns:p="http://schemas.openxmlformats.org/presentationml/2006/main" xmlns:c="http://schemas.openxmlformats.org/drawingml/2006/chart" xmlns:dgm="http://schemas.openxmlformats.org/drawingml/2006/diagram" xmlns:o="urn:schemas-microsoft-com:office:office" xmlns:v="urn:schemas-microsoft-com:vml" xmlns:pvml="urn:schemas-microsoft-com:office:powerpoint" xmlns:com="http://schemas.openxmlformats.org/drawingml/2006/compatibility" xmlns:p14="http://schemas.microsoft.com/office/powerpoint/2010/main" xmlns:p15="http://schemas.microsoft.com/office/powerpoint/2012/main">
   <p:cSld>
     <p:spTree>
@@ -9436,6 +9563,159 @@
             </a:pPr>
             <a:r>
               <a:rPr lang="en-GB"/>
+              <a:t>Commits</a:t>
+            </a:r>
+            <a:endParaRPr/>
+          </a:p>
+        </p:txBody>
+      </p:sp>
+      <p:sp>
+        <p:nvSpPr>
+          <p:cNvPr id="150" name="Shape 150"/>
+          <p:cNvSpPr txBox="1"/>
+          <p:nvPr>
+            <p:ph idx="1" type="body"/>
+          </p:nvPr>
+        </p:nvSpPr>
+        <p:spPr>
+          <a:xfrm>
+            <a:off x="311700" y="1536633"/>
+            <a:ext cx="8520600" cy="4555200"/>
+          </a:xfrm>
+          <a:prstGeom prst="rect">
+            <a:avLst/>
+          </a:prstGeom>
+        </p:spPr>
+        <p:txBody>
+          <a:bodyPr anchorCtr="0" anchor="t" bIns="91425" lIns="91425" spcFirstLastPara="1" rIns="91425" wrap="square" tIns="91425">
+            <a:noAutofit/>
+          </a:bodyPr>
+          <a:lstStyle/>
+          <a:p>
+            <a:pPr indent="0" lvl="0" marL="0">
+              <a:spcBef>
+                <a:spcPts val="0"/>
+              </a:spcBef>
+              <a:spcAft>
+                <a:spcPts val="0"/>
+              </a:spcAft>
+              <a:buNone/>
+            </a:pPr>
+            <a:r>
+              <a:rPr lang="en-GB"/>
+              <a:t>Once you’ve changed (or added or deleted) something, you need to tell Git about it so it can save a snapshot of your work.</a:t>
+            </a:r>
+            <a:endParaRPr/>
+          </a:p>
+          <a:p>
+            <a:pPr indent="0" lvl="0" marL="0">
+              <a:spcBef>
+                <a:spcPts val="1600"/>
+              </a:spcBef>
+              <a:spcAft>
+                <a:spcPts val="0"/>
+              </a:spcAft>
+              <a:buNone/>
+            </a:pPr>
+            <a:r>
+              <a:rPr lang="en-GB"/>
+              <a:t>You do this by </a:t>
+            </a:r>
+            <a:r>
+              <a:rPr b="1" lang="en-GB"/>
+              <a:t>staging</a:t>
+            </a:r>
+            <a:r>
+              <a:rPr lang="en-GB"/>
+              <a:t>, or selecting the files you want Git to snapshot, and then creating a </a:t>
+            </a:r>
+            <a:r>
+              <a:rPr lang="en-GB"/>
+              <a:t>commit</a:t>
+            </a:r>
+            <a:r>
+              <a:rPr lang="en-GB"/>
+              <a:t>.  The commit will include the changes to the files you selected, as well as information like the date and time.  If you’re using GitHub Desktop, it will also include who is making the commit.</a:t>
+            </a:r>
+            <a:endParaRPr/>
+          </a:p>
+          <a:p>
+            <a:pPr indent="0" lvl="0" marL="0">
+              <a:spcBef>
+                <a:spcPts val="1600"/>
+              </a:spcBef>
+              <a:spcAft>
+                <a:spcPts val="1600"/>
+              </a:spcAft>
+              <a:buNone/>
+            </a:pPr>
+            <a:r>
+              <a:rPr lang="en-GB"/>
+              <a:t>Commits can also include messages, which are an important part of why Git is so useful.  They let you record why you are making each change, which can be very helpful when looking back through your commit history, or trying to figure out what a bit of code does.</a:t>
+            </a:r>
+            <a:endParaRPr/>
+          </a:p>
+        </p:txBody>
+      </p:sp>
+    </p:spTree>
+  </p:cSld>
+  <p:clrMapOvr>
+    <a:masterClrMapping/>
+  </p:clrMapOvr>
+</p:sld>
+</file>
+
+<file path=ppt/slides/slide14.xml><?xml version="1.0" encoding="utf-8"?>
+<p:sld xmlns:a="http://schemas.openxmlformats.org/drawingml/2006/main" xmlns:r="http://schemas.openxmlformats.org/officeDocument/2006/relationships" xmlns:mc="http://schemas.openxmlformats.org/markup-compatibility/2006" xmlns:mv="urn:schemas-microsoft-com:mac:vml" xmlns:p="http://schemas.openxmlformats.org/presentationml/2006/main" xmlns:c="http://schemas.openxmlformats.org/drawingml/2006/chart" xmlns:dgm="http://schemas.openxmlformats.org/drawingml/2006/diagram" xmlns:o="urn:schemas-microsoft-com:office:office" xmlns:v="urn:schemas-microsoft-com:vml" xmlns:pvml="urn:schemas-microsoft-com:office:powerpoint" xmlns:com="http://schemas.openxmlformats.org/drawingml/2006/compatibility" xmlns:p14="http://schemas.microsoft.com/office/powerpoint/2010/main" xmlns:p15="http://schemas.microsoft.com/office/powerpoint/2012/main">
+  <p:cSld>
+    <p:spTree>
+      <p:nvGrpSpPr>
+        <p:cNvPr id="154" name="Shape 154"/>
+        <p:cNvGrpSpPr/>
+        <p:nvPr/>
+      </p:nvGrpSpPr>
+      <p:grpSpPr>
+        <a:xfrm>
+          <a:off x="0" y="0"/>
+          <a:ext cx="0" cy="0"/>
+          <a:chOff x="0" y="0"/>
+          <a:chExt cx="0" cy="0"/>
+        </a:xfrm>
+      </p:grpSpPr>
+      <p:sp>
+        <p:nvSpPr>
+          <p:cNvPr id="155" name="Shape 155"/>
+          <p:cNvSpPr txBox="1"/>
+          <p:nvPr>
+            <p:ph type="title"/>
+          </p:nvPr>
+        </p:nvSpPr>
+        <p:spPr>
+          <a:xfrm>
+            <a:off x="311700" y="215367"/>
+            <a:ext cx="8520600" cy="763500"/>
+          </a:xfrm>
+          <a:prstGeom prst="rect">
+            <a:avLst/>
+          </a:prstGeom>
+        </p:spPr>
+        <p:txBody>
+          <a:bodyPr anchorCtr="0" anchor="t" bIns="91425" lIns="91425" spcFirstLastPara="1" rIns="91425" wrap="square" tIns="91425">
+            <a:noAutofit/>
+          </a:bodyPr>
+          <a:lstStyle/>
+          <a:p>
+            <a:pPr indent="0" lvl="0" marL="0">
+              <a:spcBef>
+                <a:spcPts val="0"/>
+              </a:spcBef>
+              <a:spcAft>
+                <a:spcPts val="0"/>
+              </a:spcAft>
+              <a:buNone/>
+            </a:pPr>
+            <a:r>
+              <a:rPr lang="en-GB"/>
               <a:t>Commits in GitHub Desktop</a:t>
             </a:r>
             <a:endParaRPr/>
@@ -9444,7 +9724,7 @@
       </p:sp>
       <p:pic>
         <p:nvPicPr>
-          <p:cNvPr id="150" name="Shape 150"/>
+          <p:cNvPr id="156" name="Shape 156"/>
           <p:cNvPicPr preferRelativeResize="0"/>
           <p:nvPr/>
         </p:nvPicPr>
@@ -9452,13 +9732,13 @@
           <a:blip r:embed="rId3">
             <a:alphaModFix/>
           </a:blip>
-          <a:srcRect b="0" l="0" r="0" t="0"/>
+          <a:srcRect b="0" l="426" r="416" t="0"/>
           <a:stretch/>
         </p:blipFill>
         <p:spPr>
           <a:xfrm>
-            <a:off x="143075" y="1356875"/>
-            <a:ext cx="8520599" cy="5461547"/>
+            <a:off x="257375" y="1185425"/>
+            <a:ext cx="8520598" cy="5461546"/>
           </a:xfrm>
           <a:prstGeom prst="rect">
             <a:avLst/>
@@ -9471,14 +9751,14 @@
       </p:pic>
       <p:cxnSp>
         <p:nvCxnSpPr>
-          <p:cNvPr id="151" name="Shape 151"/>
+          <p:cNvPr id="157" name="Shape 157"/>
           <p:cNvCxnSpPr/>
           <p:nvPr/>
         </p:nvCxnSpPr>
         <p:spPr>
           <a:xfrm flipH="1">
-            <a:off x="4767800" y="970375"/>
-            <a:ext cx="1418400" cy="746400"/>
+            <a:off x="1500750" y="1000125"/>
+            <a:ext cx="3547500" cy="1164300"/>
           </a:xfrm>
           <a:prstGeom prst="straightConnector1">
             <a:avLst/>
@@ -9495,61 +9775,9 @@
           </a:ln>
         </p:spPr>
       </p:cxnSp>
-      <p:cxnSp>
-        <p:nvCxnSpPr>
-          <p:cNvPr id="152" name="Shape 152"/>
-          <p:cNvCxnSpPr/>
-          <p:nvPr/>
-        </p:nvCxnSpPr>
-        <p:spPr>
-          <a:xfrm>
-            <a:off x="7751400" y="2031750"/>
-            <a:ext cx="245100" cy="366300"/>
-          </a:xfrm>
-          <a:prstGeom prst="straightConnector1">
-            <a:avLst/>
-          </a:prstGeom>
-          <a:noFill/>
-          <a:ln cap="flat" cmpd="sng" w="9525">
-            <a:solidFill>
-              <a:srgbClr val="FFFFFF"/>
-            </a:solidFill>
-            <a:prstDash val="solid"/>
-            <a:round/>
-            <a:headEnd len="med" w="med" type="none"/>
-            <a:tailEnd len="med" w="med" type="stealth"/>
-          </a:ln>
-        </p:spPr>
-      </p:cxnSp>
-      <p:cxnSp>
-        <p:nvCxnSpPr>
-          <p:cNvPr id="153" name="Shape 153"/>
-          <p:cNvCxnSpPr/>
-          <p:nvPr/>
-        </p:nvCxnSpPr>
-        <p:spPr>
-          <a:xfrm rot="10800000">
-            <a:off x="7026000" y="970350"/>
-            <a:ext cx="725400" cy="1061400"/>
-          </a:xfrm>
-          <a:prstGeom prst="straightConnector1">
-            <a:avLst/>
-          </a:prstGeom>
-          <a:noFill/>
-          <a:ln cap="flat" cmpd="sng" w="9525">
-            <a:solidFill>
-              <a:schemeClr val="dk2"/>
-            </a:solidFill>
-            <a:prstDash val="solid"/>
-            <a:round/>
-            <a:headEnd len="med" w="med" type="none"/>
-            <a:tailEnd len="med" w="med" type="none"/>
-          </a:ln>
-        </p:spPr>
-      </p:cxnSp>
-      <p:sp>
-        <p:nvSpPr>
-          <p:cNvPr id="154" name="Shape 154"/>
+      <p:sp>
+        <p:nvSpPr>
+          <p:cNvPr id="158" name="Shape 158"/>
           <p:cNvSpPr txBox="1"/>
           <p:nvPr/>
         </p:nvSpPr>
@@ -9583,7 +9811,7 @@
             </a:pPr>
             <a:r>
               <a:rPr lang="en-GB"/>
-              <a:t>These two things indicate that you’re viewing current changes, rather than either your repository history or a previous commit</a:t>
+              <a:t>This indicates that you’re viewing current changes, rather than either your repository history or a previous commit</a:t>
             </a:r>
             <a:endParaRPr/>
           </a:p>
@@ -9591,13 +9819,13 @@
       </p:sp>
       <p:sp>
         <p:nvSpPr>
-          <p:cNvPr id="155" name="Shape 155"/>
+          <p:cNvPr id="159" name="Shape 159"/>
           <p:cNvSpPr txBox="1"/>
           <p:nvPr/>
         </p:nvSpPr>
         <p:spPr>
           <a:xfrm>
-            <a:off x="4777275" y="4002825"/>
+            <a:off x="3634275" y="3336075"/>
             <a:ext cx="2901900" cy="1334400"/>
           </a:xfrm>
           <a:prstGeom prst="rect">
@@ -9639,14 +9867,14 @@
       </p:sp>
       <p:sp>
         <p:nvSpPr>
-          <p:cNvPr id="156" name="Shape 156"/>
+          <p:cNvPr id="160" name="Shape 160"/>
           <p:cNvSpPr txBox="1"/>
           <p:nvPr/>
         </p:nvSpPr>
         <p:spPr>
           <a:xfrm>
-            <a:off x="1978100" y="3498975"/>
-            <a:ext cx="2239200" cy="1017000"/>
+            <a:off x="714375" y="3022725"/>
+            <a:ext cx="1848000" cy="1334400"/>
           </a:xfrm>
           <a:prstGeom prst="rect">
             <a:avLst/>
@@ -9687,14 +9915,14 @@
       </p:sp>
       <p:sp>
         <p:nvSpPr>
-          <p:cNvPr id="157" name="Shape 157"/>
+          <p:cNvPr id="161" name="Shape 161"/>
           <p:cNvSpPr/>
           <p:nvPr/>
         </p:nvSpPr>
         <p:spPr>
           <a:xfrm>
-            <a:off x="1940775" y="5505050"/>
-            <a:ext cx="2351400" cy="307800"/>
+            <a:off x="547725" y="5505050"/>
+            <a:ext cx="2181300" cy="307800"/>
           </a:xfrm>
           <a:prstGeom prst="rect">
             <a:avLst/>
@@ -9734,14 +9962,14 @@
       </p:sp>
       <p:cxnSp>
         <p:nvCxnSpPr>
-          <p:cNvPr id="158" name="Shape 158"/>
+          <p:cNvPr id="162" name="Shape 162"/>
           <p:cNvCxnSpPr/>
           <p:nvPr/>
         </p:nvCxnSpPr>
         <p:spPr>
           <a:xfrm rot="10800000">
-            <a:off x="2995125" y="5812850"/>
-            <a:ext cx="0" cy="522600"/>
+            <a:off x="2785650" y="5641400"/>
+            <a:ext cx="662400" cy="0"/>
           </a:xfrm>
           <a:prstGeom prst="straightConnector1">
             <a:avLst/>
@@ -9760,13 +9988,13 @@
       </p:cxnSp>
       <p:sp>
         <p:nvSpPr>
-          <p:cNvPr id="159" name="Shape 159"/>
+          <p:cNvPr id="163" name="Shape 163"/>
           <p:cNvSpPr txBox="1"/>
           <p:nvPr/>
         </p:nvSpPr>
         <p:spPr>
           <a:xfrm>
-            <a:off x="975075" y="6232850"/>
+            <a:off x="3448050" y="5458250"/>
             <a:ext cx="4040100" cy="366300"/>
           </a:xfrm>
           <a:prstGeom prst="rect">
@@ -9813,7 +10041,7 @@
   <p:cSld>
     <p:spTree>
       <p:nvGrpSpPr>
-        <p:cNvPr id="163" name="Shape 163"/>
+        <p:cNvPr id="167" name="Shape 167"/>
         <p:cNvGrpSpPr/>
         <p:nvPr/>
       </p:nvGrpSpPr>
@@ -9827,7 +10055,7 @@
       </p:grpSpPr>
       <p:sp>
         <p:nvSpPr>
-          <p:cNvPr id="164" name="Shape 164"/>
+          <p:cNvPr id="168" name="Shape 168"/>
           <p:cNvSpPr txBox="1"/>
           <p:nvPr>
             <p:ph type="title"/>
@@ -9867,7 +10095,7 @@
       </p:sp>
       <p:sp>
         <p:nvSpPr>
-          <p:cNvPr id="165" name="Shape 165"/>
+          <p:cNvPr id="169" name="Shape 169"/>
           <p:cNvSpPr txBox="1"/>
           <p:nvPr>
             <p:ph idx="1" type="body"/>
@@ -9907,7 +10135,7 @@
       </p:sp>
       <p:pic>
         <p:nvPicPr>
-          <p:cNvPr id="166" name="Shape 166"/>
+          <p:cNvPr id="170" name="Shape 170"/>
           <p:cNvPicPr preferRelativeResize="0"/>
           <p:nvPr/>
         </p:nvPicPr>
@@ -9935,7 +10163,7 @@
       </p:pic>
       <p:sp>
         <p:nvSpPr>
-          <p:cNvPr id="167" name="Shape 167"/>
+          <p:cNvPr id="171" name="Shape 171"/>
           <p:cNvSpPr txBox="1"/>
           <p:nvPr/>
         </p:nvSpPr>
@@ -9988,7 +10216,7 @@
   <p:cSld>
     <p:spTree>
       <p:nvGrpSpPr>
-        <p:cNvPr id="171" name="Shape 171"/>
+        <p:cNvPr id="175" name="Shape 175"/>
         <p:cNvGrpSpPr/>
         <p:nvPr/>
       </p:nvGrpSpPr>
@@ -10002,7 +10230,7 @@
       </p:grpSpPr>
       <p:sp>
         <p:nvSpPr>
-          <p:cNvPr id="172" name="Shape 172"/>
+          <p:cNvPr id="176" name="Shape 176"/>
           <p:cNvSpPr txBox="1"/>
           <p:nvPr>
             <p:ph type="title"/>
@@ -10042,7 +10270,7 @@
       </p:sp>
       <p:sp>
         <p:nvSpPr>
-          <p:cNvPr id="173" name="Shape 173"/>
+          <p:cNvPr id="177" name="Shape 177"/>
           <p:cNvSpPr txBox="1"/>
           <p:nvPr>
             <p:ph idx="1" type="body"/>
@@ -10133,7 +10361,7 @@
   <p:cSld>
     <p:spTree>
       <p:nvGrpSpPr>
-        <p:cNvPr id="177" name="Shape 177"/>
+        <p:cNvPr id="181" name="Shape 181"/>
         <p:cNvGrpSpPr/>
         <p:nvPr/>
       </p:nvGrpSpPr>
@@ -10147,7 +10375,7 @@
       </p:grpSpPr>
       <p:sp>
         <p:nvSpPr>
-          <p:cNvPr id="178" name="Shape 178"/>
+          <p:cNvPr id="182" name="Shape 182"/>
           <p:cNvSpPr txBox="1"/>
           <p:nvPr>
             <p:ph type="title"/>
@@ -10155,12 +10383,16 @@
         </p:nvSpPr>
         <p:spPr>
           <a:xfrm>
-            <a:off x="311700" y="593367"/>
+            <a:off x="311700" y="221892"/>
             <a:ext cx="8520600" cy="763500"/>
           </a:xfrm>
           <a:prstGeom prst="rect">
             <a:avLst/>
           </a:prstGeom>
+          <a:noFill/>
+          <a:ln>
+            <a:noFill/>
+          </a:ln>
         </p:spPr>
         <p:txBody>
           <a:bodyPr anchorCtr="0" anchor="t" bIns="91425" lIns="91425" spcFirstLastPara="1" rIns="91425" wrap="square" tIns="91425">
@@ -10185,23 +10417,70 @@
           </a:p>
         </p:txBody>
       </p:sp>
+      <p:sp>
+        <p:nvSpPr>
+          <p:cNvPr id="183" name="Shape 183"/>
+          <p:cNvSpPr/>
+          <p:nvPr/>
+        </p:nvSpPr>
+        <p:spPr>
+          <a:xfrm>
+            <a:off x="1524000" y="2019300"/>
+            <a:ext cx="1143000" cy="285900"/>
+          </a:xfrm>
+          <a:prstGeom prst="rect">
+            <a:avLst/>
+          </a:prstGeom>
+          <a:noFill/>
+          <a:ln cap="flat" cmpd="sng" w="19050">
+            <a:solidFill>
+              <a:srgbClr val="FF0000"/>
+            </a:solidFill>
+            <a:prstDash val="solid"/>
+            <a:round/>
+            <a:headEnd len="sm" w="sm" type="none"/>
+            <a:tailEnd len="sm" w="sm" type="none"/>
+          </a:ln>
+        </p:spPr>
+        <p:txBody>
+          <a:bodyPr anchorCtr="0" anchor="ctr" bIns="91425" lIns="91425" spcFirstLastPara="1" rIns="91425" wrap="square" tIns="91425">
+            <a:noAutofit/>
+          </a:bodyPr>
+          <a:lstStyle/>
+          <a:p>
+            <a:pPr indent="0" lvl="0" marL="0">
+              <a:spcBef>
+                <a:spcPts val="0"/>
+              </a:spcBef>
+              <a:spcAft>
+                <a:spcPts val="0"/>
+              </a:spcAft>
+              <a:buNone/>
+            </a:pPr>
+            <a:r>
+              <a:t/>
+            </a:r>
+            <a:endParaRPr/>
+          </a:p>
+        </p:txBody>
+      </p:sp>
       <p:grpSp>
         <p:nvGrpSpPr>
-          <p:cNvPr id="179" name="Shape 179"/>
+          <p:cNvPr id="184" name="Shape 184"/>
           <p:cNvGrpSpPr/>
           <p:nvPr/>
         </p:nvGrpSpPr>
         <p:grpSpPr>
           <a:xfrm>
-            <a:off x="518575" y="1356867"/>
-            <a:ext cx="8106827" cy="5196332"/>
-            <a:chOff x="518575" y="1356867"/>
-            <a:chExt cx="8106827" cy="5196332"/>
+            <a:off x="152400" y="1137792"/>
+            <a:ext cx="8760391" cy="5567808"/>
+            <a:chOff x="152400" y="1137792"/>
+            <a:chExt cx="8760391" cy="5567808"/>
           </a:xfrm>
         </p:grpSpPr>
         <p:pic>
           <p:nvPicPr>
-            <p:cNvPr id="180" name="Shape 180"/>
+            <p:cNvPr id="185" name="Shape 185"/>
             <p:cNvPicPr preferRelativeResize="0"/>
             <p:nvPr/>
           </p:nvPicPr>
@@ -10215,8 +10494,8 @@
           </p:blipFill>
           <p:spPr>
             <a:xfrm>
-              <a:off x="518575" y="1356867"/>
-              <a:ext cx="8106827" cy="5196332"/>
+              <a:off x="152400" y="1137792"/>
+              <a:ext cx="8760391" cy="5567808"/>
             </a:xfrm>
             <a:prstGeom prst="rect">
               <a:avLst/>
@@ -10229,7 +10508,7 @@
         </p:pic>
         <p:pic>
           <p:nvPicPr>
-            <p:cNvPr id="181" name="Shape 181"/>
+            <p:cNvPr id="186" name="Shape 186"/>
             <p:cNvPicPr preferRelativeResize="0"/>
             <p:nvPr/>
           </p:nvPicPr>
@@ -10243,8 +10522,36 @@
           </p:blipFill>
           <p:spPr>
             <a:xfrm>
-              <a:off x="5657900" y="2914650"/>
-              <a:ext cx="1809750" cy="1028700"/>
+              <a:off x="2125475" y="2623375"/>
+              <a:ext cx="1389469" cy="763500"/>
+            </a:xfrm>
+            <a:prstGeom prst="rect">
+              <a:avLst/>
+            </a:prstGeom>
+            <a:noFill/>
+            <a:ln>
+              <a:noFill/>
+            </a:ln>
+          </p:spPr>
+        </p:pic>
+        <p:pic>
+          <p:nvPicPr>
+            <p:cNvPr id="187" name="Shape 187"/>
+            <p:cNvPicPr preferRelativeResize="0"/>
+            <p:nvPr/>
+          </p:nvPicPr>
+          <p:blipFill>
+            <a:blip r:embed="rId5">
+              <a:alphaModFix/>
+            </a:blip>
+            <a:stretch>
+              <a:fillRect/>
+            </a:stretch>
+          </p:blipFill>
+          <p:spPr>
+            <a:xfrm>
+              <a:off x="2243362" y="2743725"/>
+              <a:ext cx="1153700" cy="144200"/>
             </a:xfrm>
             <a:prstGeom prst="rect">
               <a:avLst/>
@@ -10256,100 +10563,6 @@
           </p:spPr>
         </p:pic>
       </p:grpSp>
-      <p:sp>
-        <p:nvSpPr>
-          <p:cNvPr id="182" name="Shape 182"/>
-          <p:cNvSpPr/>
-          <p:nvPr/>
-        </p:nvSpPr>
-        <p:spPr>
-          <a:xfrm>
-            <a:off x="5924550" y="2409825"/>
-            <a:ext cx="247500" cy="219000"/>
-          </a:xfrm>
-          <a:prstGeom prst="rect">
-            <a:avLst/>
-          </a:prstGeom>
-          <a:noFill/>
-          <a:ln cap="flat" cmpd="sng" w="19050">
-            <a:solidFill>
-              <a:srgbClr val="FF0000"/>
-            </a:solidFill>
-            <a:prstDash val="solid"/>
-            <a:round/>
-            <a:headEnd len="sm" w="sm" type="none"/>
-            <a:tailEnd len="sm" w="sm" type="none"/>
-          </a:ln>
-        </p:spPr>
-        <p:txBody>
-          <a:bodyPr anchorCtr="0" anchor="ctr" bIns="91425" lIns="91425" spcFirstLastPara="1" rIns="91425" wrap="square" tIns="91425">
-            <a:noAutofit/>
-          </a:bodyPr>
-          <a:lstStyle/>
-          <a:p>
-            <a:pPr indent="0" lvl="0" marL="0">
-              <a:spcBef>
-                <a:spcPts val="0"/>
-              </a:spcBef>
-              <a:spcAft>
-                <a:spcPts val="0"/>
-              </a:spcAft>
-              <a:buNone/>
-            </a:pPr>
-            <a:r>
-              <a:t/>
-            </a:r>
-            <a:endParaRPr/>
-          </a:p>
-        </p:txBody>
-      </p:sp>
-      <p:sp>
-        <p:nvSpPr>
-          <p:cNvPr id="183" name="Shape 183"/>
-          <p:cNvSpPr/>
-          <p:nvPr/>
-        </p:nvSpPr>
-        <p:spPr>
-          <a:xfrm>
-            <a:off x="5734050" y="2847975"/>
-            <a:ext cx="247500" cy="219000"/>
-          </a:xfrm>
-          <a:prstGeom prst="rect">
-            <a:avLst/>
-          </a:prstGeom>
-          <a:noFill/>
-          <a:ln cap="flat" cmpd="sng" w="19050">
-            <a:solidFill>
-              <a:srgbClr val="FF0000"/>
-            </a:solidFill>
-            <a:prstDash val="solid"/>
-            <a:round/>
-            <a:headEnd len="sm" w="sm" type="none"/>
-            <a:tailEnd len="sm" w="sm" type="none"/>
-          </a:ln>
-        </p:spPr>
-        <p:txBody>
-          <a:bodyPr anchorCtr="0" anchor="ctr" bIns="91425" lIns="91425" spcFirstLastPara="1" rIns="91425" wrap="square" tIns="91425">
-            <a:noAutofit/>
-          </a:bodyPr>
-          <a:lstStyle/>
-          <a:p>
-            <a:pPr indent="0" lvl="0" marL="0">
-              <a:spcBef>
-                <a:spcPts val="0"/>
-              </a:spcBef>
-              <a:spcAft>
-                <a:spcPts val="0"/>
-              </a:spcAft>
-              <a:buNone/>
-            </a:pPr>
-            <a:r>
-              <a:t/>
-            </a:r>
-            <a:endParaRPr/>
-          </a:p>
-        </p:txBody>
-      </p:sp>
     </p:spTree>
   </p:cSld>
   <p:clrMapOvr>
@@ -10363,7 +10576,7 @@
   <p:cSld>
     <p:spTree>
       <p:nvGrpSpPr>
-        <p:cNvPr id="187" name="Shape 187"/>
+        <p:cNvPr id="191" name="Shape 191"/>
         <p:cNvGrpSpPr/>
         <p:nvPr/>
       </p:nvGrpSpPr>
@@ -10377,7 +10590,7 @@
       </p:grpSpPr>
       <p:sp>
         <p:nvSpPr>
-          <p:cNvPr id="188" name="Shape 188"/>
+          <p:cNvPr id="192" name="Shape 192"/>
           <p:cNvSpPr txBox="1"/>
           <p:nvPr>
             <p:ph type="title"/>
@@ -10409,7 +10622,7 @@
             </a:pPr>
             <a:r>
               <a:rPr lang="en-GB"/>
-              <a:t>Pushing and pulling</a:t>
+              <a:t>Pushing and pulling (and fetching)</a:t>
             </a:r>
             <a:endParaRPr/>
           </a:p>
@@ -10417,7 +10630,7 @@
       </p:sp>
       <p:sp>
         <p:nvSpPr>
-          <p:cNvPr id="189" name="Shape 189"/>
+          <p:cNvPr id="193" name="Shape 193"/>
           <p:cNvSpPr txBox="1"/>
           <p:nvPr>
             <p:ph idx="1" type="body"/>
@@ -10499,21 +10712,48 @@
                 <a:spcPts val="1600"/>
               </a:spcBef>
               <a:spcAft>
+                <a:spcPts val="0"/>
+              </a:spcAft>
+              <a:buClr>
+                <a:schemeClr val="dk1"/>
+              </a:buClr>
+              <a:buSzPts val="1100"/>
+              <a:buFont typeface="Arial"/>
+              <a:buNone/>
+            </a:pPr>
+            <a:r>
+              <a:rPr lang="en-GB"/>
+              <a:t>Fetching is like pulling, but instead of applying the changes to your local copy, it just checks if there are any differences between your version and the remote.  If there are differences, you can decide if you need to push, pull, or do something a bit more complicated.</a:t>
+            </a:r>
+            <a:endParaRPr/>
+          </a:p>
+          <a:p>
+            <a:pPr indent="0" lvl="0" marL="0">
+              <a:spcBef>
                 <a:spcPts val="1600"/>
-              </a:spcAft>
-              <a:buNone/>
-            </a:pPr>
-            <a:r>
-              <a:rPr lang="en-GB"/>
-              <a:t>GitHub Desktop has a simple ‘sync’ button to handle both of these steps (pulling and then pushing, in that order).  It’s a good idea to use it often if you’re working on a shared repository, and particularly before </a:t>
-            </a:r>
-            <a:r>
-              <a:rPr lang="en-GB" u="sng"/>
-              <a:t>and</a:t>
-            </a:r>
-            <a:r>
-              <a:rPr lang="en-GB"/>
-              <a:t> after creating a commit to make sure you don’t overwrite anyone else’s changes.</a:t>
+              </a:spcBef>
+              <a:spcAft>
+                <a:spcPts val="0"/>
+              </a:spcAft>
+              <a:buNone/>
+            </a:pPr>
+            <a:r>
+              <a:t/>
+            </a:r>
+            <a:endParaRPr/>
+          </a:p>
+          <a:p>
+            <a:pPr indent="0" lvl="0" marL="0">
+              <a:spcBef>
+                <a:spcPts val="1600"/>
+              </a:spcBef>
+              <a:spcAft>
+                <a:spcPts val="1600"/>
+              </a:spcAft>
+              <a:buNone/>
+            </a:pPr>
+            <a:r>
+              <a:t/>
             </a:r>
             <a:endParaRPr/>
           </a:p>
@@ -10532,7 +10772,7 @@
   <p:cSld>
     <p:spTree>
       <p:nvGrpSpPr>
-        <p:cNvPr id="193" name="Shape 193"/>
+        <p:cNvPr id="197" name="Shape 197"/>
         <p:cNvGrpSpPr/>
         <p:nvPr/>
       </p:nvGrpSpPr>
@@ -10546,7 +10786,7 @@
       </p:grpSpPr>
       <p:sp>
         <p:nvSpPr>
-          <p:cNvPr id="194" name="Shape 194"/>
+          <p:cNvPr id="198" name="Shape 198"/>
           <p:cNvSpPr txBox="1"/>
           <p:nvPr>
             <p:ph type="title"/>
@@ -10554,7 +10794,7 @@
         </p:nvSpPr>
         <p:spPr>
           <a:xfrm>
-            <a:off x="311700" y="593367"/>
+            <a:off x="311700" y="168942"/>
             <a:ext cx="8520600" cy="763500"/>
           </a:xfrm>
           <a:prstGeom prst="rect">
@@ -10578,7 +10818,7 @@
             </a:pPr>
             <a:r>
               <a:rPr lang="en-GB"/>
-              <a:t>Pushing and pulling (syncing) in GitHub Desktop</a:t>
+              <a:t>Fetching, pushing, and pulling in GitHub Desktop</a:t>
             </a:r>
             <a:endParaRPr/>
           </a:p>
@@ -10586,7 +10826,7 @@
       </p:sp>
       <p:pic>
         <p:nvPicPr>
-          <p:cNvPr id="195" name="Shape 195"/>
+          <p:cNvPr id="199" name="Shape 199"/>
           <p:cNvPicPr preferRelativeResize="0"/>
           <p:nvPr/>
         </p:nvPicPr>
@@ -10594,13 +10834,13 @@
           <a:blip r:embed="rId3">
             <a:alphaModFix/>
           </a:blip>
-          <a:srcRect b="0" l="42902" r="0" t="0"/>
+          <a:srcRect b="63422" l="41894" r="35710" t="0"/>
           <a:stretch/>
         </p:blipFill>
         <p:spPr>
           <a:xfrm>
-            <a:off x="377000" y="1356875"/>
-            <a:ext cx="4803351" cy="5392200"/>
+            <a:off x="318638" y="855725"/>
+            <a:ext cx="1946174" cy="2020200"/>
           </a:xfrm>
           <a:prstGeom prst="rect">
             <a:avLst/>
@@ -10611,16 +10851,97 @@
           </a:ln>
         </p:spPr>
       </p:pic>
-      <p:sp>
-        <p:nvSpPr>
-          <p:cNvPr id="196" name="Shape 196"/>
+      <p:pic>
+        <p:nvPicPr>
+          <p:cNvPr id="200" name="Shape 200"/>
+          <p:cNvPicPr preferRelativeResize="0"/>
+          <p:nvPr/>
+        </p:nvPicPr>
+        <p:blipFill rotWithShape="1">
+          <a:blip r:embed="rId4">
+            <a:alphaModFix/>
+          </a:blip>
+          <a:srcRect b="63422" l="42807" r="33285" t="0"/>
+          <a:stretch/>
+        </p:blipFill>
+        <p:spPr>
+          <a:xfrm>
+            <a:off x="2436113" y="855725"/>
+            <a:ext cx="2077499" cy="2020200"/>
+          </a:xfrm>
+          <a:prstGeom prst="rect">
+            <a:avLst/>
+          </a:prstGeom>
+          <a:noFill/>
+          <a:ln>
+            <a:noFill/>
+          </a:ln>
+        </p:spPr>
+      </p:pic>
+      <p:pic>
+        <p:nvPicPr>
+          <p:cNvPr id="201" name="Shape 201"/>
+          <p:cNvPicPr preferRelativeResize="0"/>
+          <p:nvPr/>
+        </p:nvPicPr>
+        <p:blipFill rotWithShape="1">
+          <a:blip r:embed="rId5">
+            <a:alphaModFix/>
+          </a:blip>
+          <a:srcRect b="63422" l="43252" r="34352" t="0"/>
+          <a:stretch/>
+        </p:blipFill>
+        <p:spPr>
+          <a:xfrm>
+            <a:off x="4684913" y="855725"/>
+            <a:ext cx="1946174" cy="2020200"/>
+          </a:xfrm>
+          <a:prstGeom prst="rect">
+            <a:avLst/>
+          </a:prstGeom>
+          <a:noFill/>
+          <a:ln>
+            <a:noFill/>
+          </a:ln>
+        </p:spPr>
+      </p:pic>
+      <p:pic>
+        <p:nvPicPr>
+          <p:cNvPr id="202" name="Shape 202"/>
+          <p:cNvPicPr preferRelativeResize="0"/>
+          <p:nvPr/>
+        </p:nvPicPr>
+        <p:blipFill rotWithShape="1">
+          <a:blip r:embed="rId6">
+            <a:alphaModFix/>
+          </a:blip>
+          <a:srcRect b="63422" l="43443" r="33277" t="0"/>
+          <a:stretch/>
+        </p:blipFill>
+        <p:spPr>
+          <a:xfrm>
+            <a:off x="6802388" y="855725"/>
+            <a:ext cx="2022975" cy="2020200"/>
+          </a:xfrm>
+          <a:prstGeom prst="rect">
+            <a:avLst/>
+          </a:prstGeom>
+          <a:noFill/>
+          <a:ln>
+            <a:noFill/>
+          </a:ln>
+        </p:spPr>
+      </p:pic>
+      <p:sp>
+        <p:nvSpPr>
+          <p:cNvPr id="203" name="Shape 203"/>
           <p:cNvSpPr/>
           <p:nvPr/>
         </p:nvSpPr>
         <p:spPr>
           <a:xfrm>
-            <a:off x="4170775" y="2052750"/>
-            <a:ext cx="578400" cy="289200"/>
+            <a:off x="666013" y="1192600"/>
+            <a:ext cx="1531800" cy="427500"/>
           </a:xfrm>
           <a:prstGeom prst="rect">
             <a:avLst/>
@@ -10658,42 +10979,157 @@
           </a:p>
         </p:txBody>
       </p:sp>
-      <p:cxnSp>
-        <p:nvCxnSpPr>
-          <p:cNvPr id="197" name="Shape 197"/>
-          <p:cNvCxnSpPr/>
+      <p:sp>
+        <p:nvSpPr>
+          <p:cNvPr id="204" name="Shape 204"/>
+          <p:cNvSpPr/>
           <p:nvPr/>
-        </p:nvCxnSpPr>
-        <p:spPr>
-          <a:xfrm rot="10800000">
-            <a:off x="4861150" y="2197350"/>
-            <a:ext cx="606600" cy="0"/>
-          </a:xfrm>
-          <a:prstGeom prst="straightConnector1">
+        </p:nvSpPr>
+        <p:spPr>
+          <a:xfrm>
+            <a:off x="2708963" y="1192600"/>
+            <a:ext cx="1662300" cy="427500"/>
+          </a:xfrm>
+          <a:prstGeom prst="rect">
             <a:avLst/>
           </a:prstGeom>
           <a:noFill/>
-          <a:ln cap="flat" cmpd="sng" w="9525">
+          <a:ln cap="flat" cmpd="sng" w="19050">
             <a:solidFill>
-              <a:schemeClr val="dk2"/>
+              <a:srgbClr val="FF0000"/>
             </a:solidFill>
             <a:prstDash val="solid"/>
             <a:round/>
-            <a:headEnd len="med" w="med" type="none"/>
-            <a:tailEnd len="med" w="med" type="stealth"/>
+            <a:headEnd len="sm" w="sm" type="none"/>
+            <a:tailEnd len="sm" w="sm" type="none"/>
           </a:ln>
         </p:spPr>
-      </p:cxnSp>
-      <p:sp>
-        <p:nvSpPr>
-          <p:cNvPr id="198" name="Shape 198"/>
+        <p:txBody>
+          <a:bodyPr anchorCtr="0" anchor="ctr" bIns="91425" lIns="91425" spcFirstLastPara="1" rIns="91425" wrap="square" tIns="91425">
+            <a:noAutofit/>
+          </a:bodyPr>
+          <a:lstStyle/>
+          <a:p>
+            <a:pPr indent="0" lvl="0" marL="0">
+              <a:spcBef>
+                <a:spcPts val="0"/>
+              </a:spcBef>
+              <a:spcAft>
+                <a:spcPts val="0"/>
+              </a:spcAft>
+              <a:buNone/>
+            </a:pPr>
+            <a:r>
+              <a:t/>
+            </a:r>
+            <a:endParaRPr/>
+          </a:p>
+        </p:txBody>
+      </p:sp>
+      <p:sp>
+        <p:nvSpPr>
+          <p:cNvPr id="205" name="Shape 205"/>
+          <p:cNvSpPr/>
+          <p:nvPr/>
+        </p:nvSpPr>
+        <p:spPr>
+          <a:xfrm>
+            <a:off x="4918763" y="1192600"/>
+            <a:ext cx="1662300" cy="427500"/>
+          </a:xfrm>
+          <a:prstGeom prst="rect">
+            <a:avLst/>
+          </a:prstGeom>
+          <a:noFill/>
+          <a:ln cap="flat" cmpd="sng" w="19050">
+            <a:solidFill>
+              <a:srgbClr val="FF0000"/>
+            </a:solidFill>
+            <a:prstDash val="solid"/>
+            <a:round/>
+            <a:headEnd len="sm" w="sm" type="none"/>
+            <a:tailEnd len="sm" w="sm" type="none"/>
+          </a:ln>
+        </p:spPr>
+        <p:txBody>
+          <a:bodyPr anchorCtr="0" anchor="ctr" bIns="91425" lIns="91425" spcFirstLastPara="1" rIns="91425" wrap="square" tIns="91425">
+            <a:noAutofit/>
+          </a:bodyPr>
+          <a:lstStyle/>
+          <a:p>
+            <a:pPr indent="0" lvl="0" marL="0">
+              <a:spcBef>
+                <a:spcPts val="0"/>
+              </a:spcBef>
+              <a:spcAft>
+                <a:spcPts val="0"/>
+              </a:spcAft>
+              <a:buNone/>
+            </a:pPr>
+            <a:r>
+              <a:t/>
+            </a:r>
+            <a:endParaRPr/>
+          </a:p>
+        </p:txBody>
+      </p:sp>
+      <p:sp>
+        <p:nvSpPr>
+          <p:cNvPr id="206" name="Shape 206"/>
+          <p:cNvSpPr/>
+          <p:nvPr/>
+        </p:nvSpPr>
+        <p:spPr>
+          <a:xfrm>
+            <a:off x="7066213" y="1192600"/>
+            <a:ext cx="1531800" cy="427500"/>
+          </a:xfrm>
+          <a:prstGeom prst="rect">
+            <a:avLst/>
+          </a:prstGeom>
+          <a:noFill/>
+          <a:ln cap="flat" cmpd="sng" w="19050">
+            <a:solidFill>
+              <a:srgbClr val="FF0000"/>
+            </a:solidFill>
+            <a:prstDash val="solid"/>
+            <a:round/>
+            <a:headEnd len="sm" w="sm" type="none"/>
+            <a:tailEnd len="sm" w="sm" type="none"/>
+          </a:ln>
+        </p:spPr>
+        <p:txBody>
+          <a:bodyPr anchorCtr="0" anchor="ctr" bIns="91425" lIns="91425" spcFirstLastPara="1" rIns="91425" wrap="square" tIns="91425">
+            <a:noAutofit/>
+          </a:bodyPr>
+          <a:lstStyle/>
+          <a:p>
+            <a:pPr indent="0" lvl="0" marL="0">
+              <a:spcBef>
+                <a:spcPts val="0"/>
+              </a:spcBef>
+              <a:spcAft>
+                <a:spcPts val="0"/>
+              </a:spcAft>
+              <a:buNone/>
+            </a:pPr>
+            <a:r>
+              <a:t/>
+            </a:r>
+            <a:endParaRPr/>
+          </a:p>
+        </p:txBody>
+      </p:sp>
+      <p:sp>
+        <p:nvSpPr>
+          <p:cNvPr id="207" name="Shape 207"/>
           <p:cNvSpPr txBox="1"/>
           <p:nvPr/>
         </p:nvSpPr>
         <p:spPr>
           <a:xfrm>
-            <a:off x="5467750" y="1819450"/>
-            <a:ext cx="3013800" cy="2006100"/>
+            <a:off x="439350" y="3081625"/>
+            <a:ext cx="4953300" cy="2379300"/>
           </a:xfrm>
           <a:prstGeom prst="rect">
             <a:avLst/>
@@ -10720,7 +11156,46 @@
             </a:pPr>
             <a:r>
               <a:rPr lang="en-GB"/>
-              <a:t>If your repository doesn’t have a remote (i.e. it’s only on your local computer and not saved to GitHub), you won’t have a sync button, and will instead have an option to publish the repository to GitHub.</a:t>
+              <a:t>GitHub Desktop will give you different options in this panel based on the differences between your local copy of the repository and the remote.  It should fetch automatically every 5-10 minutes or so, but it’s a good idea to do this manually before you commit, so you can make sure you don’t accidentally undo someone else’s changes.  You should also pull/push changes whenever they’re flagged up here, to be sure you (and anyone you’re collaborating with) have the most recent version.</a:t>
+            </a:r>
+            <a:endParaRPr/>
+          </a:p>
+          <a:p>
+            <a:pPr indent="0" lvl="0" marL="0">
+              <a:spcBef>
+                <a:spcPts val="0"/>
+              </a:spcBef>
+              <a:spcAft>
+                <a:spcPts val="0"/>
+              </a:spcAft>
+              <a:buNone/>
+            </a:pPr>
+            <a:r>
+              <a:t/>
+            </a:r>
+            <a:endParaRPr/>
+          </a:p>
+          <a:p>
+            <a:pPr indent="0" lvl="0" marL="0">
+              <a:spcBef>
+                <a:spcPts val="0"/>
+              </a:spcBef>
+              <a:spcAft>
+                <a:spcPts val="0"/>
+              </a:spcAft>
+              <a:buNone/>
+            </a:pPr>
+            <a:r>
+              <a:rPr lang="en-GB"/>
+              <a:t>If you’re working on a local repo, instead of fetch/push/pull, you’ll see a button to publish the repository to GitHub.  If you do this, be careful that there is no sensitive information (e.g. passwords) in your repo (even if you delete them - they’re still in the history!).  GitHub repos are </a:t>
+            </a:r>
+            <a:r>
+              <a:rPr lang="en-GB"/>
+              <a:t>publicly</a:t>
+            </a:r>
+            <a:r>
+              <a:rPr lang="en-GB"/>
+              <a:t> visible by default, although you can set them to private.</a:t>
             </a:r>
             <a:endParaRPr/>
           </a:p>
@@ -10728,22 +11203,21 @@
       </p:sp>
       <p:pic>
         <p:nvPicPr>
-          <p:cNvPr id="199" name="Shape 199"/>
+          <p:cNvPr id="208" name="Shape 208"/>
           <p:cNvPicPr preferRelativeResize="0"/>
           <p:nvPr/>
         </p:nvPicPr>
-        <p:blipFill>
-          <a:blip r:embed="rId4">
+        <p:blipFill rotWithShape="1">
+          <a:blip r:embed="rId7">
             <a:alphaModFix/>
           </a:blip>
-          <a:stretch>
-            <a:fillRect/>
-          </a:stretch>
+          <a:srcRect b="26131" l="31625" r="31514" t="26632"/>
+          <a:stretch/>
         </p:blipFill>
         <p:spPr>
           <a:xfrm>
-            <a:off x="6405877" y="3252788"/>
-            <a:ext cx="876300" cy="352425"/>
+            <a:off x="5461925" y="3516951"/>
+            <a:ext cx="3370376" cy="2745151"/>
           </a:xfrm>
           <a:prstGeom prst="rect">
             <a:avLst/>
@@ -10904,7 +11378,7 @@
   <p:cSld>
     <p:spTree>
       <p:nvGrpSpPr>
-        <p:cNvPr id="203" name="Shape 203"/>
+        <p:cNvPr id="212" name="Shape 212"/>
         <p:cNvGrpSpPr/>
         <p:nvPr/>
       </p:nvGrpSpPr>
@@ -10918,7 +11392,7 @@
       </p:grpSpPr>
       <p:sp>
         <p:nvSpPr>
-          <p:cNvPr id="204" name="Shape 204"/>
+          <p:cNvPr id="213" name="Shape 213"/>
           <p:cNvSpPr txBox="1"/>
           <p:nvPr>
             <p:ph type="title"/>
@@ -10958,7 +11432,7 @@
       </p:sp>
       <p:sp>
         <p:nvSpPr>
-          <p:cNvPr id="205" name="Shape 205"/>
+          <p:cNvPr id="214" name="Shape 214"/>
           <p:cNvSpPr txBox="1"/>
           <p:nvPr>
             <p:ph idx="1" type="body"/>
@@ -11057,7 +11531,7 @@
   <p:cSld>
     <p:spTree>
       <p:nvGrpSpPr>
-        <p:cNvPr id="209" name="Shape 209"/>
+        <p:cNvPr id="218" name="Shape 218"/>
         <p:cNvGrpSpPr/>
         <p:nvPr/>
       </p:nvGrpSpPr>
@@ -11071,7 +11545,7 @@
       </p:grpSpPr>
       <p:sp>
         <p:nvSpPr>
-          <p:cNvPr id="210" name="Shape 210"/>
+          <p:cNvPr id="219" name="Shape 219"/>
           <p:cNvSpPr txBox="1"/>
           <p:nvPr>
             <p:ph type="title"/>
@@ -11111,7 +11585,7 @@
       </p:sp>
       <p:sp>
         <p:nvSpPr>
-          <p:cNvPr id="211" name="Shape 211"/>
+          <p:cNvPr id="220" name="Shape 220"/>
           <p:cNvSpPr/>
           <p:nvPr/>
         </p:nvSpPr>
@@ -11161,7 +11635,7 @@
       </p:sp>
       <p:sp>
         <p:nvSpPr>
-          <p:cNvPr id="212" name="Shape 212"/>
+          <p:cNvPr id="221" name="Shape 221"/>
           <p:cNvSpPr/>
           <p:nvPr/>
         </p:nvSpPr>
@@ -11211,7 +11685,7 @@
       </p:sp>
       <p:sp>
         <p:nvSpPr>
-          <p:cNvPr id="213" name="Shape 213"/>
+          <p:cNvPr id="222" name="Shape 222"/>
           <p:cNvSpPr/>
           <p:nvPr/>
         </p:nvSpPr>
@@ -11261,7 +11735,7 @@
       </p:sp>
       <p:sp>
         <p:nvSpPr>
-          <p:cNvPr id="214" name="Shape 214"/>
+          <p:cNvPr id="223" name="Shape 223"/>
           <p:cNvSpPr/>
           <p:nvPr/>
         </p:nvSpPr>
@@ -11311,7 +11785,7 @@
       </p:sp>
       <p:sp>
         <p:nvSpPr>
-          <p:cNvPr id="215" name="Shape 215"/>
+          <p:cNvPr id="224" name="Shape 224"/>
           <p:cNvSpPr/>
           <p:nvPr/>
         </p:nvSpPr>
@@ -11361,7 +11835,7 @@
       </p:sp>
       <p:sp>
         <p:nvSpPr>
-          <p:cNvPr id="216" name="Shape 216"/>
+          <p:cNvPr id="225" name="Shape 225"/>
           <p:cNvSpPr/>
           <p:nvPr/>
         </p:nvSpPr>
@@ -11411,7 +11885,7 @@
       </p:sp>
       <p:sp>
         <p:nvSpPr>
-          <p:cNvPr id="217" name="Shape 217"/>
+          <p:cNvPr id="226" name="Shape 226"/>
           <p:cNvSpPr/>
           <p:nvPr/>
         </p:nvSpPr>
@@ -11461,10 +11935,10 @@
       </p:sp>
       <p:cxnSp>
         <p:nvCxnSpPr>
-          <p:cNvPr id="218" name="Shape 218"/>
+          <p:cNvPr id="227" name="Shape 227"/>
           <p:cNvCxnSpPr>
-            <a:stCxn id="211" idx="4"/>
-            <a:endCxn id="212" idx="0"/>
+            <a:stCxn id="220" idx="4"/>
+            <a:endCxn id="221" idx="0"/>
           </p:cNvCxnSpPr>
           <p:nvPr/>
         </p:nvCxnSpPr>
@@ -11490,10 +11964,10 @@
       </p:cxnSp>
       <p:cxnSp>
         <p:nvCxnSpPr>
-          <p:cNvPr id="219" name="Shape 219"/>
+          <p:cNvPr id="228" name="Shape 228"/>
           <p:cNvCxnSpPr>
-            <a:stCxn id="212" idx="6"/>
-            <a:endCxn id="213" idx="1"/>
+            <a:stCxn id="221" idx="6"/>
+            <a:endCxn id="222" idx="1"/>
           </p:cNvCxnSpPr>
           <p:nvPr/>
         </p:nvCxnSpPr>
@@ -11519,10 +11993,10 @@
       </p:cxnSp>
       <p:cxnSp>
         <p:nvCxnSpPr>
-          <p:cNvPr id="220" name="Shape 220"/>
+          <p:cNvPr id="229" name="Shape 229"/>
           <p:cNvCxnSpPr>
-            <a:stCxn id="212" idx="4"/>
-            <a:endCxn id="215" idx="0"/>
+            <a:stCxn id="221" idx="4"/>
+            <a:endCxn id="224" idx="0"/>
           </p:cNvCxnSpPr>
           <p:nvPr/>
         </p:nvCxnSpPr>
@@ -11548,10 +12022,10 @@
       </p:cxnSp>
       <p:cxnSp>
         <p:nvCxnSpPr>
-          <p:cNvPr id="221" name="Shape 221"/>
+          <p:cNvPr id="230" name="Shape 230"/>
           <p:cNvCxnSpPr>
-            <a:stCxn id="213" idx="4"/>
-            <a:endCxn id="214" idx="0"/>
+            <a:stCxn id="222" idx="4"/>
+            <a:endCxn id="223" idx="0"/>
           </p:cNvCxnSpPr>
           <p:nvPr/>
         </p:nvCxnSpPr>
@@ -11577,10 +12051,10 @@
       </p:cxnSp>
       <p:cxnSp>
         <p:nvCxnSpPr>
-          <p:cNvPr id="222" name="Shape 222"/>
+          <p:cNvPr id="231" name="Shape 231"/>
           <p:cNvCxnSpPr>
-            <a:stCxn id="216" idx="3"/>
-            <a:endCxn id="217" idx="6"/>
+            <a:stCxn id="225" idx="3"/>
+            <a:endCxn id="226" idx="6"/>
           </p:cNvCxnSpPr>
           <p:nvPr/>
         </p:nvCxnSpPr>
@@ -11606,10 +12080,10 @@
       </p:cxnSp>
       <p:cxnSp>
         <p:nvCxnSpPr>
-          <p:cNvPr id="223" name="Shape 223"/>
+          <p:cNvPr id="232" name="Shape 232"/>
           <p:cNvCxnSpPr>
-            <a:stCxn id="215" idx="4"/>
-            <a:endCxn id="217" idx="0"/>
+            <a:stCxn id="224" idx="4"/>
+            <a:endCxn id="226" idx="0"/>
           </p:cNvCxnSpPr>
           <p:nvPr/>
         </p:nvCxnSpPr>
@@ -11635,10 +12109,10 @@
       </p:cxnSp>
       <p:cxnSp>
         <p:nvCxnSpPr>
-          <p:cNvPr id="224" name="Shape 224"/>
+          <p:cNvPr id="233" name="Shape 233"/>
           <p:cNvCxnSpPr>
-            <a:stCxn id="214" idx="4"/>
-            <a:endCxn id="216" idx="0"/>
+            <a:stCxn id="223" idx="4"/>
+            <a:endCxn id="225" idx="0"/>
           </p:cNvCxnSpPr>
           <p:nvPr/>
         </p:nvCxnSpPr>
@@ -11664,7 +12138,7 @@
       </p:cxnSp>
       <p:sp>
         <p:nvSpPr>
-          <p:cNvPr id="225" name="Shape 225"/>
+          <p:cNvPr id="234" name="Shape 234"/>
           <p:cNvSpPr txBox="1"/>
           <p:nvPr/>
         </p:nvSpPr>
@@ -12057,7 +12531,7 @@
   <p:cSld>
     <p:spTree>
       <p:nvGrpSpPr>
-        <p:cNvPr id="229" name="Shape 229"/>
+        <p:cNvPr id="238" name="Shape 238"/>
         <p:cNvGrpSpPr/>
         <p:nvPr/>
       </p:nvGrpSpPr>
@@ -12071,7 +12545,7 @@
       </p:grpSpPr>
       <p:sp>
         <p:nvSpPr>
-          <p:cNvPr id="230" name="Shape 230"/>
+          <p:cNvPr id="239" name="Shape 239"/>
           <p:cNvSpPr txBox="1"/>
           <p:nvPr>
             <p:ph type="title"/>
@@ -12111,7 +12585,7 @@
       </p:sp>
       <p:sp>
         <p:nvSpPr>
-          <p:cNvPr id="231" name="Shape 231"/>
+          <p:cNvPr id="240" name="Shape 240"/>
           <p:cNvSpPr/>
           <p:nvPr/>
         </p:nvSpPr>
@@ -12161,7 +12635,7 @@
       </p:sp>
       <p:sp>
         <p:nvSpPr>
-          <p:cNvPr id="232" name="Shape 232"/>
+          <p:cNvPr id="241" name="Shape 241"/>
           <p:cNvSpPr/>
           <p:nvPr/>
         </p:nvSpPr>
@@ -12211,7 +12685,7 @@
       </p:sp>
       <p:sp>
         <p:nvSpPr>
-          <p:cNvPr id="233" name="Shape 233"/>
+          <p:cNvPr id="242" name="Shape 242"/>
           <p:cNvSpPr/>
           <p:nvPr/>
         </p:nvSpPr>
@@ -12261,7 +12735,7 @@
       </p:sp>
       <p:sp>
         <p:nvSpPr>
-          <p:cNvPr id="234" name="Shape 234"/>
+          <p:cNvPr id="243" name="Shape 243"/>
           <p:cNvSpPr/>
           <p:nvPr/>
         </p:nvSpPr>
@@ -12311,7 +12785,7 @@
       </p:sp>
       <p:sp>
         <p:nvSpPr>
-          <p:cNvPr id="235" name="Shape 235"/>
+          <p:cNvPr id="244" name="Shape 244"/>
           <p:cNvSpPr/>
           <p:nvPr/>
         </p:nvSpPr>
@@ -12361,7 +12835,7 @@
       </p:sp>
       <p:sp>
         <p:nvSpPr>
-          <p:cNvPr id="236" name="Shape 236"/>
+          <p:cNvPr id="245" name="Shape 245"/>
           <p:cNvSpPr/>
           <p:nvPr/>
         </p:nvSpPr>
@@ -12411,7 +12885,7 @@
       </p:sp>
       <p:sp>
         <p:nvSpPr>
-          <p:cNvPr id="237" name="Shape 237"/>
+          <p:cNvPr id="246" name="Shape 246"/>
           <p:cNvSpPr/>
           <p:nvPr/>
         </p:nvSpPr>
@@ -12461,10 +12935,10 @@
       </p:sp>
       <p:cxnSp>
         <p:nvCxnSpPr>
-          <p:cNvPr id="238" name="Shape 238"/>
+          <p:cNvPr id="247" name="Shape 247"/>
           <p:cNvCxnSpPr>
-            <a:stCxn id="231" idx="4"/>
-            <a:endCxn id="232" idx="0"/>
+            <a:stCxn id="240" idx="4"/>
+            <a:endCxn id="241" idx="0"/>
           </p:cNvCxnSpPr>
           <p:nvPr/>
         </p:nvCxnSpPr>
@@ -12490,10 +12964,10 @@
       </p:cxnSp>
       <p:cxnSp>
         <p:nvCxnSpPr>
-          <p:cNvPr id="239" name="Shape 239"/>
+          <p:cNvPr id="248" name="Shape 248"/>
           <p:cNvCxnSpPr>
-            <a:stCxn id="232" idx="6"/>
-            <a:endCxn id="233" idx="1"/>
+            <a:stCxn id="241" idx="6"/>
+            <a:endCxn id="242" idx="1"/>
           </p:cNvCxnSpPr>
           <p:nvPr/>
         </p:nvCxnSpPr>
@@ -12519,10 +12993,10 @@
       </p:cxnSp>
       <p:cxnSp>
         <p:nvCxnSpPr>
-          <p:cNvPr id="240" name="Shape 240"/>
+          <p:cNvPr id="249" name="Shape 249"/>
           <p:cNvCxnSpPr>
-            <a:stCxn id="232" idx="4"/>
-            <a:endCxn id="235" idx="0"/>
+            <a:stCxn id="241" idx="4"/>
+            <a:endCxn id="244" idx="0"/>
           </p:cNvCxnSpPr>
           <p:nvPr/>
         </p:nvCxnSpPr>
@@ -12548,10 +13022,10 @@
       </p:cxnSp>
       <p:cxnSp>
         <p:nvCxnSpPr>
-          <p:cNvPr id="241" name="Shape 241"/>
+          <p:cNvPr id="250" name="Shape 250"/>
           <p:cNvCxnSpPr>
-            <a:stCxn id="233" idx="4"/>
-            <a:endCxn id="234" idx="0"/>
+            <a:stCxn id="242" idx="4"/>
+            <a:endCxn id="243" idx="0"/>
           </p:cNvCxnSpPr>
           <p:nvPr/>
         </p:nvCxnSpPr>
@@ -12577,10 +13051,10 @@
       </p:cxnSp>
       <p:cxnSp>
         <p:nvCxnSpPr>
-          <p:cNvPr id="242" name="Shape 242"/>
+          <p:cNvPr id="251" name="Shape 251"/>
           <p:cNvCxnSpPr>
-            <a:stCxn id="236" idx="3"/>
-            <a:endCxn id="237" idx="6"/>
+            <a:stCxn id="245" idx="3"/>
+            <a:endCxn id="246" idx="6"/>
           </p:cNvCxnSpPr>
           <p:nvPr/>
         </p:nvCxnSpPr>
@@ -12606,10 +13080,10 @@
       </p:cxnSp>
       <p:cxnSp>
         <p:nvCxnSpPr>
-          <p:cNvPr id="243" name="Shape 243"/>
+          <p:cNvPr id="252" name="Shape 252"/>
           <p:cNvCxnSpPr>
-            <a:stCxn id="235" idx="4"/>
-            <a:endCxn id="237" idx="0"/>
+            <a:stCxn id="244" idx="4"/>
+            <a:endCxn id="246" idx="0"/>
           </p:cNvCxnSpPr>
           <p:nvPr/>
         </p:nvCxnSpPr>
@@ -12635,10 +13109,10 @@
       </p:cxnSp>
       <p:cxnSp>
         <p:nvCxnSpPr>
-          <p:cNvPr id="244" name="Shape 244"/>
+          <p:cNvPr id="253" name="Shape 253"/>
           <p:cNvCxnSpPr>
-            <a:stCxn id="234" idx="4"/>
-            <a:endCxn id="236" idx="0"/>
+            <a:stCxn id="243" idx="4"/>
+            <a:endCxn id="245" idx="0"/>
           </p:cNvCxnSpPr>
           <p:nvPr/>
         </p:nvCxnSpPr>
@@ -12664,7 +13138,7 @@
       </p:cxnSp>
       <p:sp>
         <p:nvSpPr>
-          <p:cNvPr id="245" name="Shape 245"/>
+          <p:cNvPr id="254" name="Shape 254"/>
           <p:cNvSpPr/>
           <p:nvPr/>
         </p:nvSpPr>
@@ -12714,7 +13188,7 @@
       </p:sp>
       <p:sp>
         <p:nvSpPr>
-          <p:cNvPr id="246" name="Shape 246"/>
+          <p:cNvPr id="255" name="Shape 255"/>
           <p:cNvSpPr/>
           <p:nvPr/>
         </p:nvSpPr>
@@ -12764,7 +13238,7 @@
       </p:sp>
       <p:sp>
         <p:nvSpPr>
-          <p:cNvPr id="247" name="Shape 247"/>
+          <p:cNvPr id="256" name="Shape 256"/>
           <p:cNvSpPr/>
           <p:nvPr/>
         </p:nvSpPr>
@@ -12814,7 +13288,7 @@
       </p:sp>
       <p:sp>
         <p:nvSpPr>
-          <p:cNvPr id="248" name="Shape 248"/>
+          <p:cNvPr id="257" name="Shape 257"/>
           <p:cNvSpPr/>
           <p:nvPr/>
         </p:nvSpPr>
@@ -12864,7 +13338,7 @@
       </p:sp>
       <p:sp>
         <p:nvSpPr>
-          <p:cNvPr id="249" name="Shape 249"/>
+          <p:cNvPr id="258" name="Shape 258"/>
           <p:cNvSpPr/>
           <p:nvPr/>
         </p:nvSpPr>
@@ -12914,7 +13388,7 @@
       </p:sp>
       <p:sp>
         <p:nvSpPr>
-          <p:cNvPr id="250" name="Shape 250"/>
+          <p:cNvPr id="259" name="Shape 259"/>
           <p:cNvSpPr/>
           <p:nvPr/>
         </p:nvSpPr>
@@ -12964,7 +13438,7 @@
       </p:sp>
       <p:sp>
         <p:nvSpPr>
-          <p:cNvPr id="251" name="Shape 251"/>
+          <p:cNvPr id="260" name="Shape 260"/>
           <p:cNvSpPr/>
           <p:nvPr/>
         </p:nvSpPr>
@@ -13014,10 +13488,10 @@
       </p:sp>
       <p:cxnSp>
         <p:nvCxnSpPr>
-          <p:cNvPr id="252" name="Shape 252"/>
+          <p:cNvPr id="261" name="Shape 261"/>
           <p:cNvCxnSpPr>
-            <a:stCxn id="245" idx="4"/>
-            <a:endCxn id="246" idx="0"/>
+            <a:stCxn id="254" idx="4"/>
+            <a:endCxn id="255" idx="0"/>
           </p:cNvCxnSpPr>
           <p:nvPr/>
         </p:nvCxnSpPr>
@@ -13043,10 +13517,10 @@
       </p:cxnSp>
       <p:cxnSp>
         <p:nvCxnSpPr>
-          <p:cNvPr id="253" name="Shape 253"/>
+          <p:cNvPr id="262" name="Shape 262"/>
           <p:cNvCxnSpPr>
-            <a:stCxn id="246" idx="4"/>
-            <a:endCxn id="249" idx="0"/>
+            <a:stCxn id="255" idx="4"/>
+            <a:endCxn id="258" idx="0"/>
           </p:cNvCxnSpPr>
           <p:nvPr/>
         </p:nvCxnSpPr>
@@ -13072,10 +13546,10 @@
       </p:cxnSp>
       <p:cxnSp>
         <p:nvCxnSpPr>
-          <p:cNvPr id="254" name="Shape 254"/>
+          <p:cNvPr id="263" name="Shape 263"/>
           <p:cNvCxnSpPr>
-            <a:stCxn id="247" idx="4"/>
-            <a:endCxn id="248" idx="0"/>
+            <a:stCxn id="256" idx="4"/>
+            <a:endCxn id="257" idx="0"/>
           </p:cNvCxnSpPr>
           <p:nvPr/>
         </p:nvCxnSpPr>
@@ -13101,10 +13575,10 @@
       </p:cxnSp>
       <p:cxnSp>
         <p:nvCxnSpPr>
-          <p:cNvPr id="255" name="Shape 255"/>
+          <p:cNvPr id="264" name="Shape 264"/>
           <p:cNvCxnSpPr>
-            <a:stCxn id="250" idx="4"/>
-            <a:endCxn id="251" idx="0"/>
+            <a:stCxn id="259" idx="4"/>
+            <a:endCxn id="260" idx="0"/>
           </p:cNvCxnSpPr>
           <p:nvPr/>
         </p:nvCxnSpPr>
@@ -13130,10 +13604,10 @@
       </p:cxnSp>
       <p:cxnSp>
         <p:nvCxnSpPr>
-          <p:cNvPr id="256" name="Shape 256"/>
+          <p:cNvPr id="265" name="Shape 265"/>
           <p:cNvCxnSpPr>
-            <a:stCxn id="248" idx="4"/>
-            <a:endCxn id="250" idx="0"/>
+            <a:stCxn id="257" idx="4"/>
+            <a:endCxn id="259" idx="0"/>
           </p:cNvCxnSpPr>
           <p:nvPr/>
         </p:nvCxnSpPr>
@@ -13159,10 +13633,10 @@
       </p:cxnSp>
       <p:cxnSp>
         <p:nvCxnSpPr>
-          <p:cNvPr id="257" name="Shape 257"/>
+          <p:cNvPr id="266" name="Shape 266"/>
           <p:cNvCxnSpPr>
-            <a:stCxn id="249" idx="4"/>
-            <a:endCxn id="247" idx="0"/>
+            <a:stCxn id="258" idx="4"/>
+            <a:endCxn id="256" idx="0"/>
           </p:cNvCxnSpPr>
           <p:nvPr/>
         </p:nvCxnSpPr>
@@ -13188,7 +13662,7 @@
       </p:cxnSp>
       <p:sp>
         <p:nvSpPr>
-          <p:cNvPr id="258" name="Shape 258"/>
+          <p:cNvPr id="267" name="Shape 267"/>
           <p:cNvSpPr txBox="1"/>
           <p:nvPr/>
         </p:nvSpPr>
@@ -13230,7 +13704,7 @@
       </p:sp>
       <p:sp>
         <p:nvSpPr>
-          <p:cNvPr id="259" name="Shape 259"/>
+          <p:cNvPr id="268" name="Shape 268"/>
           <p:cNvSpPr/>
           <p:nvPr/>
         </p:nvSpPr>
@@ -13280,7 +13754,7 @@
       </p:sp>
       <p:sp>
         <p:nvSpPr>
-          <p:cNvPr id="260" name="Shape 260"/>
+          <p:cNvPr id="269" name="Shape 269"/>
           <p:cNvSpPr/>
           <p:nvPr/>
         </p:nvSpPr>
@@ -13341,7 +13815,7 @@
   <p:cSld>
     <p:spTree>
       <p:nvGrpSpPr>
-        <p:cNvPr id="264" name="Shape 264"/>
+        <p:cNvPr id="273" name="Shape 273"/>
         <p:cNvGrpSpPr/>
         <p:nvPr/>
       </p:nvGrpSpPr>
@@ -13355,7 +13829,7 @@
       </p:grpSpPr>
       <p:sp>
         <p:nvSpPr>
-          <p:cNvPr id="265" name="Shape 265"/>
+          <p:cNvPr id="274" name="Shape 274"/>
           <p:cNvSpPr txBox="1"/>
           <p:nvPr>
             <p:ph type="title"/>
@@ -13393,24 +13867,42 @@
           </a:p>
         </p:txBody>
       </p:sp>
-      <p:pic>
-        <p:nvPicPr>
-          <p:cNvPr id="266" name="Shape 266"/>
-          <p:cNvPicPr preferRelativeResize="0"/>
+      <p:cxnSp>
+        <p:nvCxnSpPr>
+          <p:cNvPr id="275" name="Shape 275"/>
+          <p:cNvCxnSpPr/>
           <p:nvPr/>
-        </p:nvPicPr>
-        <p:blipFill>
-          <a:blip r:embed="rId3">
-            <a:alphaModFix/>
-          </a:blip>
-          <a:stretch>
-            <a:fillRect/>
-          </a:stretch>
-        </p:blipFill>
-        <p:spPr>
-          <a:xfrm>
-            <a:off x="311700" y="1814717"/>
-            <a:ext cx="8106827" cy="5196332"/>
+        </p:nvCxnSpPr>
+        <p:spPr>
+          <a:xfrm rot="10800000">
+            <a:off x="3051175" y="1876175"/>
+            <a:ext cx="0" cy="298500"/>
+          </a:xfrm>
+          <a:prstGeom prst="straightConnector1">
+            <a:avLst/>
+          </a:prstGeom>
+          <a:noFill/>
+          <a:ln cap="flat" cmpd="sng" w="9525">
+            <a:solidFill>
+              <a:schemeClr val="dk2"/>
+            </a:solidFill>
+            <a:prstDash val="solid"/>
+            <a:round/>
+            <a:headEnd len="med" w="med" type="stealth"/>
+            <a:tailEnd len="med" w="med" type="none"/>
+          </a:ln>
+        </p:spPr>
+      </p:cxnSp>
+      <p:sp>
+        <p:nvSpPr>
+          <p:cNvPr id="276" name="Shape 276"/>
+          <p:cNvSpPr txBox="1"/>
+          <p:nvPr/>
+        </p:nvSpPr>
+        <p:spPr>
+          <a:xfrm>
+            <a:off x="1679525" y="1356875"/>
+            <a:ext cx="3834900" cy="519300"/>
           </a:xfrm>
           <a:prstGeom prst="rect">
             <a:avLst/>
@@ -13420,17 +13912,119 @@
             <a:noFill/>
           </a:ln>
         </p:spPr>
+        <p:txBody>
+          <a:bodyPr anchorCtr="0" anchor="t" bIns="91425" lIns="91425" spcFirstLastPara="1" rIns="91425" wrap="square" tIns="91425">
+            <a:noAutofit/>
+          </a:bodyPr>
+          <a:lstStyle/>
+          <a:p>
+            <a:pPr indent="0" lvl="0" marL="0">
+              <a:spcBef>
+                <a:spcPts val="0"/>
+              </a:spcBef>
+              <a:spcAft>
+                <a:spcPts val="0"/>
+              </a:spcAft>
+              <a:buNone/>
+            </a:pPr>
+            <a:r>
+              <a:rPr lang="en-GB"/>
+              <a:t>The branch you’re currently on.  You can use the drop down to switch between branches.</a:t>
+            </a:r>
+            <a:endParaRPr/>
+          </a:p>
+        </p:txBody>
+      </p:sp>
+      <p:pic>
+        <p:nvPicPr>
+          <p:cNvPr id="277" name="Shape 277"/>
+          <p:cNvPicPr preferRelativeResize="0"/>
+          <p:nvPr/>
+        </p:nvPicPr>
+        <p:blipFill rotWithShape="1">
+          <a:blip r:embed="rId3">
+            <a:alphaModFix/>
+          </a:blip>
+          <a:srcRect b="23365" l="0" r="0" t="0"/>
+          <a:stretch/>
+        </p:blipFill>
+        <p:spPr>
+          <a:xfrm>
+            <a:off x="181725" y="1989075"/>
+            <a:ext cx="8650575" cy="4213430"/>
+          </a:xfrm>
+          <a:prstGeom prst="rect">
+            <a:avLst/>
+          </a:prstGeom>
+          <a:noFill/>
+          <a:ln>
+            <a:noFill/>
+          </a:ln>
+        </p:spPr>
       </p:pic>
-      <p:sp>
-        <p:nvSpPr>
-          <p:cNvPr id="267" name="Shape 267"/>
+      <p:pic>
+        <p:nvPicPr>
+          <p:cNvPr id="278" name="Shape 278"/>
+          <p:cNvPicPr preferRelativeResize="0"/>
+          <p:nvPr/>
+        </p:nvPicPr>
+        <p:blipFill rotWithShape="1">
+          <a:blip r:embed="rId4">
+            <a:alphaModFix/>
+          </a:blip>
+          <a:srcRect b="3966" l="581" r="2434" t="0"/>
+          <a:stretch/>
+        </p:blipFill>
+        <p:spPr>
+          <a:xfrm>
+            <a:off x="5109275" y="3095725"/>
+            <a:ext cx="2955200" cy="2000125"/>
+          </a:xfrm>
+          <a:prstGeom prst="rect">
+            <a:avLst/>
+          </a:prstGeom>
+          <a:noFill/>
+          <a:ln>
+            <a:noFill/>
+          </a:ln>
+        </p:spPr>
+      </p:pic>
+      <p:cxnSp>
+        <p:nvCxnSpPr>
+          <p:cNvPr id="279" name="Shape 279"/>
+          <p:cNvCxnSpPr/>
+          <p:nvPr/>
+        </p:nvCxnSpPr>
+        <p:spPr>
+          <a:xfrm>
+            <a:off x="4708650" y="2881925"/>
+            <a:ext cx="342000" cy="254100"/>
+          </a:xfrm>
+          <a:prstGeom prst="straightConnector1">
+            <a:avLst/>
+          </a:prstGeom>
+          <a:noFill/>
+          <a:ln cap="flat" cmpd="sng" w="9525">
+            <a:solidFill>
+              <a:srgbClr val="FFFFFF"/>
+            </a:solidFill>
+            <a:prstDash val="solid"/>
+            <a:round/>
+            <a:headEnd len="med" w="med" type="triangle"/>
+            <a:tailEnd len="med" w="med" type="triangle"/>
+          </a:ln>
+        </p:spPr>
+      </p:cxnSp>
+      <p:sp>
+        <p:nvSpPr>
+          <p:cNvPr id="280" name="Shape 280"/>
           <p:cNvSpPr/>
           <p:nvPr/>
         </p:nvSpPr>
         <p:spPr>
           <a:xfrm>
-            <a:off x="1996750" y="2184025"/>
-            <a:ext cx="252000" cy="233100"/>
+            <a:off x="3946775" y="2715850"/>
+            <a:ext cx="703500" cy="254100"/>
           </a:xfrm>
           <a:prstGeom prst="rect">
             <a:avLst/>
@@ -13463,237 +14057,6 @@
             </a:pPr>
             <a:r>
               <a:t/>
-            </a:r>
-            <a:endParaRPr/>
-          </a:p>
-        </p:txBody>
-      </p:sp>
-      <p:cxnSp>
-        <p:nvCxnSpPr>
-          <p:cNvPr id="268" name="Shape 268"/>
-          <p:cNvCxnSpPr/>
-          <p:nvPr/>
-        </p:nvCxnSpPr>
-        <p:spPr>
-          <a:xfrm rot="10800000">
-            <a:off x="2425950" y="1876175"/>
-            <a:ext cx="0" cy="298500"/>
-          </a:xfrm>
-          <a:prstGeom prst="straightConnector1">
-            <a:avLst/>
-          </a:prstGeom>
-          <a:noFill/>
-          <a:ln cap="flat" cmpd="sng" w="9525">
-            <a:solidFill>
-              <a:schemeClr val="dk2"/>
-            </a:solidFill>
-            <a:prstDash val="solid"/>
-            <a:round/>
-            <a:headEnd len="med" w="med" type="stealth"/>
-            <a:tailEnd len="med" w="med" type="none"/>
-          </a:ln>
-        </p:spPr>
-      </p:cxnSp>
-      <p:sp>
-        <p:nvSpPr>
-          <p:cNvPr id="269" name="Shape 269"/>
-          <p:cNvSpPr txBox="1"/>
-          <p:nvPr/>
-        </p:nvSpPr>
-        <p:spPr>
-          <a:xfrm>
-            <a:off x="1679525" y="1356875"/>
-            <a:ext cx="3834900" cy="519300"/>
-          </a:xfrm>
-          <a:prstGeom prst="rect">
-            <a:avLst/>
-          </a:prstGeom>
-          <a:noFill/>
-          <a:ln>
-            <a:noFill/>
-          </a:ln>
-        </p:spPr>
-        <p:txBody>
-          <a:bodyPr anchorCtr="0" anchor="t" bIns="91425" lIns="91425" spcFirstLastPara="1" rIns="91425" wrap="square" tIns="91425">
-            <a:noAutofit/>
-          </a:bodyPr>
-          <a:lstStyle/>
-          <a:p>
-            <a:pPr indent="0" lvl="0" marL="0">
-              <a:spcBef>
-                <a:spcPts val="0"/>
-              </a:spcBef>
-              <a:spcAft>
-                <a:spcPts val="0"/>
-              </a:spcAft>
-              <a:buNone/>
-            </a:pPr>
-            <a:r>
-              <a:rPr lang="en-GB"/>
-              <a:t>The branch you’re currently on.  You can use the drop down to switch between branches.</a:t>
-            </a:r>
-            <a:endParaRPr/>
-          </a:p>
-        </p:txBody>
-      </p:sp>
-      <p:sp>
-        <p:nvSpPr>
-          <p:cNvPr id="270" name="Shape 270"/>
-          <p:cNvSpPr/>
-          <p:nvPr/>
-        </p:nvSpPr>
-        <p:spPr>
-          <a:xfrm>
-            <a:off x="4170775" y="2911150"/>
-            <a:ext cx="783775" cy="475850"/>
-          </a:xfrm>
-          <a:custGeom>
-            <a:pathLst>
-              <a:path extrusionOk="0" h="19034" w="31351">
-                <a:moveTo>
-                  <a:pt x="0" y="0"/>
-                </a:moveTo>
-                <a:lnTo>
-                  <a:pt x="10077" y="0"/>
-                </a:lnTo>
-                <a:lnTo>
-                  <a:pt x="10077" y="19034"/>
-                </a:lnTo>
-                <a:lnTo>
-                  <a:pt x="31351" y="19034"/>
-                </a:lnTo>
-              </a:path>
-            </a:pathLst>
-          </a:custGeom>
-          <a:noFill/>
-          <a:ln cap="flat" cmpd="sng" w="9525">
-            <a:solidFill>
-              <a:schemeClr val="dk2"/>
-            </a:solidFill>
-            <a:prstDash val="solid"/>
-            <a:round/>
-            <a:headEnd len="med" w="med" type="stealth"/>
-            <a:tailEnd len="med" w="med" type="none"/>
-          </a:ln>
-        </p:spPr>
-      </p:sp>
-      <p:cxnSp>
-        <p:nvCxnSpPr>
-          <p:cNvPr id="271" name="Shape 271"/>
-          <p:cNvCxnSpPr/>
-          <p:nvPr/>
-        </p:nvCxnSpPr>
-        <p:spPr>
-          <a:xfrm rot="10800000">
-            <a:off x="2967125" y="3247125"/>
-            <a:ext cx="0" cy="662400"/>
-          </a:xfrm>
-          <a:prstGeom prst="straightConnector1">
-            <a:avLst/>
-          </a:prstGeom>
-          <a:noFill/>
-          <a:ln cap="flat" cmpd="sng" w="9525">
-            <a:solidFill>
-              <a:schemeClr val="dk2"/>
-            </a:solidFill>
-            <a:prstDash val="solid"/>
-            <a:round/>
-            <a:headEnd len="med" w="med" type="none"/>
-            <a:tailEnd len="med" w="med" type="stealth"/>
-          </a:ln>
-        </p:spPr>
-      </p:cxnSp>
-      <p:sp>
-        <p:nvSpPr>
-          <p:cNvPr id="272" name="Shape 272"/>
-          <p:cNvSpPr txBox="1"/>
-          <p:nvPr/>
-        </p:nvSpPr>
-        <p:spPr>
-          <a:xfrm>
-            <a:off x="4954550" y="3219050"/>
-            <a:ext cx="2593800" cy="382500"/>
-          </a:xfrm>
-          <a:prstGeom prst="rect">
-            <a:avLst/>
-          </a:prstGeom>
-          <a:noFill/>
-          <a:ln cap="flat" cmpd="sng" w="19050">
-            <a:solidFill>
-              <a:srgbClr val="FF0000"/>
-            </a:solidFill>
-            <a:prstDash val="solid"/>
-            <a:round/>
-            <a:headEnd len="sm" w="sm" type="none"/>
-            <a:tailEnd len="sm" w="sm" type="none"/>
-          </a:ln>
-        </p:spPr>
-        <p:txBody>
-          <a:bodyPr anchorCtr="0" anchor="t" bIns="91425" lIns="91425" spcFirstLastPara="1" rIns="91425" wrap="square" tIns="91425">
-            <a:noAutofit/>
-          </a:bodyPr>
-          <a:lstStyle/>
-          <a:p>
-            <a:pPr indent="0" lvl="0" marL="0">
-              <a:spcBef>
-                <a:spcPts val="0"/>
-              </a:spcBef>
-              <a:spcAft>
-                <a:spcPts val="0"/>
-              </a:spcAft>
-              <a:buNone/>
-            </a:pPr>
-            <a:r>
-              <a:rPr lang="en-GB"/>
-              <a:t>The name of your new branch</a:t>
-            </a:r>
-            <a:endParaRPr/>
-          </a:p>
-        </p:txBody>
-      </p:sp>
-      <p:sp>
-        <p:nvSpPr>
-          <p:cNvPr id="273" name="Shape 273"/>
-          <p:cNvSpPr txBox="1"/>
-          <p:nvPr/>
-        </p:nvSpPr>
-        <p:spPr>
-          <a:xfrm>
-            <a:off x="2043400" y="3900200"/>
-            <a:ext cx="3051000" cy="811800"/>
-          </a:xfrm>
-          <a:prstGeom prst="rect">
-            <a:avLst/>
-          </a:prstGeom>
-          <a:noFill/>
-          <a:ln cap="flat" cmpd="sng" w="19050">
-            <a:solidFill>
-              <a:srgbClr val="FF0000"/>
-            </a:solidFill>
-            <a:prstDash val="solid"/>
-            <a:round/>
-            <a:headEnd len="sm" w="sm" type="none"/>
-            <a:tailEnd len="sm" w="sm" type="none"/>
-          </a:ln>
-        </p:spPr>
-        <p:txBody>
-          <a:bodyPr anchorCtr="0" anchor="t" bIns="91425" lIns="91425" spcFirstLastPara="1" rIns="91425" wrap="square" tIns="91425">
-            <a:noAutofit/>
-          </a:bodyPr>
-          <a:lstStyle/>
-          <a:p>
-            <a:pPr indent="0" lvl="0" marL="0">
-              <a:spcBef>
-                <a:spcPts val="0"/>
-              </a:spcBef>
-              <a:spcAft>
-                <a:spcPts val="0"/>
-              </a:spcAft>
-              <a:buNone/>
-            </a:pPr>
-            <a:r>
-              <a:rPr lang="en-GB"/>
-              <a:t>The parent branch (i.e. the version of your code you want to use as the starting point for your new version)</a:t>
             </a:r>
             <a:endParaRPr/>
           </a:p>
@@ -13712,7 +14075,7 @@
   <p:cSld>
     <p:spTree>
       <p:nvGrpSpPr>
-        <p:cNvPr id="277" name="Shape 277"/>
+        <p:cNvPr id="284" name="Shape 284"/>
         <p:cNvGrpSpPr/>
         <p:nvPr/>
       </p:nvGrpSpPr>
@@ -13726,7 +14089,7 @@
       </p:grpSpPr>
       <p:sp>
         <p:nvSpPr>
-          <p:cNvPr id="278" name="Shape 278"/>
+          <p:cNvPr id="285" name="Shape 285"/>
           <p:cNvSpPr txBox="1"/>
           <p:nvPr>
             <p:ph type="title"/>
@@ -13734,7 +14097,7 @@
         </p:nvSpPr>
         <p:spPr>
           <a:xfrm>
-            <a:off x="311700" y="593367"/>
+            <a:off x="311700" y="222142"/>
             <a:ext cx="8520600" cy="763500"/>
           </a:xfrm>
           <a:prstGeom prst="rect">
@@ -13747,7 +14110,7 @@
           </a:bodyPr>
           <a:lstStyle/>
           <a:p>
-            <a:pPr indent="0" lvl="0" marL="0">
+            <a:pPr indent="0" lvl="0" marL="0" rtl="0">
               <a:spcBef>
                 <a:spcPts val="0"/>
               </a:spcBef>
@@ -13766,21 +14129,22 @@
       </p:sp>
       <p:pic>
         <p:nvPicPr>
-          <p:cNvPr id="279" name="Shape 279"/>
+          <p:cNvPr id="286" name="Shape 286"/>
           <p:cNvPicPr preferRelativeResize="0"/>
           <p:nvPr/>
         </p:nvPicPr>
-        <p:blipFill rotWithShape="1">
+        <p:blipFill>
           <a:blip r:embed="rId3">
             <a:alphaModFix/>
           </a:blip>
-          <a:srcRect b="26335" l="0" r="0" t="0"/>
-          <a:stretch/>
+          <a:stretch>
+            <a:fillRect/>
+          </a:stretch>
         </p:blipFill>
         <p:spPr>
           <a:xfrm>
-            <a:off x="518588" y="2815573"/>
-            <a:ext cx="8106824" cy="3827825"/>
+            <a:off x="360550" y="1378367"/>
+            <a:ext cx="8175911" cy="5196332"/>
           </a:xfrm>
           <a:prstGeom prst="rect">
             <a:avLst/>
@@ -13791,174 +14155,85 @@
           </a:ln>
         </p:spPr>
       </p:pic>
-      <p:sp>
-        <p:nvSpPr>
-          <p:cNvPr id="280" name="Shape 280"/>
+      <p:grpSp>
+        <p:nvGrpSpPr>
+          <p:cNvPr id="287" name="Shape 287"/>
+          <p:cNvGrpSpPr/>
+          <p:nvPr/>
+        </p:nvGrpSpPr>
+        <p:grpSpPr>
+          <a:xfrm>
+            <a:off x="520450" y="925900"/>
+            <a:ext cx="8103098" cy="2016250"/>
+            <a:chOff x="484050" y="798900"/>
+            <a:chExt cx="8103098" cy="2016250"/>
+          </a:xfrm>
+        </p:grpSpPr>
+        <p:pic>
+          <p:nvPicPr>
+            <p:cNvPr id="288" name="Shape 288"/>
+            <p:cNvPicPr preferRelativeResize="0"/>
+            <p:nvPr/>
+          </p:nvPicPr>
+          <p:blipFill rotWithShape="1">
+            <a:blip r:embed="rId4">
+              <a:alphaModFix/>
+            </a:blip>
+            <a:srcRect b="-20" l="0" r="62718" t="10"/>
+            <a:stretch/>
+          </p:blipFill>
+          <p:spPr>
+            <a:xfrm>
+              <a:off x="484050" y="798900"/>
+              <a:ext cx="8103098" cy="186800"/>
+            </a:xfrm>
+            <a:prstGeom prst="rect">
+              <a:avLst/>
+            </a:prstGeom>
+            <a:noFill/>
+            <a:ln>
+              <a:noFill/>
+            </a:ln>
+          </p:spPr>
+        </p:pic>
+        <p:pic>
+          <p:nvPicPr>
+            <p:cNvPr id="289" name="Shape 289"/>
+            <p:cNvPicPr preferRelativeResize="0"/>
+            <p:nvPr/>
+          </p:nvPicPr>
+          <p:blipFill rotWithShape="1">
+            <a:blip r:embed="rId5">
+              <a:alphaModFix/>
+            </a:blip>
+            <a:srcRect b="0" l="0" r="0" t="5303"/>
+            <a:stretch/>
+          </p:blipFill>
+          <p:spPr>
+            <a:xfrm>
+              <a:off x="3686075" y="985650"/>
+              <a:ext cx="2703000" cy="1829500"/>
+            </a:xfrm>
+            <a:prstGeom prst="rect">
+              <a:avLst/>
+            </a:prstGeom>
+            <a:noFill/>
+            <a:ln>
+              <a:noFill/>
+            </a:ln>
+          </p:spPr>
+        </p:pic>
+      </p:grpSp>
+      <p:sp>
+        <p:nvSpPr>
+          <p:cNvPr id="290" name="Shape 290"/>
           <p:cNvSpPr/>
           <p:nvPr/>
         </p:nvSpPr>
         <p:spPr>
           <a:xfrm>
-            <a:off x="1987425" y="2621900"/>
-            <a:ext cx="205275" cy="1259625"/>
-          </a:xfrm>
-          <a:custGeom>
-            <a:pathLst>
-              <a:path extrusionOk="0" h="50385" w="8211">
-                <a:moveTo>
-                  <a:pt x="8211" y="50385"/>
-                </a:moveTo>
-                <a:lnTo>
-                  <a:pt x="0" y="50385"/>
-                </a:lnTo>
-                <a:lnTo>
-                  <a:pt x="0" y="0"/>
-                </a:lnTo>
-              </a:path>
-            </a:pathLst>
-          </a:custGeom>
-          <a:noFill/>
-          <a:ln cap="flat" cmpd="sng" w="9525">
-            <a:solidFill>
-              <a:schemeClr val="dk2"/>
-            </a:solidFill>
-            <a:prstDash val="solid"/>
-            <a:round/>
-            <a:headEnd len="med" w="med" type="none"/>
-            <a:tailEnd len="med" w="med" type="none"/>
-          </a:ln>
-        </p:spPr>
-      </p:sp>
-      <p:cxnSp>
-        <p:nvCxnSpPr>
-          <p:cNvPr id="281" name="Shape 281"/>
-          <p:cNvCxnSpPr/>
-          <p:nvPr/>
-        </p:nvCxnSpPr>
-        <p:spPr>
-          <a:xfrm>
-            <a:off x="2192700" y="3881525"/>
-            <a:ext cx="149400" cy="0"/>
-          </a:xfrm>
-          <a:prstGeom prst="straightConnector1">
-            <a:avLst/>
-          </a:prstGeom>
-          <a:noFill/>
-          <a:ln cap="flat" cmpd="sng" w="9525">
-            <a:solidFill>
-              <a:srgbClr val="FFFFFF"/>
-            </a:solidFill>
-            <a:prstDash val="solid"/>
-            <a:round/>
-            <a:headEnd len="med" w="med" type="none"/>
-            <a:tailEnd len="med" w="med" type="stealth"/>
-          </a:ln>
-        </p:spPr>
-      </p:cxnSp>
-      <p:sp>
-        <p:nvSpPr>
-          <p:cNvPr id="282" name="Shape 282"/>
-          <p:cNvSpPr txBox="1"/>
-          <p:nvPr/>
-        </p:nvSpPr>
-        <p:spPr>
-          <a:xfrm>
-            <a:off x="186600" y="1438275"/>
-            <a:ext cx="5271900" cy="1183500"/>
-          </a:xfrm>
-          <a:prstGeom prst="rect">
-            <a:avLst/>
-          </a:prstGeom>
-          <a:noFill/>
-          <a:ln>
-            <a:noFill/>
-          </a:ln>
-        </p:spPr>
-        <p:txBody>
-          <a:bodyPr anchorCtr="0" anchor="t" bIns="91425" lIns="91425" spcFirstLastPara="1" rIns="91425" wrap="square" tIns="91425">
-            <a:noAutofit/>
-          </a:bodyPr>
-          <a:lstStyle/>
-          <a:p>
-            <a:pPr indent="0" lvl="0" marL="0">
-              <a:spcBef>
-                <a:spcPts val="0"/>
-              </a:spcBef>
-              <a:spcAft>
-                <a:spcPts val="0"/>
-              </a:spcAft>
-              <a:buNone/>
-            </a:pPr>
-            <a:r>
-              <a:rPr lang="en-GB"/>
-              <a:t>When you’re working on a branch in GitHub Desktop, this panel will show your current branch and comparison to any other branch (it defaults to the parent of your current branch).  This will highlight differences between the two branches, so you can decide when to merge.</a:t>
-            </a:r>
-            <a:endParaRPr/>
-          </a:p>
-        </p:txBody>
-      </p:sp>
-      <p:cxnSp>
-        <p:nvCxnSpPr>
-          <p:cNvPr id="283" name="Shape 283"/>
-          <p:cNvCxnSpPr/>
-          <p:nvPr/>
-        </p:nvCxnSpPr>
-        <p:spPr>
-          <a:xfrm>
-            <a:off x="3498975" y="3750900"/>
-            <a:ext cx="0" cy="382500"/>
-          </a:xfrm>
-          <a:prstGeom prst="straightConnector1">
-            <a:avLst/>
-          </a:prstGeom>
-          <a:noFill/>
-          <a:ln cap="flat" cmpd="sng" w="9525">
-            <a:solidFill>
-              <a:srgbClr val="FFFFFF"/>
-            </a:solidFill>
-            <a:prstDash val="solid"/>
-            <a:round/>
-            <a:headEnd len="med" w="med" type="stealth"/>
-            <a:tailEnd len="med" w="med" type="none"/>
-          </a:ln>
-        </p:spPr>
-      </p:cxnSp>
-      <p:cxnSp>
-        <p:nvCxnSpPr>
-          <p:cNvPr id="284" name="Shape 284"/>
-          <p:cNvCxnSpPr/>
-          <p:nvPr/>
-        </p:nvCxnSpPr>
-        <p:spPr>
-          <a:xfrm>
-            <a:off x="3498975" y="4133400"/>
-            <a:ext cx="0" cy="569100"/>
-          </a:xfrm>
-          <a:prstGeom prst="straightConnector1">
-            <a:avLst/>
-          </a:prstGeom>
-          <a:noFill/>
-          <a:ln cap="flat" cmpd="sng" w="9525">
-            <a:solidFill>
-              <a:schemeClr val="dk2"/>
-            </a:solidFill>
-            <a:prstDash val="solid"/>
-            <a:round/>
-            <a:headEnd len="med" w="med" type="none"/>
-            <a:tailEnd len="med" w="med" type="none"/>
-          </a:ln>
-        </p:spPr>
-      </p:cxnSp>
-      <p:sp>
-        <p:nvSpPr>
-          <p:cNvPr id="285" name="Shape 285"/>
-          <p:cNvSpPr txBox="1"/>
-          <p:nvPr/>
-        </p:nvSpPr>
-        <p:spPr>
-          <a:xfrm>
-            <a:off x="2342100" y="4702500"/>
-            <a:ext cx="2071200" cy="992100"/>
+            <a:off x="3888150" y="1914775"/>
+            <a:ext cx="2373900" cy="214800"/>
           </a:xfrm>
           <a:prstGeom prst="rect">
             <a:avLst/>
@@ -13975,7 +14250,7 @@
           </a:ln>
         </p:spPr>
         <p:txBody>
-          <a:bodyPr anchorCtr="0" anchor="t" bIns="91425" lIns="91425" spcFirstLastPara="1" rIns="91425" wrap="square" tIns="91425">
+          <a:bodyPr anchorCtr="0" anchor="ctr" bIns="91425" lIns="91425" spcFirstLastPara="1" rIns="91425" wrap="square" tIns="91425">
             <a:noAutofit/>
           </a:bodyPr>
           <a:lstStyle/>
@@ -13990,90 +14265,22 @@
               <a:buNone/>
             </a:pPr>
             <a:r>
-              <a:rPr lang="en-GB"/>
-              <a:t>This will hide the comparison view, and just show you commits on your current branch.</a:t>
+              <a:t/>
             </a:r>
             <a:endParaRPr/>
           </a:p>
         </p:txBody>
       </p:sp>
-      <p:cxnSp>
-        <p:nvCxnSpPr>
-          <p:cNvPr id="286" name="Shape 286"/>
-          <p:cNvCxnSpPr/>
+      <p:sp>
+        <p:nvSpPr>
+          <p:cNvPr id="291" name="Shape 291"/>
+          <p:cNvSpPr txBox="1"/>
           <p:nvPr/>
-        </p:nvCxnSpPr>
-        <p:spPr>
-          <a:xfrm>
-            <a:off x="2662250" y="3440900"/>
-            <a:ext cx="0" cy="93900"/>
-          </a:xfrm>
-          <a:prstGeom prst="straightConnector1">
-            <a:avLst/>
-          </a:prstGeom>
-          <a:noFill/>
-          <a:ln cap="flat" cmpd="sng" w="9525">
-            <a:solidFill>
-              <a:srgbClr val="FFFFFF"/>
-            </a:solidFill>
-            <a:prstDash val="solid"/>
-            <a:round/>
-            <a:headEnd len="med" w="med" type="none"/>
-            <a:tailEnd len="med" w="med" type="stealth"/>
-          </a:ln>
-        </p:spPr>
-      </p:cxnSp>
-      <p:sp>
-        <p:nvSpPr>
-          <p:cNvPr id="287" name="Shape 287"/>
-          <p:cNvSpPr/>
-          <p:nvPr/>
-        </p:nvSpPr>
-        <p:spPr>
-          <a:xfrm>
-            <a:off x="2662250" y="2447925"/>
-            <a:ext cx="3786175" cy="992975"/>
-          </a:xfrm>
-          <a:custGeom>
-            <a:pathLst>
-              <a:path extrusionOk="0" h="39719" w="151447">
-                <a:moveTo>
-                  <a:pt x="0" y="39719"/>
-                </a:moveTo>
-                <a:lnTo>
-                  <a:pt x="0" y="18288"/>
-                </a:lnTo>
-                <a:lnTo>
-                  <a:pt x="151447" y="18383"/>
-                </a:lnTo>
-                <a:lnTo>
-                  <a:pt x="151352" y="0"/>
-                </a:lnTo>
-              </a:path>
-            </a:pathLst>
-          </a:custGeom>
-          <a:noFill/>
-          <a:ln cap="flat" cmpd="sng" w="9525">
-            <a:solidFill>
-              <a:schemeClr val="dk2"/>
-            </a:solidFill>
-            <a:prstDash val="solid"/>
-            <a:round/>
-            <a:headEnd len="med" w="med" type="none"/>
-            <a:tailEnd len="med" w="med" type="none"/>
-          </a:ln>
-        </p:spPr>
-      </p:sp>
-      <p:sp>
-        <p:nvSpPr>
-          <p:cNvPr id="288" name="Shape 288"/>
-          <p:cNvSpPr/>
-          <p:nvPr/>
-        </p:nvSpPr>
-        <p:spPr>
-          <a:xfrm>
-            <a:off x="2743200" y="3733800"/>
-            <a:ext cx="457200" cy="190500"/>
+        </p:nvSpPr>
+        <p:spPr>
+          <a:xfrm>
+            <a:off x="801075" y="3878375"/>
+            <a:ext cx="1778100" cy="1035600"/>
           </a:xfrm>
           <a:prstGeom prst="rect">
             <a:avLst/>
@@ -14090,6 +14297,54 @@
           </a:ln>
         </p:spPr>
         <p:txBody>
+          <a:bodyPr anchorCtr="0" anchor="t" bIns="91425" lIns="91425" spcFirstLastPara="1" rIns="91425" wrap="square" tIns="91425">
+            <a:noAutofit/>
+          </a:bodyPr>
+          <a:lstStyle/>
+          <a:p>
+            <a:pPr indent="0" lvl="0" marL="0">
+              <a:spcBef>
+                <a:spcPts val="0"/>
+              </a:spcBef>
+              <a:spcAft>
+                <a:spcPts val="0"/>
+              </a:spcAft>
+              <a:buNone/>
+            </a:pPr>
+            <a:r>
+              <a:rPr lang="en-GB"/>
+              <a:t>‘Behind’ shows the changes that will be merged into your current branch</a:t>
+            </a:r>
+            <a:endParaRPr/>
+          </a:p>
+        </p:txBody>
+      </p:sp>
+      <p:sp>
+        <p:nvSpPr>
+          <p:cNvPr id="292" name="Shape 292"/>
+          <p:cNvSpPr/>
+          <p:nvPr/>
+        </p:nvSpPr>
+        <p:spPr>
+          <a:xfrm>
+            <a:off x="928075" y="5754075"/>
+            <a:ext cx="1445700" cy="283200"/>
+          </a:xfrm>
+          <a:prstGeom prst="rect">
+            <a:avLst/>
+          </a:prstGeom>
+          <a:noFill/>
+          <a:ln cap="flat" cmpd="sng" w="19050">
+            <a:solidFill>
+              <a:srgbClr val="FF0000"/>
+            </a:solidFill>
+            <a:prstDash val="solid"/>
+            <a:round/>
+            <a:headEnd len="sm" w="sm" type="none"/>
+            <a:tailEnd len="sm" w="sm" type="none"/>
+          </a:ln>
+        </p:spPr>
+        <p:txBody>
           <a:bodyPr anchorCtr="0" anchor="ctr" bIns="91425" lIns="91425" spcFirstLastPara="1" rIns="91425" wrap="square" tIns="91425">
             <a:noAutofit/>
           </a:bodyPr>
@@ -14111,16 +14366,42 @@
           </a:p>
         </p:txBody>
       </p:sp>
-      <p:sp>
-        <p:nvSpPr>
-          <p:cNvPr id="289" name="Shape 289"/>
+      <p:cxnSp>
+        <p:nvCxnSpPr>
+          <p:cNvPr id="293" name="Shape 293"/>
+          <p:cNvCxnSpPr/>
+          <p:nvPr/>
+        </p:nvCxnSpPr>
+        <p:spPr>
+          <a:xfrm rot="10800000">
+            <a:off x="2520400" y="5895675"/>
+            <a:ext cx="410400" cy="0"/>
+          </a:xfrm>
+          <a:prstGeom prst="straightConnector1">
+            <a:avLst/>
+          </a:prstGeom>
+          <a:noFill/>
+          <a:ln cap="flat" cmpd="sng" w="9525">
+            <a:solidFill>
+              <a:schemeClr val="dk2"/>
+            </a:solidFill>
+            <a:prstDash val="solid"/>
+            <a:round/>
+            <a:headEnd len="med" w="med" type="none"/>
+            <a:tailEnd len="med" w="med" type="triangle"/>
+          </a:ln>
+        </p:spPr>
+      </p:cxnSp>
+      <p:sp>
+        <p:nvSpPr>
+          <p:cNvPr id="294" name="Shape 294"/>
           <p:cNvSpPr txBox="1"/>
           <p:nvPr/>
         </p:nvSpPr>
         <p:spPr>
           <a:xfrm>
-            <a:off x="5695900" y="1438275"/>
-            <a:ext cx="2929500" cy="1047900"/>
+            <a:off x="2881975" y="5705175"/>
+            <a:ext cx="4269000" cy="332100"/>
           </a:xfrm>
           <a:prstGeom prst="rect">
             <a:avLst/>
@@ -14147,7 +14428,7 @@
             </a:pPr>
             <a:r>
               <a:rPr lang="en-GB"/>
-              <a:t>This button will merge the selected branch into your current branch.  It will create a new merge commit on your branch</a:t>
+              <a:t>Make sure you’re merging in the right direction!</a:t>
             </a:r>
             <a:endParaRPr/>
           </a:p>
@@ -14166,7 +14447,7 @@
   <p:cSld>
     <p:spTree>
       <p:nvGrpSpPr>
-        <p:cNvPr id="293" name="Shape 293"/>
+        <p:cNvPr id="298" name="Shape 298"/>
         <p:cNvGrpSpPr/>
         <p:nvPr/>
       </p:nvGrpSpPr>
@@ -14178,49 +14459,9 @@
           <a:chExt cx="0" cy="0"/>
         </a:xfrm>
       </p:grpSpPr>
-      <p:sp>
-        <p:nvSpPr>
-          <p:cNvPr id="294" name="Shape 294"/>
-          <p:cNvSpPr txBox="1"/>
-          <p:nvPr>
-            <p:ph type="title"/>
-          </p:nvPr>
-        </p:nvSpPr>
-        <p:spPr>
-          <a:xfrm>
-            <a:off x="311700" y="593367"/>
-            <a:ext cx="8520600" cy="763500"/>
-          </a:xfrm>
-          <a:prstGeom prst="rect">
-            <a:avLst/>
-          </a:prstGeom>
-        </p:spPr>
-        <p:txBody>
-          <a:bodyPr anchorCtr="0" anchor="t" bIns="91425" lIns="91425" spcFirstLastPara="1" rIns="91425" wrap="square" tIns="91425">
-            <a:noAutofit/>
-          </a:bodyPr>
-          <a:lstStyle/>
-          <a:p>
-            <a:pPr indent="0" lvl="0" marL="0">
-              <a:spcBef>
-                <a:spcPts val="0"/>
-              </a:spcBef>
-              <a:spcAft>
-                <a:spcPts val="0"/>
-              </a:spcAft>
-              <a:buNone/>
-            </a:pPr>
-            <a:r>
-              <a:rPr lang="en-GB"/>
-              <a:t>Merging in GitHub Desktop</a:t>
-            </a:r>
-            <a:endParaRPr/>
-          </a:p>
-        </p:txBody>
-      </p:sp>
       <p:pic>
         <p:nvPicPr>
-          <p:cNvPr id="295" name="Shape 295"/>
+          <p:cNvPr id="299" name="Shape 299"/>
           <p:cNvPicPr preferRelativeResize="0"/>
           <p:nvPr/>
         </p:nvPicPr>
@@ -14228,13 +14469,13 @@
           <a:blip r:embed="rId3">
             <a:alphaModFix/>
           </a:blip>
-          <a:srcRect b="26761" l="0" r="0" t="0"/>
+          <a:srcRect b="4843" l="0" r="0" t="0"/>
           <a:stretch/>
         </p:blipFill>
         <p:spPr>
           <a:xfrm>
-            <a:off x="518588" y="2766573"/>
-            <a:ext cx="8106824" cy="3805676"/>
+            <a:off x="270550" y="1680200"/>
+            <a:ext cx="8561751" cy="5177800"/>
           </a:xfrm>
           <a:prstGeom prst="rect">
             <a:avLst/>
@@ -14245,76 +14486,22 @@
           </a:ln>
         </p:spPr>
       </p:pic>
-      <p:cxnSp>
-        <p:nvCxnSpPr>
-          <p:cNvPr id="296" name="Shape 296"/>
-          <p:cNvCxnSpPr/>
-          <p:nvPr/>
-        </p:nvCxnSpPr>
-        <p:spPr>
-          <a:xfrm flipH="1" rot="10800000">
-            <a:off x="7061325" y="3400425"/>
-            <a:ext cx="1500" cy="436200"/>
-          </a:xfrm>
-          <a:prstGeom prst="straightConnector1">
-            <a:avLst/>
-          </a:prstGeom>
-          <a:noFill/>
-          <a:ln cap="flat" cmpd="sng" w="9525">
-            <a:solidFill>
-              <a:srgbClr val="FFFFFF"/>
-            </a:solidFill>
-            <a:prstDash val="solid"/>
-            <a:round/>
-            <a:headEnd len="med" w="med" type="stealth"/>
-            <a:tailEnd len="med" w="med" type="none"/>
-          </a:ln>
-        </p:spPr>
-      </p:cxnSp>
-      <p:cxnSp>
-        <p:nvCxnSpPr>
-          <p:cNvPr id="297" name="Shape 297"/>
-          <p:cNvCxnSpPr/>
-          <p:nvPr/>
-        </p:nvCxnSpPr>
-        <p:spPr>
-          <a:xfrm rot="10800000">
-            <a:off x="7062075" y="2766575"/>
-            <a:ext cx="0" cy="628800"/>
-          </a:xfrm>
-          <a:prstGeom prst="straightConnector1">
-            <a:avLst/>
-          </a:prstGeom>
-          <a:noFill/>
-          <a:ln cap="flat" cmpd="sng" w="9525">
-            <a:solidFill>
-              <a:schemeClr val="dk2"/>
-            </a:solidFill>
-            <a:prstDash val="solid"/>
-            <a:round/>
-            <a:headEnd len="med" w="med" type="none"/>
-            <a:tailEnd len="med" w="med" type="none"/>
-          </a:ln>
-        </p:spPr>
-      </p:cxnSp>
-      <p:sp>
-        <p:nvSpPr>
-          <p:cNvPr id="298" name="Shape 298"/>
+      <p:sp>
+        <p:nvSpPr>
+          <p:cNvPr id="300" name="Shape 300"/>
           <p:cNvSpPr txBox="1"/>
-          <p:nvPr/>
-        </p:nvSpPr>
-        <p:spPr>
-          <a:xfrm>
-            <a:off x="5486400" y="2390775"/>
-            <a:ext cx="3267300" cy="363600"/>
+          <p:nvPr>
+            <p:ph type="title"/>
+          </p:nvPr>
+        </p:nvSpPr>
+        <p:spPr>
+          <a:xfrm>
+            <a:off x="311700" y="222142"/>
+            <a:ext cx="8520600" cy="763500"/>
           </a:xfrm>
           <a:prstGeom prst="rect">
             <a:avLst/>
           </a:prstGeom>
-          <a:noFill/>
-          <a:ln>
-            <a:noFill/>
-          </a:ln>
         </p:spPr>
         <p:txBody>
           <a:bodyPr anchorCtr="0" anchor="t" bIns="91425" lIns="91425" spcFirstLastPara="1" rIns="91425" wrap="square" tIns="91425">
@@ -14322,7 +14509,7 @@
           </a:bodyPr>
           <a:lstStyle/>
           <a:p>
-            <a:pPr indent="0" lvl="0" marL="0">
+            <a:pPr indent="0" lvl="0" marL="0" rtl="0">
               <a:spcBef>
                 <a:spcPts val="0"/>
               </a:spcBef>
@@ -14333,89 +14520,29 @@
             </a:pPr>
             <a:r>
               <a:rPr lang="en-GB"/>
-              <a:t>This symbol indicates a merge commit.</a:t>
+              <a:t>Merging in GitHub Desktop</a:t>
             </a:r>
             <a:endParaRPr/>
           </a:p>
         </p:txBody>
       </p:sp>
-      <p:cxnSp>
-        <p:nvCxnSpPr>
-          <p:cNvPr id="299" name="Shape 299"/>
-          <p:cNvCxnSpPr/>
+      <p:pic>
+        <p:nvPicPr>
+          <p:cNvPr id="301" name="Shape 301"/>
+          <p:cNvPicPr preferRelativeResize="0"/>
           <p:nvPr/>
-        </p:nvCxnSpPr>
-        <p:spPr>
-          <a:xfrm rot="10800000">
-            <a:off x="6136475" y="3400475"/>
-            <a:ext cx="2400" cy="338100"/>
-          </a:xfrm>
-          <a:prstGeom prst="straightConnector1">
-            <a:avLst/>
-          </a:prstGeom>
-          <a:noFill/>
-          <a:ln cap="flat" cmpd="sng" w="9525">
-            <a:solidFill>
-              <a:srgbClr val="FFFFFF"/>
-            </a:solidFill>
-            <a:prstDash val="solid"/>
-            <a:round/>
-            <a:headEnd len="med" w="med" type="stealth"/>
-            <a:tailEnd len="med" w="med" type="none"/>
-          </a:ln>
-        </p:spPr>
-      </p:cxnSp>
-      <p:sp>
-        <p:nvSpPr>
-          <p:cNvPr id="300" name="Shape 300"/>
-          <p:cNvSpPr/>
-          <p:nvPr/>
-        </p:nvSpPr>
-        <p:spPr>
-          <a:xfrm>
-            <a:off x="3967175" y="2705100"/>
-            <a:ext cx="2169300" cy="695325"/>
-          </a:xfrm>
-          <a:custGeom>
-            <a:pathLst>
-              <a:path extrusionOk="0" h="27813" w="86772">
-                <a:moveTo>
-                  <a:pt x="86772" y="27813"/>
-                </a:moveTo>
-                <a:lnTo>
-                  <a:pt x="86772" y="7811"/>
-                </a:lnTo>
-                <a:lnTo>
-                  <a:pt x="0" y="7811"/>
-                </a:lnTo>
-                <a:lnTo>
-                  <a:pt x="0" y="0"/>
-                </a:lnTo>
-              </a:path>
-            </a:pathLst>
-          </a:custGeom>
-          <a:noFill/>
-          <a:ln cap="flat" cmpd="sng" w="9525">
-            <a:solidFill>
-              <a:schemeClr val="dk2"/>
-            </a:solidFill>
-            <a:prstDash val="solid"/>
-            <a:round/>
-            <a:headEnd len="med" w="med" type="none"/>
-            <a:tailEnd len="med" w="med" type="none"/>
-          </a:ln>
-        </p:spPr>
-      </p:sp>
-      <p:sp>
-        <p:nvSpPr>
-          <p:cNvPr id="301" name="Shape 301"/>
-          <p:cNvSpPr txBox="1"/>
-          <p:nvPr/>
-        </p:nvSpPr>
-        <p:spPr>
-          <a:xfrm>
-            <a:off x="647700" y="1866900"/>
-            <a:ext cx="4743600" cy="838200"/>
+        </p:nvPicPr>
+        <p:blipFill rotWithShape="1">
+          <a:blip r:embed="rId4">
+            <a:alphaModFix/>
+          </a:blip>
+          <a:srcRect b="-20" l="0" r="62718" t="10"/>
+          <a:stretch/>
+        </p:blipFill>
+        <p:spPr>
+          <a:xfrm>
+            <a:off x="520450" y="925900"/>
+            <a:ext cx="8103098" cy="186800"/>
           </a:xfrm>
           <a:prstGeom prst="rect">
             <a:avLst/>
@@ -14425,8 +14552,61 @@
             <a:noFill/>
           </a:ln>
         </p:spPr>
+      </p:pic>
+      <p:pic>
+        <p:nvPicPr>
+          <p:cNvPr id="302" name="Shape 302"/>
+          <p:cNvPicPr preferRelativeResize="0"/>
+          <p:nvPr/>
+        </p:nvPicPr>
+        <p:blipFill rotWithShape="1">
+          <a:blip r:embed="rId5">
+            <a:alphaModFix/>
+          </a:blip>
+          <a:srcRect b="0" l="0" r="0" t="6244"/>
+          <a:stretch/>
+        </p:blipFill>
+        <p:spPr>
+          <a:xfrm>
+            <a:off x="3732250" y="1112699"/>
+            <a:ext cx="2703000" cy="1811325"/>
+          </a:xfrm>
+          <a:prstGeom prst="rect">
+            <a:avLst/>
+          </a:prstGeom>
+          <a:noFill/>
+          <a:ln>
+            <a:noFill/>
+          </a:ln>
+        </p:spPr>
+      </p:pic>
+      <p:sp>
+        <p:nvSpPr>
+          <p:cNvPr id="303" name="Shape 303"/>
+          <p:cNvSpPr/>
+          <p:nvPr/>
+        </p:nvSpPr>
+        <p:spPr>
+          <a:xfrm>
+            <a:off x="3839300" y="2080850"/>
+            <a:ext cx="2491200" cy="186900"/>
+          </a:xfrm>
+          <a:prstGeom prst="rect">
+            <a:avLst/>
+          </a:prstGeom>
+          <a:noFill/>
+          <a:ln cap="flat" cmpd="sng" w="19050">
+            <a:solidFill>
+              <a:srgbClr val="FF0000"/>
+            </a:solidFill>
+            <a:prstDash val="solid"/>
+            <a:round/>
+            <a:headEnd len="sm" w="sm" type="none"/>
+            <a:tailEnd len="sm" w="sm" type="none"/>
+          </a:ln>
+        </p:spPr>
         <p:txBody>
-          <a:bodyPr anchorCtr="0" anchor="t" bIns="91425" lIns="91425" spcFirstLastPara="1" rIns="91425" wrap="square" tIns="91425">
+          <a:bodyPr anchorCtr="0" anchor="ctr" bIns="91425" lIns="91425" spcFirstLastPara="1" rIns="91425" wrap="square" tIns="91425">
             <a:noAutofit/>
           </a:bodyPr>
           <a:lstStyle/>
@@ -14441,8 +14621,54 @@
               <a:buNone/>
             </a:pPr>
             <a:r>
-              <a:rPr lang="en-GB"/>
-              <a:t>Notice that there are no more commits shown on the selected branch.  This means that there are no changes there that you don’t already have on your current branch.</a:t>
+              <a:t/>
+            </a:r>
+            <a:endParaRPr/>
+          </a:p>
+        </p:txBody>
+      </p:sp>
+      <p:sp>
+        <p:nvSpPr>
+          <p:cNvPr id="304" name="Shape 304"/>
+          <p:cNvSpPr/>
+          <p:nvPr/>
+        </p:nvSpPr>
+        <p:spPr>
+          <a:xfrm>
+            <a:off x="3063625" y="5291025"/>
+            <a:ext cx="2954100" cy="443400"/>
+          </a:xfrm>
+          <a:prstGeom prst="rect">
+            <a:avLst/>
+          </a:prstGeom>
+          <a:noFill/>
+          <a:ln cap="flat" cmpd="sng" w="19050">
+            <a:solidFill>
+              <a:srgbClr val="FF0000"/>
+            </a:solidFill>
+            <a:prstDash val="solid"/>
+            <a:round/>
+            <a:headEnd len="sm" w="sm" type="none"/>
+            <a:tailEnd len="sm" w="sm" type="none"/>
+          </a:ln>
+        </p:spPr>
+        <p:txBody>
+          <a:bodyPr anchorCtr="0" anchor="ctr" bIns="91425" lIns="91425" spcFirstLastPara="1" rIns="91425" wrap="square" tIns="91425">
+            <a:noAutofit/>
+          </a:bodyPr>
+          <a:lstStyle/>
+          <a:p>
+            <a:pPr indent="0" lvl="0" marL="0">
+              <a:spcBef>
+                <a:spcPts val="0"/>
+              </a:spcBef>
+              <a:spcAft>
+                <a:spcPts val="0"/>
+              </a:spcAft>
+              <a:buNone/>
+            </a:pPr>
+            <a:r>
+              <a:t/>
             </a:r>
             <a:endParaRPr/>
           </a:p>
@@ -14461,7 +14687,7 @@
   <p:cSld>
     <p:spTree>
       <p:nvGrpSpPr>
-        <p:cNvPr id="305" name="Shape 305"/>
+        <p:cNvPr id="308" name="Shape 308"/>
         <p:cNvGrpSpPr/>
         <p:nvPr/>
       </p:nvGrpSpPr>
@@ -14475,7 +14701,7 @@
       </p:grpSpPr>
       <p:sp>
         <p:nvSpPr>
-          <p:cNvPr id="306" name="Shape 306"/>
+          <p:cNvPr id="309" name="Shape 309"/>
           <p:cNvSpPr txBox="1"/>
           <p:nvPr>
             <p:ph type="title"/>
@@ -14515,7 +14741,7 @@
       </p:sp>
       <p:sp>
         <p:nvSpPr>
-          <p:cNvPr id="307" name="Shape 307"/>
+          <p:cNvPr id="310" name="Shape 310"/>
           <p:cNvSpPr txBox="1"/>
           <p:nvPr>
             <p:ph idx="1" type="body"/>
@@ -14590,7 +14816,7 @@
   <p:cSld>
     <p:spTree>
       <p:nvGrpSpPr>
-        <p:cNvPr id="311" name="Shape 311"/>
+        <p:cNvPr id="314" name="Shape 314"/>
         <p:cNvGrpSpPr/>
         <p:nvPr/>
       </p:nvGrpSpPr>
@@ -14604,7 +14830,7 @@
       </p:grpSpPr>
       <p:sp>
         <p:nvSpPr>
-          <p:cNvPr id="312" name="Shape 312"/>
+          <p:cNvPr id="315" name="Shape 315"/>
           <p:cNvSpPr txBox="1"/>
           <p:nvPr>
             <p:ph type="title"/>
@@ -14636,122 +14862,138 @@
             </a:pPr>
             <a:r>
               <a:rPr lang="en-GB"/>
-              <a:t>Pull requests in GitHub Desktop</a:t>
+              <a:t>Pull requests in GitHub Desktop (kind of)</a:t>
             </a:r>
             <a:endParaRPr/>
           </a:p>
         </p:txBody>
       </p:sp>
-      <p:pic>
-        <p:nvPicPr>
-          <p:cNvPr id="313" name="Shape 313"/>
-          <p:cNvPicPr preferRelativeResize="0"/>
+      <p:grpSp>
+        <p:nvGrpSpPr>
+          <p:cNvPr id="316" name="Shape 316"/>
+          <p:cNvGrpSpPr/>
           <p:nvPr/>
-        </p:nvPicPr>
-        <p:blipFill rotWithShape="1">
-          <a:blip r:embed="rId3">
-            <a:alphaModFix/>
-          </a:blip>
-          <a:srcRect b="0" l="42798" r="0" t="0"/>
-          <a:stretch/>
-        </p:blipFill>
-        <p:spPr>
-          <a:xfrm>
-            <a:off x="311700" y="1356875"/>
-            <a:ext cx="4637099" cy="5196324"/>
-          </a:xfrm>
-          <a:prstGeom prst="rect">
-            <a:avLst/>
-          </a:prstGeom>
-          <a:noFill/>
-          <a:ln>
+        </p:nvGrpSpPr>
+        <p:grpSpPr>
+          <a:xfrm>
+            <a:off x="520450" y="1678125"/>
+            <a:ext cx="8103098" cy="2131100"/>
+            <a:chOff x="520450" y="1433900"/>
+            <a:chExt cx="8103098" cy="2131100"/>
+          </a:xfrm>
+        </p:grpSpPr>
+        <p:pic>
+          <p:nvPicPr>
+            <p:cNvPr id="317" name="Shape 317"/>
+            <p:cNvPicPr preferRelativeResize="0"/>
+            <p:nvPr/>
+          </p:nvPicPr>
+          <p:blipFill rotWithShape="1">
+            <a:blip r:embed="rId3">
+              <a:alphaModFix/>
+            </a:blip>
+            <a:srcRect b="0" l="0" r="0" t="6367"/>
+            <a:stretch/>
+          </p:blipFill>
+          <p:spPr>
+            <a:xfrm>
+              <a:off x="3708400" y="1620700"/>
+              <a:ext cx="2905125" cy="1944300"/>
+            </a:xfrm>
+            <a:prstGeom prst="rect">
+              <a:avLst/>
+            </a:prstGeom>
             <a:noFill/>
-          </a:ln>
-        </p:spPr>
-      </p:pic>
-      <p:sp>
-        <p:nvSpPr>
-          <p:cNvPr id="314" name="Shape 314"/>
-          <p:cNvSpPr/>
-          <p:nvPr/>
-        </p:nvSpPr>
-        <p:spPr>
-          <a:xfrm>
-            <a:off x="3740700" y="1695450"/>
-            <a:ext cx="809700" cy="276300"/>
-          </a:xfrm>
-          <a:prstGeom prst="rect">
-            <a:avLst/>
-          </a:prstGeom>
-          <a:noFill/>
-          <a:ln cap="flat" cmpd="sng" w="19050">
-            <a:solidFill>
-              <a:srgbClr val="FF0000"/>
-            </a:solidFill>
-            <a:prstDash val="solid"/>
-            <a:round/>
-            <a:headEnd len="sm" w="sm" type="none"/>
-            <a:tailEnd len="sm" w="sm" type="none"/>
-          </a:ln>
-        </p:spPr>
-        <p:txBody>
-          <a:bodyPr anchorCtr="0" anchor="ctr" bIns="91425" lIns="91425" spcFirstLastPara="1" rIns="91425" wrap="square" tIns="91425">
-            <a:noAutofit/>
-          </a:bodyPr>
-          <a:lstStyle/>
-          <a:p>
-            <a:pPr indent="0" lvl="0" marL="0">
-              <a:spcBef>
-                <a:spcPts val="0"/>
-              </a:spcBef>
-              <a:spcAft>
-                <a:spcPts val="0"/>
-              </a:spcAft>
-              <a:buNone/>
-            </a:pPr>
-            <a:r>
-              <a:t/>
-            </a:r>
-            <a:endParaRPr/>
-          </a:p>
-        </p:txBody>
-      </p:sp>
-      <p:cxnSp>
-        <p:nvCxnSpPr>
-          <p:cNvPr id="315" name="Shape 315"/>
-          <p:cNvCxnSpPr/>
-          <p:nvPr/>
-        </p:nvCxnSpPr>
-        <p:spPr>
-          <a:xfrm rot="10800000">
-            <a:off x="4495725" y="2686050"/>
-            <a:ext cx="695400" cy="0"/>
-          </a:xfrm>
-          <a:prstGeom prst="straightConnector1">
-            <a:avLst/>
-          </a:prstGeom>
-          <a:noFill/>
-          <a:ln cap="flat" cmpd="sng" w="9525">
-            <a:solidFill>
-              <a:schemeClr val="dk2"/>
-            </a:solidFill>
-            <a:prstDash val="solid"/>
-            <a:round/>
-            <a:headEnd len="med" w="med" type="none"/>
-            <a:tailEnd len="med" w="med" type="stealth"/>
-          </a:ln>
-        </p:spPr>
-      </p:cxnSp>
-      <p:sp>
-        <p:nvSpPr>
-          <p:cNvPr id="316" name="Shape 316"/>
+            <a:ln>
+              <a:noFill/>
+            </a:ln>
+          </p:spPr>
+        </p:pic>
+        <p:pic>
+          <p:nvPicPr>
+            <p:cNvPr id="318" name="Shape 318"/>
+            <p:cNvPicPr preferRelativeResize="0"/>
+            <p:nvPr/>
+          </p:nvPicPr>
+          <p:blipFill rotWithShape="1">
+            <a:blip r:embed="rId4">
+              <a:alphaModFix/>
+            </a:blip>
+            <a:srcRect b="-20" l="0" r="62718" t="10"/>
+            <a:stretch/>
+          </p:blipFill>
+          <p:spPr>
+            <a:xfrm>
+              <a:off x="520450" y="1433900"/>
+              <a:ext cx="8103098" cy="186800"/>
+            </a:xfrm>
+            <a:prstGeom prst="rect">
+              <a:avLst/>
+            </a:prstGeom>
+            <a:noFill/>
+            <a:ln>
+              <a:noFill/>
+            </a:ln>
+          </p:spPr>
+        </p:pic>
+        <p:sp>
+          <p:nvSpPr>
+            <p:cNvPr id="319" name="Shape 319"/>
+            <p:cNvSpPr/>
+            <p:nvPr/>
+          </p:nvSpPr>
+          <p:spPr>
+            <a:xfrm>
+              <a:off x="3800225" y="3135925"/>
+              <a:ext cx="2706000" cy="186900"/>
+            </a:xfrm>
+            <a:prstGeom prst="rect">
+              <a:avLst/>
+            </a:prstGeom>
+            <a:noFill/>
+            <a:ln cap="flat" cmpd="sng" w="19050">
+              <a:solidFill>
+                <a:srgbClr val="FF0000"/>
+              </a:solidFill>
+              <a:prstDash val="solid"/>
+              <a:round/>
+              <a:headEnd len="sm" w="sm" type="none"/>
+              <a:tailEnd len="sm" w="sm" type="none"/>
+            </a:ln>
+          </p:spPr>
+          <p:txBody>
+            <a:bodyPr anchorCtr="0" anchor="ctr" bIns="91425" lIns="91425" spcFirstLastPara="1" rIns="91425" wrap="square" tIns="91425">
+              <a:noAutofit/>
+            </a:bodyPr>
+            <a:lstStyle/>
+            <a:p>
+              <a:pPr indent="0" lvl="0" marL="0">
+                <a:spcBef>
+                  <a:spcPts val="0"/>
+                </a:spcBef>
+                <a:spcAft>
+                  <a:spcPts val="0"/>
+                </a:spcAft>
+                <a:buNone/>
+              </a:pPr>
+              <a:r>
+                <a:t/>
+              </a:r>
+              <a:endParaRPr/>
+            </a:p>
+          </p:txBody>
+        </p:sp>
+      </p:grpSp>
+      <p:sp>
+        <p:nvSpPr>
+          <p:cNvPr id="320" name="Shape 320"/>
           <p:cNvSpPr txBox="1"/>
           <p:nvPr/>
         </p:nvSpPr>
         <p:spPr>
           <a:xfrm>
-            <a:off x="5191125" y="2304300"/>
-            <a:ext cx="3448200" cy="763500"/>
+            <a:off x="693625" y="4366850"/>
+            <a:ext cx="8001000" cy="840300"/>
           </a:xfrm>
           <a:prstGeom prst="rect">
             <a:avLst/>
@@ -14778,251 +15020,7 @@
             </a:pPr>
             <a:r>
               <a:rPr lang="en-GB"/>
-              <a:t>This shows the branch you’ll be merging into, and the branch the changes will be coming from</a:t>
-            </a:r>
-            <a:endParaRPr/>
-          </a:p>
-        </p:txBody>
-      </p:sp>
-      <p:cxnSp>
-        <p:nvCxnSpPr>
-          <p:cNvPr id="317" name="Shape 317"/>
-          <p:cNvCxnSpPr/>
-          <p:nvPr/>
-        </p:nvCxnSpPr>
-        <p:spPr>
-          <a:xfrm rot="10800000">
-            <a:off x="4495725" y="3571875"/>
-            <a:ext cx="695400" cy="0"/>
-          </a:xfrm>
-          <a:prstGeom prst="straightConnector1">
-            <a:avLst/>
-          </a:prstGeom>
-          <a:noFill/>
-          <a:ln cap="flat" cmpd="sng" w="9525">
-            <a:solidFill>
-              <a:schemeClr val="dk2"/>
-            </a:solidFill>
-            <a:prstDash val="solid"/>
-            <a:round/>
-            <a:headEnd len="med" w="med" type="none"/>
-            <a:tailEnd len="med" w="med" type="stealth"/>
-          </a:ln>
-        </p:spPr>
-      </p:cxnSp>
-      <p:sp>
-        <p:nvSpPr>
-          <p:cNvPr id="318" name="Shape 318"/>
-          <p:cNvSpPr txBox="1"/>
-          <p:nvPr/>
-        </p:nvSpPr>
-        <p:spPr>
-          <a:xfrm>
-            <a:off x="5191125" y="3267063"/>
-            <a:ext cx="3448200" cy="609600"/>
-          </a:xfrm>
-          <a:prstGeom prst="rect">
-            <a:avLst/>
-          </a:prstGeom>
-          <a:noFill/>
-          <a:ln>
-            <a:noFill/>
-          </a:ln>
-        </p:spPr>
-        <p:txBody>
-          <a:bodyPr anchorCtr="0" anchor="t" bIns="91425" lIns="91425" spcFirstLastPara="1" rIns="91425" wrap="square" tIns="91425">
-            <a:noAutofit/>
-          </a:bodyPr>
-          <a:lstStyle/>
-          <a:p>
-            <a:pPr indent="0" lvl="0" marL="0">
-              <a:spcBef>
-                <a:spcPts val="0"/>
-              </a:spcBef>
-              <a:spcAft>
-                <a:spcPts val="0"/>
-              </a:spcAft>
-              <a:buNone/>
-            </a:pPr>
-            <a:r>
-              <a:rPr lang="en-GB"/>
-              <a:t>Add a description so others using the repository know what the changes are for</a:t>
-            </a:r>
-            <a:endParaRPr/>
-          </a:p>
-        </p:txBody>
-      </p:sp>
-      <p:cxnSp>
-        <p:nvCxnSpPr>
-          <p:cNvPr id="319" name="Shape 319"/>
-          <p:cNvCxnSpPr/>
-          <p:nvPr/>
-        </p:nvCxnSpPr>
-        <p:spPr>
-          <a:xfrm rot="10800000">
-            <a:off x="2431275" y="1995600"/>
-            <a:ext cx="900" cy="308700"/>
-          </a:xfrm>
-          <a:prstGeom prst="straightConnector1">
-            <a:avLst/>
-          </a:prstGeom>
-          <a:noFill/>
-          <a:ln cap="flat" cmpd="sng" w="9525">
-            <a:solidFill>
-              <a:srgbClr val="FFFFFF"/>
-            </a:solidFill>
-            <a:prstDash val="solid"/>
-            <a:round/>
-            <a:headEnd len="med" w="med" type="stealth"/>
-            <a:tailEnd len="med" w="med" type="none"/>
-          </a:ln>
-        </p:spPr>
-      </p:cxnSp>
-      <p:cxnSp>
-        <p:nvCxnSpPr>
-          <p:cNvPr id="320" name="Shape 320"/>
-          <p:cNvCxnSpPr/>
-          <p:nvPr/>
-        </p:nvCxnSpPr>
-        <p:spPr>
-          <a:xfrm>
-            <a:off x="4333875" y="4048125"/>
-            <a:ext cx="962100" cy="609600"/>
-          </a:xfrm>
-          <a:prstGeom prst="bentConnector3">
-            <a:avLst>
-              <a:gd fmla="val 50000" name="adj1"/>
-            </a:avLst>
-          </a:prstGeom>
-          <a:noFill/>
-          <a:ln cap="flat" cmpd="sng" w="9525">
-            <a:solidFill>
-              <a:schemeClr val="dk2"/>
-            </a:solidFill>
-            <a:prstDash val="solid"/>
-            <a:round/>
-            <a:headEnd len="med" w="med" type="stealth"/>
-            <a:tailEnd len="med" w="med" type="none"/>
-          </a:ln>
-        </p:spPr>
-      </p:cxnSp>
-      <p:sp>
-        <p:nvSpPr>
-          <p:cNvPr id="321" name="Shape 321"/>
-          <p:cNvSpPr txBox="1"/>
-          <p:nvPr/>
-        </p:nvSpPr>
-        <p:spPr>
-          <a:xfrm>
-            <a:off x="5295975" y="4075950"/>
-            <a:ext cx="3448200" cy="2286600"/>
-          </a:xfrm>
-          <a:prstGeom prst="rect">
-            <a:avLst/>
-          </a:prstGeom>
-          <a:noFill/>
-          <a:ln>
-            <a:noFill/>
-          </a:ln>
-        </p:spPr>
-        <p:txBody>
-          <a:bodyPr anchorCtr="0" anchor="t" bIns="91425" lIns="91425" spcFirstLastPara="1" rIns="91425" wrap="square" tIns="91425">
-            <a:noAutofit/>
-          </a:bodyPr>
-          <a:lstStyle/>
-          <a:p>
-            <a:pPr indent="0" lvl="0" marL="0">
-              <a:spcBef>
-                <a:spcPts val="0"/>
-              </a:spcBef>
-              <a:spcAft>
-                <a:spcPts val="0"/>
-              </a:spcAft>
-              <a:buNone/>
-            </a:pPr>
-            <a:r>
-              <a:rPr lang="en-GB"/>
-              <a:t>Sometimes, if the same file has been changed on multiple branches, Git doesn’t know how to combine the changes.  In this case, you’ll be notified of potential conflicts, which you can sort out from GitHub.  If there are no conflicts, the request can be automatically merged, although this won’t happen until someone accepts the pull request.</a:t>
-            </a:r>
-            <a:endParaRPr/>
-          </a:p>
-        </p:txBody>
-      </p:sp>
-      <p:sp>
-        <p:nvSpPr>
-          <p:cNvPr id="322" name="Shape 322"/>
-          <p:cNvSpPr/>
-          <p:nvPr/>
-        </p:nvSpPr>
-        <p:spPr>
-          <a:xfrm>
-            <a:off x="2431275" y="1443150"/>
-            <a:ext cx="2971800" cy="552450"/>
-          </a:xfrm>
-          <a:custGeom>
-            <a:pathLst>
-              <a:path extrusionOk="0" h="22098" w="118872">
-                <a:moveTo>
-                  <a:pt x="0" y="22098"/>
-                </a:moveTo>
-                <a:lnTo>
-                  <a:pt x="0" y="0"/>
-                </a:lnTo>
-                <a:lnTo>
-                  <a:pt x="118872" y="0"/>
-                </a:lnTo>
-              </a:path>
-            </a:pathLst>
-          </a:custGeom>
-          <a:noFill/>
-          <a:ln cap="flat" cmpd="sng" w="9525">
-            <a:solidFill>
-              <a:schemeClr val="dk2"/>
-            </a:solidFill>
-            <a:prstDash val="solid"/>
-            <a:round/>
-            <a:headEnd len="med" w="med" type="none"/>
-            <a:tailEnd len="med" w="med" type="none"/>
-          </a:ln>
-        </p:spPr>
-      </p:sp>
-      <p:sp>
-        <p:nvSpPr>
-          <p:cNvPr id="323" name="Shape 323"/>
-          <p:cNvSpPr txBox="1"/>
-          <p:nvPr/>
-        </p:nvSpPr>
-        <p:spPr>
-          <a:xfrm>
-            <a:off x="5403075" y="1155075"/>
-            <a:ext cx="3340800" cy="609600"/>
-          </a:xfrm>
-          <a:prstGeom prst="rect">
-            <a:avLst/>
-          </a:prstGeom>
-          <a:noFill/>
-          <a:ln>
-            <a:noFill/>
-          </a:ln>
-        </p:spPr>
-        <p:txBody>
-          <a:bodyPr anchorCtr="0" anchor="t" bIns="91425" lIns="91425" spcFirstLastPara="1" rIns="91425" wrap="square" tIns="91425">
-            <a:noAutofit/>
-          </a:bodyPr>
-          <a:lstStyle/>
-          <a:p>
-            <a:pPr indent="0" lvl="0" marL="0">
-              <a:spcBef>
-                <a:spcPts val="0"/>
-              </a:spcBef>
-              <a:spcAft>
-                <a:spcPts val="0"/>
-              </a:spcAft>
-              <a:buNone/>
-            </a:pPr>
-            <a:r>
-              <a:rPr lang="en-GB"/>
-              <a:t>This shows you the merge that will be made if the pull request is accepted.</a:t>
+              <a:t>With the new version of GitHub Desktop, the pull request is actually created in the browser, so this menu option is only available if your repository and branch are published on GitHub.</a:t>
             </a:r>
             <a:endParaRPr/>
           </a:p>
@@ -15041,7 +15039,7 @@
   <p:cSld>
     <p:spTree>
       <p:nvGrpSpPr>
-        <p:cNvPr id="327" name="Shape 327"/>
+        <p:cNvPr id="324" name="Shape 324"/>
         <p:cNvGrpSpPr/>
         <p:nvPr/>
       </p:nvGrpSpPr>
@@ -15055,7 +15053,7 @@
       </p:grpSpPr>
       <p:sp>
         <p:nvSpPr>
-          <p:cNvPr id="328" name="Shape 328"/>
+          <p:cNvPr id="325" name="Shape 325"/>
           <p:cNvSpPr txBox="1"/>
           <p:nvPr>
             <p:ph type="title"/>
@@ -15063,7 +15061,7 @@
         </p:nvSpPr>
         <p:spPr>
           <a:xfrm>
-            <a:off x="311700" y="593367"/>
+            <a:off x="311700" y="261192"/>
             <a:ext cx="8520600" cy="763500"/>
           </a:xfrm>
           <a:prstGeom prst="rect">
@@ -15076,7 +15074,7 @@
           </a:bodyPr>
           <a:lstStyle/>
           <a:p>
-            <a:pPr indent="0" lvl="0" marL="0">
+            <a:pPr indent="0" lvl="0" marL="0" rtl="0">
               <a:spcBef>
                 <a:spcPts val="0"/>
               </a:spcBef>
@@ -15095,7 +15093,7 @@
       </p:sp>
       <p:pic>
         <p:nvPicPr>
-          <p:cNvPr id="329" name="Shape 329"/>
+          <p:cNvPr id="326" name="Shape 326"/>
           <p:cNvPicPr preferRelativeResize="0"/>
           <p:nvPr/>
         </p:nvPicPr>
@@ -15103,13 +15101,13 @@
           <a:blip r:embed="rId3">
             <a:alphaModFix/>
           </a:blip>
-          <a:srcRect b="0" l="11691" r="9895" t="0"/>
+          <a:srcRect b="10664" l="9282" r="9928" t="11204"/>
           <a:stretch/>
         </p:blipFill>
         <p:spPr>
           <a:xfrm>
-            <a:off x="0" y="1336150"/>
-            <a:ext cx="9143999" cy="5521851"/>
+            <a:off x="0" y="854800"/>
+            <a:ext cx="9143998" cy="5719899"/>
           </a:xfrm>
           <a:prstGeom prst="rect">
             <a:avLst/>
@@ -15133,7 +15131,7 @@
   <p:cSld>
     <p:spTree>
       <p:nvGrpSpPr>
-        <p:cNvPr id="333" name="Shape 333"/>
+        <p:cNvPr id="330" name="Shape 330"/>
         <p:cNvGrpSpPr/>
         <p:nvPr/>
       </p:nvGrpSpPr>
@@ -15147,7 +15145,7 @@
       </p:grpSpPr>
       <p:sp>
         <p:nvSpPr>
-          <p:cNvPr id="334" name="Shape 334"/>
+          <p:cNvPr id="331" name="Shape 331"/>
           <p:cNvSpPr txBox="1"/>
           <p:nvPr>
             <p:ph type="title"/>
@@ -15155,7 +15153,7 @@
         </p:nvSpPr>
         <p:spPr>
           <a:xfrm>
-            <a:off x="311700" y="593367"/>
+            <a:off x="311700" y="289342"/>
             <a:ext cx="8520600" cy="763500"/>
           </a:xfrm>
           <a:prstGeom prst="rect">
@@ -15179,244 +15177,39 @@
             </a:pPr>
             <a:r>
               <a:rPr lang="en-GB"/>
-              <a:t>Learning Resources</a:t>
+              <a:t>Pull requests in GitHub</a:t>
             </a:r>
             <a:endParaRPr/>
           </a:p>
         </p:txBody>
       </p:sp>
-      <p:sp>
-        <p:nvSpPr>
-          <p:cNvPr id="335" name="Shape 335"/>
-          <p:cNvSpPr txBox="1"/>
-          <p:nvPr>
-            <p:ph idx="1" type="body"/>
-          </p:nvPr>
-        </p:nvSpPr>
-        <p:spPr>
-          <a:xfrm>
-            <a:off x="311700" y="1536633"/>
-            <a:ext cx="8520600" cy="4555200"/>
+      <p:pic>
+        <p:nvPicPr>
+          <p:cNvPr id="332" name="Shape 332"/>
+          <p:cNvPicPr preferRelativeResize="0"/>
+          <p:nvPr/>
+        </p:nvPicPr>
+        <p:blipFill rotWithShape="1">
+          <a:blip r:embed="rId3">
+            <a:alphaModFix/>
+          </a:blip>
+          <a:srcRect b="0" l="11691" r="9895" t="0"/>
+          <a:stretch/>
+        </p:blipFill>
+        <p:spPr>
+          <a:xfrm>
+            <a:off x="0" y="984450"/>
+            <a:ext cx="9143999" cy="5521851"/>
           </a:xfrm>
           <a:prstGeom prst="rect">
             <a:avLst/>
           </a:prstGeom>
-        </p:spPr>
-        <p:txBody>
-          <a:bodyPr anchorCtr="0" anchor="t" bIns="91425" lIns="91425" spcFirstLastPara="1" rIns="91425" wrap="square" tIns="91425">
-            <a:noAutofit/>
-          </a:bodyPr>
-          <a:lstStyle/>
-          <a:p>
-            <a:pPr indent="-342900" lvl="0" marL="457200" rtl="0">
-              <a:spcBef>
-                <a:spcPts val="0"/>
-              </a:spcBef>
-              <a:spcAft>
-                <a:spcPts val="0"/>
-              </a:spcAft>
-              <a:buSzPts val="1800"/>
-              <a:buChar char="●"/>
-            </a:pPr>
-            <a:r>
-              <a:rPr lang="en-GB" u="sng">
-                <a:solidFill>
-                  <a:schemeClr val="hlink"/>
-                </a:solidFill>
-                <a:hlinkClick r:id="rId3"/>
-              </a:rPr>
-              <a:t>https://guides.github.com/</a:t>
-            </a:r>
-            <a:endParaRPr/>
-          </a:p>
-          <a:p>
-            <a:pPr indent="-317500" lvl="1" marL="914400" rtl="0">
-              <a:spcBef>
-                <a:spcPts val="0"/>
-              </a:spcBef>
-              <a:spcAft>
-                <a:spcPts val="0"/>
-              </a:spcAft>
-              <a:buSzPts val="1400"/>
-              <a:buChar char="○"/>
-            </a:pPr>
-            <a:r>
-              <a:rPr lang="en-GB"/>
-              <a:t>In particular, </a:t>
-            </a:r>
-            <a:r>
-              <a:rPr lang="en-GB" u="sng">
-                <a:solidFill>
-                  <a:schemeClr val="hlink"/>
-                </a:solidFill>
-                <a:hlinkClick r:id="rId4"/>
-              </a:rPr>
-              <a:t>https://guides.github.com/introduction/git-handbook/</a:t>
-            </a:r>
-            <a:r>
-              <a:rPr lang="en-GB"/>
-              <a:t> and </a:t>
-            </a:r>
-            <a:r>
-              <a:rPr lang="en-GB" u="sng">
-                <a:solidFill>
-                  <a:schemeClr val="hlink"/>
-                </a:solidFill>
-                <a:hlinkClick r:id="rId5"/>
-              </a:rPr>
-              <a:t>https://guides.github.com/activities/hello-world/</a:t>
-            </a:r>
-            <a:r>
-              <a:rPr lang="en-GB"/>
-              <a:t> are a good place to start</a:t>
-            </a:r>
-            <a:endParaRPr/>
-          </a:p>
-          <a:p>
-            <a:pPr indent="0" lvl="0" marL="457200" rtl="0">
-              <a:spcBef>
-                <a:spcPts val="1600"/>
-              </a:spcBef>
-              <a:spcAft>
-                <a:spcPts val="0"/>
-              </a:spcAft>
-              <a:buNone/>
-            </a:pPr>
-            <a:r>
-              <a:t/>
-            </a:r>
-            <a:endParaRPr/>
-          </a:p>
-          <a:p>
-            <a:pPr indent="-342900" lvl="0" marL="457200" rtl="0">
-              <a:spcBef>
-                <a:spcPts val="1600"/>
-              </a:spcBef>
-              <a:spcAft>
-                <a:spcPts val="0"/>
-              </a:spcAft>
-              <a:buSzPts val="1800"/>
-              <a:buChar char="●"/>
-            </a:pPr>
-            <a:r>
-              <a:rPr lang="en-GB" u="sng">
-                <a:solidFill>
-                  <a:schemeClr val="hlink"/>
-                </a:solidFill>
-                <a:hlinkClick r:id="rId6"/>
-              </a:rPr>
-              <a:t>https://www.codecademy.com/learn/learn-git</a:t>
-            </a:r>
-            <a:endParaRPr/>
-          </a:p>
-          <a:p>
-            <a:pPr indent="0" lvl="0" marL="0" rtl="0">
-              <a:spcBef>
-                <a:spcPts val="1600"/>
-              </a:spcBef>
-              <a:spcAft>
-                <a:spcPts val="0"/>
-              </a:spcAft>
-              <a:buNone/>
-            </a:pPr>
-            <a:r>
-              <a:t/>
-            </a:r>
-            <a:endParaRPr/>
-          </a:p>
-          <a:p>
-            <a:pPr indent="-342900" lvl="0" marL="457200" rtl="0">
-              <a:spcBef>
-                <a:spcPts val="1600"/>
-              </a:spcBef>
-              <a:spcAft>
-                <a:spcPts val="0"/>
-              </a:spcAft>
-              <a:buSzPts val="1800"/>
-              <a:buChar char="●"/>
-            </a:pPr>
-            <a:r>
-              <a:rPr lang="en-GB" u="sng">
-                <a:solidFill>
-                  <a:schemeClr val="hlink"/>
-                </a:solidFill>
-                <a:hlinkClick r:id="rId7"/>
-              </a:rPr>
-              <a:t>https://www.codeschool.com/courses/try-git</a:t>
-            </a:r>
-            <a:endParaRPr/>
-          </a:p>
-          <a:p>
-            <a:pPr indent="0" lvl="0" marL="0" rtl="0">
-              <a:spcBef>
-                <a:spcPts val="1600"/>
-              </a:spcBef>
-              <a:spcAft>
-                <a:spcPts val="0"/>
-              </a:spcAft>
-              <a:buNone/>
-            </a:pPr>
-            <a:r>
-              <a:t/>
-            </a:r>
-            <a:endParaRPr/>
-          </a:p>
-          <a:p>
-            <a:pPr indent="-342900" lvl="0" marL="457200" rtl="0">
-              <a:spcBef>
-                <a:spcPts val="1600"/>
-              </a:spcBef>
-              <a:spcAft>
-                <a:spcPts val="0"/>
-              </a:spcAft>
-              <a:buSzPts val="1800"/>
-              <a:buChar char="●"/>
-            </a:pPr>
-            <a:r>
-              <a:rPr lang="en-GB" u="sng">
-                <a:solidFill>
-                  <a:schemeClr val="hlink"/>
-                </a:solidFill>
-                <a:hlinkClick r:id="rId8"/>
-              </a:rPr>
-              <a:t>https://www.atlassian.com/git</a:t>
-            </a:r>
-            <a:endParaRPr/>
-          </a:p>
-          <a:p>
-            <a:pPr indent="-317500" lvl="1" marL="914400" rtl="0">
-              <a:spcBef>
-                <a:spcPts val="0"/>
-              </a:spcBef>
-              <a:spcAft>
-                <a:spcPts val="0"/>
-              </a:spcAft>
-              <a:buSzPts val="1400"/>
-              <a:buChar char="○"/>
-            </a:pPr>
-            <a:r>
-              <a:rPr lang="en-GB"/>
-              <a:t>This one is from the company behind Bitbucket – a popular alternative to GitHub – so some of the information is geared towards their software, but the basic lessons are still pretty good.</a:t>
-            </a:r>
-            <a:endParaRPr/>
-          </a:p>
-          <a:p>
-            <a:pPr indent="0" lvl="0" marL="0" rtl="0">
-              <a:spcBef>
-                <a:spcPts val="1600"/>
-              </a:spcBef>
-              <a:spcAft>
-                <a:spcPts val="1600"/>
-              </a:spcAft>
-              <a:buNone/>
-            </a:pPr>
-            <a:r>
-              <a:t/>
-            </a:r>
-            <a:endParaRPr/>
-          </a:p>
-        </p:txBody>
-      </p:sp>
+          <a:noFill/>
+          <a:ln>
+            <a:noFill/>
+          </a:ln>
+        </p:spPr>
+      </p:pic>
     </p:spTree>
   </p:cSld>
   <p:clrMapOvr>
@@ -15564,6 +15357,527 @@
             <a:r>
               <a:rPr lang="en-GB"/>
               <a:t>GitHub also makes a GUI tool called GitHub Desktop.  It doesn’t have all the bells and whistles of some other Git GUIs, but it’s easy to use and is particularly designed for repositories hosted on GitHub, so it’s probably a good choice if you’re just getting started with Git.  I’ll be showing you how to use some of its features in this presentation.</a:t>
+            </a:r>
+            <a:endParaRPr/>
+          </a:p>
+        </p:txBody>
+      </p:sp>
+    </p:spTree>
+  </p:cSld>
+  <p:clrMapOvr>
+    <a:masterClrMapping/>
+  </p:clrMapOvr>
+</p:sld>
+</file>
+
+<file path=ppt/slides/slide30.xml><?xml version="1.0" encoding="utf-8"?>
+<p:sld xmlns:a="http://schemas.openxmlformats.org/drawingml/2006/main" xmlns:r="http://schemas.openxmlformats.org/officeDocument/2006/relationships" xmlns:mc="http://schemas.openxmlformats.org/markup-compatibility/2006" xmlns:mv="urn:schemas-microsoft-com:mac:vml" xmlns:p="http://schemas.openxmlformats.org/presentationml/2006/main" xmlns:c="http://schemas.openxmlformats.org/drawingml/2006/chart" xmlns:dgm="http://schemas.openxmlformats.org/drawingml/2006/diagram" xmlns:o="urn:schemas-microsoft-com:office:office" xmlns:v="urn:schemas-microsoft-com:vml" xmlns:pvml="urn:schemas-microsoft-com:office:powerpoint" xmlns:com="http://schemas.openxmlformats.org/drawingml/2006/compatibility" xmlns:p14="http://schemas.microsoft.com/office/powerpoint/2010/main" xmlns:p15="http://schemas.microsoft.com/office/powerpoint/2012/main">
+  <p:cSld>
+    <p:spTree>
+      <p:nvGrpSpPr>
+        <p:cNvPr id="336" name="Shape 336"/>
+        <p:cNvGrpSpPr/>
+        <p:nvPr/>
+      </p:nvGrpSpPr>
+      <p:grpSpPr>
+        <a:xfrm>
+          <a:off x="0" y="0"/>
+          <a:ext cx="0" cy="0"/>
+          <a:chOff x="0" y="0"/>
+          <a:chExt cx="0" cy="0"/>
+        </a:xfrm>
+      </p:grpSpPr>
+      <p:sp>
+        <p:nvSpPr>
+          <p:cNvPr id="337" name="Shape 337"/>
+          <p:cNvSpPr txBox="1"/>
+          <p:nvPr>
+            <p:ph type="title"/>
+          </p:nvPr>
+        </p:nvSpPr>
+        <p:spPr>
+          <a:xfrm>
+            <a:off x="311700" y="593367"/>
+            <a:ext cx="8520600" cy="763500"/>
+          </a:xfrm>
+          <a:prstGeom prst="rect">
+            <a:avLst/>
+          </a:prstGeom>
+        </p:spPr>
+        <p:txBody>
+          <a:bodyPr anchorCtr="0" anchor="t" bIns="91425" lIns="91425" spcFirstLastPara="1" rIns="91425" wrap="square" tIns="91425">
+            <a:noAutofit/>
+          </a:bodyPr>
+          <a:lstStyle/>
+          <a:p>
+            <a:pPr indent="0" lvl="0" marL="0">
+              <a:spcBef>
+                <a:spcPts val="0"/>
+              </a:spcBef>
+              <a:spcAft>
+                <a:spcPts val="0"/>
+              </a:spcAft>
+              <a:buNone/>
+            </a:pPr>
+            <a:r>
+              <a:rPr lang="en-GB"/>
+              <a:t>Learning Resources</a:t>
+            </a:r>
+            <a:endParaRPr/>
+          </a:p>
+        </p:txBody>
+      </p:sp>
+      <p:sp>
+        <p:nvSpPr>
+          <p:cNvPr id="338" name="Shape 338"/>
+          <p:cNvSpPr txBox="1"/>
+          <p:nvPr>
+            <p:ph idx="1" type="body"/>
+          </p:nvPr>
+        </p:nvSpPr>
+        <p:spPr>
+          <a:xfrm>
+            <a:off x="311700" y="1536633"/>
+            <a:ext cx="8520600" cy="4555200"/>
+          </a:xfrm>
+          <a:prstGeom prst="rect">
+            <a:avLst/>
+          </a:prstGeom>
+        </p:spPr>
+        <p:txBody>
+          <a:bodyPr anchorCtr="0" anchor="t" bIns="91425" lIns="91425" spcFirstLastPara="1" rIns="91425" wrap="square" tIns="91425">
+            <a:noAutofit/>
+          </a:bodyPr>
+          <a:lstStyle/>
+          <a:p>
+            <a:pPr indent="-342900" lvl="0" marL="457200" rtl="0">
+              <a:spcBef>
+                <a:spcPts val="0"/>
+              </a:spcBef>
+              <a:spcAft>
+                <a:spcPts val="0"/>
+              </a:spcAft>
+              <a:buSzPts val="1800"/>
+              <a:buChar char="●"/>
+            </a:pPr>
+            <a:r>
+              <a:rPr lang="en-GB" u="sng">
+                <a:solidFill>
+                  <a:schemeClr val="hlink"/>
+                </a:solidFill>
+                <a:hlinkClick r:id="rId3"/>
+              </a:rPr>
+              <a:t>https://guides.github.com/</a:t>
+            </a:r>
+            <a:endParaRPr/>
+          </a:p>
+          <a:p>
+            <a:pPr indent="-317500" lvl="1" marL="914400" rtl="0">
+              <a:spcBef>
+                <a:spcPts val="0"/>
+              </a:spcBef>
+              <a:spcAft>
+                <a:spcPts val="0"/>
+              </a:spcAft>
+              <a:buSzPts val="1400"/>
+              <a:buChar char="○"/>
+            </a:pPr>
+            <a:r>
+              <a:rPr lang="en-GB"/>
+              <a:t>In particular, </a:t>
+            </a:r>
+            <a:r>
+              <a:rPr lang="en-GB" u="sng">
+                <a:solidFill>
+                  <a:schemeClr val="hlink"/>
+                </a:solidFill>
+                <a:hlinkClick r:id="rId4"/>
+              </a:rPr>
+              <a:t>https://guides.github.com/introduction/git-handbook/</a:t>
+            </a:r>
+            <a:r>
+              <a:rPr lang="en-GB"/>
+              <a:t> and </a:t>
+            </a:r>
+            <a:r>
+              <a:rPr lang="en-GB" u="sng">
+                <a:solidFill>
+                  <a:schemeClr val="hlink"/>
+                </a:solidFill>
+                <a:hlinkClick r:id="rId5"/>
+              </a:rPr>
+              <a:t>https://guides.github.com/activities/hello-world/</a:t>
+            </a:r>
+            <a:r>
+              <a:rPr lang="en-GB"/>
+              <a:t> are a good place to start</a:t>
+            </a:r>
+            <a:endParaRPr/>
+          </a:p>
+          <a:p>
+            <a:pPr indent="0" lvl="0" marL="457200" rtl="0">
+              <a:spcBef>
+                <a:spcPts val="1600"/>
+              </a:spcBef>
+              <a:spcAft>
+                <a:spcPts val="0"/>
+              </a:spcAft>
+              <a:buNone/>
+            </a:pPr>
+            <a:r>
+              <a:t/>
+            </a:r>
+            <a:endParaRPr/>
+          </a:p>
+          <a:p>
+            <a:pPr indent="-342900" lvl="0" marL="457200" rtl="0">
+              <a:spcBef>
+                <a:spcPts val="1600"/>
+              </a:spcBef>
+              <a:spcAft>
+                <a:spcPts val="0"/>
+              </a:spcAft>
+              <a:buSzPts val="1800"/>
+              <a:buChar char="●"/>
+            </a:pPr>
+            <a:r>
+              <a:rPr lang="en-GB" u="sng">
+                <a:solidFill>
+                  <a:schemeClr val="hlink"/>
+                </a:solidFill>
+                <a:hlinkClick r:id="rId6"/>
+              </a:rPr>
+              <a:t>https://www.codecademy.com/learn/learn-git</a:t>
+            </a:r>
+            <a:endParaRPr/>
+          </a:p>
+          <a:p>
+            <a:pPr indent="0" lvl="0" marL="0" rtl="0">
+              <a:spcBef>
+                <a:spcPts val="1600"/>
+              </a:spcBef>
+              <a:spcAft>
+                <a:spcPts val="0"/>
+              </a:spcAft>
+              <a:buNone/>
+            </a:pPr>
+            <a:r>
+              <a:t/>
+            </a:r>
+            <a:endParaRPr/>
+          </a:p>
+          <a:p>
+            <a:pPr indent="-342900" lvl="0" marL="457200" rtl="0">
+              <a:spcBef>
+                <a:spcPts val="1600"/>
+              </a:spcBef>
+              <a:spcAft>
+                <a:spcPts val="0"/>
+              </a:spcAft>
+              <a:buSzPts val="1800"/>
+              <a:buChar char="●"/>
+            </a:pPr>
+            <a:r>
+              <a:rPr lang="en-GB" u="sng">
+                <a:solidFill>
+                  <a:schemeClr val="hlink"/>
+                </a:solidFill>
+                <a:hlinkClick r:id="rId7"/>
+              </a:rPr>
+              <a:t>https://www.codeschool.com/courses/try-git</a:t>
+            </a:r>
+            <a:endParaRPr/>
+          </a:p>
+          <a:p>
+            <a:pPr indent="0" lvl="0" marL="0" rtl="0">
+              <a:spcBef>
+                <a:spcPts val="1600"/>
+              </a:spcBef>
+              <a:spcAft>
+                <a:spcPts val="0"/>
+              </a:spcAft>
+              <a:buNone/>
+            </a:pPr>
+            <a:r>
+              <a:t/>
+            </a:r>
+            <a:endParaRPr/>
+          </a:p>
+          <a:p>
+            <a:pPr indent="-342900" lvl="0" marL="457200" rtl="0">
+              <a:spcBef>
+                <a:spcPts val="1600"/>
+              </a:spcBef>
+              <a:spcAft>
+                <a:spcPts val="0"/>
+              </a:spcAft>
+              <a:buSzPts val="1800"/>
+              <a:buChar char="●"/>
+            </a:pPr>
+            <a:r>
+              <a:rPr lang="en-GB" u="sng">
+                <a:solidFill>
+                  <a:schemeClr val="hlink"/>
+                </a:solidFill>
+                <a:hlinkClick r:id="rId8"/>
+              </a:rPr>
+              <a:t>https://www.atlassian.com/git</a:t>
+            </a:r>
+            <a:endParaRPr/>
+          </a:p>
+          <a:p>
+            <a:pPr indent="-317500" lvl="1" marL="914400" rtl="0">
+              <a:spcBef>
+                <a:spcPts val="0"/>
+              </a:spcBef>
+              <a:spcAft>
+                <a:spcPts val="0"/>
+              </a:spcAft>
+              <a:buSzPts val="1400"/>
+              <a:buChar char="○"/>
+            </a:pPr>
+            <a:r>
+              <a:rPr lang="en-GB"/>
+              <a:t>This one is from the company behind Bitbucket – a popular alternative to GitHub – so some of the information is geared towards their software, but the basic lessons are still pretty good.</a:t>
+            </a:r>
+            <a:endParaRPr/>
+          </a:p>
+          <a:p>
+            <a:pPr indent="0" lvl="0" marL="0" rtl="0">
+              <a:spcBef>
+                <a:spcPts val="1600"/>
+              </a:spcBef>
+              <a:spcAft>
+                <a:spcPts val="1600"/>
+              </a:spcAft>
+              <a:buNone/>
+            </a:pPr>
+            <a:r>
+              <a:t/>
+            </a:r>
+            <a:endParaRPr/>
+          </a:p>
+        </p:txBody>
+      </p:sp>
+    </p:spTree>
+  </p:cSld>
+  <p:clrMapOvr>
+    <a:masterClrMapping/>
+  </p:clrMapOvr>
+</p:sld>
+</file>
+
+<file path=ppt/slides/slide31.xml><?xml version="1.0" encoding="utf-8"?>
+<p:sld xmlns:a="http://schemas.openxmlformats.org/drawingml/2006/main" xmlns:r="http://schemas.openxmlformats.org/officeDocument/2006/relationships" xmlns:mc="http://schemas.openxmlformats.org/markup-compatibility/2006" xmlns:mv="urn:schemas-microsoft-com:mac:vml" xmlns:p="http://schemas.openxmlformats.org/presentationml/2006/main" xmlns:c="http://schemas.openxmlformats.org/drawingml/2006/chart" xmlns:dgm="http://schemas.openxmlformats.org/drawingml/2006/diagram" xmlns:o="urn:schemas-microsoft-com:office:office" xmlns:v="urn:schemas-microsoft-com:vml" xmlns:pvml="urn:schemas-microsoft-com:office:powerpoint" xmlns:com="http://schemas.openxmlformats.org/drawingml/2006/compatibility" xmlns:p14="http://schemas.microsoft.com/office/powerpoint/2010/main" xmlns:p15="http://schemas.microsoft.com/office/powerpoint/2012/main">
+  <p:cSld>
+    <p:spTree>
+      <p:nvGrpSpPr>
+        <p:cNvPr id="342" name="Shape 342"/>
+        <p:cNvGrpSpPr/>
+        <p:nvPr/>
+      </p:nvGrpSpPr>
+      <p:grpSpPr>
+        <a:xfrm>
+          <a:off x="0" y="0"/>
+          <a:ext cx="0" cy="0"/>
+          <a:chOff x="0" y="0"/>
+          <a:chExt cx="0" cy="0"/>
+        </a:xfrm>
+      </p:grpSpPr>
+      <p:sp>
+        <p:nvSpPr>
+          <p:cNvPr id="343" name="Shape 343"/>
+          <p:cNvSpPr txBox="1"/>
+          <p:nvPr>
+            <p:ph type="title"/>
+          </p:nvPr>
+        </p:nvSpPr>
+        <p:spPr>
+          <a:xfrm>
+            <a:off x="311700" y="593367"/>
+            <a:ext cx="8520600" cy="763500"/>
+          </a:xfrm>
+          <a:prstGeom prst="rect">
+            <a:avLst/>
+          </a:prstGeom>
+        </p:spPr>
+        <p:txBody>
+          <a:bodyPr anchorCtr="0" anchor="t" bIns="91425" lIns="91425" spcFirstLastPara="1" rIns="91425" wrap="square" tIns="91425">
+            <a:noAutofit/>
+          </a:bodyPr>
+          <a:lstStyle/>
+          <a:p>
+            <a:pPr indent="0" lvl="0" marL="0">
+              <a:spcBef>
+                <a:spcPts val="0"/>
+              </a:spcBef>
+              <a:spcAft>
+                <a:spcPts val="0"/>
+              </a:spcAft>
+              <a:buNone/>
+            </a:pPr>
+            <a:r>
+              <a:rPr lang="en-GB"/>
+              <a:t>Free private repos!</a:t>
+            </a:r>
+            <a:endParaRPr/>
+          </a:p>
+        </p:txBody>
+      </p:sp>
+      <p:sp>
+        <p:nvSpPr>
+          <p:cNvPr id="344" name="Shape 344"/>
+          <p:cNvSpPr txBox="1"/>
+          <p:nvPr>
+            <p:ph idx="1" type="body"/>
+          </p:nvPr>
+        </p:nvSpPr>
+        <p:spPr>
+          <a:xfrm>
+            <a:off x="311700" y="1536633"/>
+            <a:ext cx="8520600" cy="4555200"/>
+          </a:xfrm>
+          <a:prstGeom prst="rect">
+            <a:avLst/>
+          </a:prstGeom>
+        </p:spPr>
+        <p:txBody>
+          <a:bodyPr anchorCtr="0" anchor="t" bIns="91425" lIns="91425" spcFirstLastPara="1" rIns="91425" wrap="square" tIns="91425">
+            <a:noAutofit/>
+          </a:bodyPr>
+          <a:lstStyle/>
+          <a:p>
+            <a:pPr indent="0" lvl="0" marL="0">
+              <a:spcBef>
+                <a:spcPts val="0"/>
+              </a:spcBef>
+              <a:spcAft>
+                <a:spcPts val="0"/>
+              </a:spcAft>
+              <a:buNone/>
+            </a:pPr>
+            <a:r>
+              <a:rPr lang="en-GB" u="sng">
+                <a:solidFill>
+                  <a:schemeClr val="hlink"/>
+                </a:solidFill>
+                <a:hlinkClick r:id="rId3"/>
+              </a:rPr>
+              <a:t>https://help.github.com/articles/applying-for-an-academic-research-discount/</a:t>
+            </a:r>
+            <a:endParaRPr/>
+          </a:p>
+          <a:p>
+            <a:pPr indent="0" lvl="0" marL="0">
+              <a:spcBef>
+                <a:spcPts val="1600"/>
+              </a:spcBef>
+              <a:spcAft>
+                <a:spcPts val="0"/>
+              </a:spcAft>
+              <a:buNone/>
+            </a:pPr>
+            <a:r>
+              <a:rPr lang="en-GB"/>
+              <a:t>As an academic researcher, you are entitled to a free Developer account, which gives you unlimited private repos.  If you have an @cam or other academic email account, this should only take a few minutes.</a:t>
+            </a:r>
+            <a:endParaRPr/>
+          </a:p>
+          <a:p>
+            <a:pPr indent="0" lvl="0" marL="0">
+              <a:spcBef>
+                <a:spcPts val="1600"/>
+              </a:spcBef>
+              <a:spcAft>
+                <a:spcPts val="0"/>
+              </a:spcAft>
+              <a:buNone/>
+            </a:pPr>
+            <a:r>
+              <a:rPr lang="en-GB"/>
+              <a:t>It’s still a good idea to share your code wherever possible, so don’t just put everything in private repos, but these can be useful for backing up repos that might include publishable data on neurons or connectivity.</a:t>
+            </a:r>
+            <a:endParaRPr/>
+          </a:p>
+          <a:p>
+            <a:pPr indent="0" lvl="0" marL="0">
+              <a:spcBef>
+                <a:spcPts val="1600"/>
+              </a:spcBef>
+              <a:spcAft>
+                <a:spcPts val="0"/>
+              </a:spcAft>
+              <a:buNone/>
+            </a:pPr>
+            <a:r>
+              <a:t/>
+            </a:r>
+            <a:endParaRPr/>
+          </a:p>
+          <a:p>
+            <a:pPr indent="0" lvl="0" marL="0">
+              <a:spcBef>
+                <a:spcPts val="1600"/>
+              </a:spcBef>
+              <a:spcAft>
+                <a:spcPts val="0"/>
+              </a:spcAft>
+              <a:buNone/>
+            </a:pPr>
+            <a:r>
+              <a:rPr lang="en-GB"/>
+              <a:t>If you’re still a student, you can get that plus a bunch of other cool free stuff!</a:t>
+            </a:r>
+            <a:endParaRPr/>
+          </a:p>
+          <a:p>
+            <a:pPr indent="0" lvl="0" marL="0">
+              <a:spcBef>
+                <a:spcPts val="1600"/>
+              </a:spcBef>
+              <a:spcAft>
+                <a:spcPts val="0"/>
+              </a:spcAft>
+              <a:buNone/>
+            </a:pPr>
+            <a:r>
+              <a:rPr lang="en-GB" u="sng">
+                <a:solidFill>
+                  <a:schemeClr val="hlink"/>
+                </a:solidFill>
+                <a:hlinkClick r:id="rId4"/>
+              </a:rPr>
+              <a:t>https://education.github.com/pack</a:t>
+            </a:r>
+            <a:endParaRPr/>
+          </a:p>
+          <a:p>
+            <a:pPr indent="0" lvl="0" marL="0">
+              <a:spcBef>
+                <a:spcPts val="1600"/>
+              </a:spcBef>
+              <a:spcAft>
+                <a:spcPts val="0"/>
+              </a:spcAft>
+              <a:buNone/>
+            </a:pPr>
+            <a:r>
+              <a:t/>
+            </a:r>
+            <a:endParaRPr/>
+          </a:p>
+          <a:p>
+            <a:pPr indent="0" lvl="0" marL="0">
+              <a:spcBef>
+                <a:spcPts val="1600"/>
+              </a:spcBef>
+              <a:spcAft>
+                <a:spcPts val="1600"/>
+              </a:spcAft>
+              <a:buNone/>
+            </a:pPr>
+            <a:r>
+              <a:t/>
             </a:r>
             <a:endParaRPr/>
           </a:p>
@@ -16220,18 +16534,17 @@
           <p:cNvPicPr preferRelativeResize="0"/>
           <p:nvPr/>
         </p:nvPicPr>
-        <p:blipFill>
+        <p:blipFill rotWithShape="1">
           <a:blip r:embed="rId3">
             <a:alphaModFix/>
           </a:blip>
-          <a:stretch>
-            <a:fillRect/>
-          </a:stretch>
+          <a:srcRect b="0" l="426" r="416" t="0"/>
+          <a:stretch/>
         </p:blipFill>
         <p:spPr>
           <a:xfrm>
             <a:off x="365788" y="1356875"/>
-            <a:ext cx="8412425" cy="5392200"/>
+            <a:ext cx="8412425" cy="5392199"/>
           </a:xfrm>
           <a:prstGeom prst="rect">
             <a:avLst/>
@@ -16341,7 +16654,15 @@
             </a:pPr>
             <a:r>
               <a:rPr lang="en-GB"/>
-              <a:t>A repository is basically just a folder that you’ve told Git to track.  </a:t>
+              <a:t>A repository (or </a:t>
+            </a:r>
+            <a:r>
+              <a:rPr b="1" lang="en-GB"/>
+              <a:t>repo</a:t>
+            </a:r>
+            <a:r>
+              <a:rPr lang="en-GB"/>
+              <a:t>) is basically just a folder that you’ve told Git to track.  </a:t>
             </a:r>
             <a:endParaRPr/>
           </a:p>
@@ -16409,6 +16730,285 @@
 </file>
 
 <file path=ppt/theme/theme1.xml><?xml version="1.0" encoding="utf-8"?>
+<a:theme xmlns:a="http://schemas.openxmlformats.org/drawingml/2006/main" xmlns:r="http://schemas.openxmlformats.org/officeDocument/2006/relationships" name="Simple Light">
+  <a:themeElements>
+    <a:clrScheme name="Simple Light">
+      <a:dk1>
+        <a:srgbClr val="000000"/>
+      </a:dk1>
+      <a:lt1>
+        <a:srgbClr val="FFFFFF"/>
+      </a:lt1>
+      <a:dk2>
+        <a:srgbClr val="595959"/>
+      </a:dk2>
+      <a:lt2>
+        <a:srgbClr val="EEEEEE"/>
+      </a:lt2>
+      <a:accent1>
+        <a:srgbClr val="FFAB40"/>
+      </a:accent1>
+      <a:accent2>
+        <a:srgbClr val="212121"/>
+      </a:accent2>
+      <a:accent3>
+        <a:srgbClr val="78909C"/>
+      </a:accent3>
+      <a:accent4>
+        <a:srgbClr val="FFAB40"/>
+      </a:accent4>
+      <a:accent5>
+        <a:srgbClr val="0097A7"/>
+      </a:accent5>
+      <a:accent6>
+        <a:srgbClr val="EEFF41"/>
+      </a:accent6>
+      <a:hlink>
+        <a:srgbClr val="0097A7"/>
+      </a:hlink>
+      <a:folHlink>
+        <a:srgbClr val="0097A7"/>
+      </a:folHlink>
+    </a:clrScheme>
+    <a:fontScheme name="Office">
+      <a:majorFont>
+        <a:latin typeface="Arial"/>
+        <a:ea typeface=""/>
+        <a:cs typeface=""/>
+        <a:font script="Jpan" typeface="ＭＳ Ｐゴシック"/>
+        <a:font script="Hang" typeface="맑은 고딕"/>
+        <a:font script="Hans" typeface="宋体"/>
+        <a:font script="Hant" typeface="新細明體"/>
+        <a:font script="Arab" typeface="Times New Roman"/>
+        <a:font script="Hebr" typeface="Times New Roman"/>
+        <a:font script="Thai" typeface="Angsana New"/>
+        <a:font script="Ethi" typeface="Nyala"/>
+        <a:font script="Beng" typeface="Vrinda"/>
+        <a:font script="Gujr" typeface="Shruti"/>
+        <a:font script="Khmr" typeface="MoolBoran"/>
+        <a:font script="Knda" typeface="Tunga"/>
+        <a:font script="Guru" typeface="Raavi"/>
+        <a:font script="Cans" typeface="Euphemia"/>
+        <a:font script="Cher" typeface="Plantagenet Cherokee"/>
+        <a:font script="Yiii" typeface="Microsoft Yi Baiti"/>
+        <a:font script="Tibt" typeface="Microsoft Himalaya"/>
+        <a:font script="Thaa" typeface="MV Boli"/>
+        <a:font script="Deva" typeface="Mangal"/>
+        <a:font script="Telu" typeface="Gautami"/>
+        <a:font script="Taml" typeface="Latha"/>
+        <a:font script="Syrc" typeface="Estrangelo Edessa"/>
+        <a:font script="Orya" typeface="Kalinga"/>
+        <a:font script="Mlym" typeface="Kartika"/>
+        <a:font script="Laoo" typeface="DokChampa"/>
+        <a:font script="Sinh" typeface="Iskoola Pota"/>
+        <a:font script="Mong" typeface="Mongolian Baiti"/>
+        <a:font script="Viet" typeface="Times New Roman"/>
+        <a:font script="Uigh" typeface="Microsoft Uighur"/>
+        <a:font script="Geor" typeface="Sylfaen"/>
+      </a:majorFont>
+      <a:minorFont>
+        <a:latin typeface="Arial"/>
+        <a:ea typeface=""/>
+        <a:cs typeface=""/>
+        <a:font script="Jpan" typeface="ＭＳ Ｐゴシック"/>
+        <a:font script="Hang" typeface="맑은 고딕"/>
+        <a:font script="Hans" typeface="宋体"/>
+        <a:font script="Hant" typeface="新細明體"/>
+        <a:font script="Arab" typeface="Arial"/>
+        <a:font script="Hebr" typeface="Arial"/>
+        <a:font script="Thai" typeface="Cordia New"/>
+        <a:font script="Ethi" typeface="Nyala"/>
+        <a:font script="Beng" typeface="Vrinda"/>
+        <a:font script="Gujr" typeface="Shruti"/>
+        <a:font script="Khmr" typeface="DaunPenh"/>
+        <a:font script="Knda" typeface="Tunga"/>
+        <a:font script="Guru" typeface="Raavi"/>
+        <a:font script="Cans" typeface="Euphemia"/>
+        <a:font script="Cher" typeface="Plantagenet Cherokee"/>
+        <a:font script="Yiii" typeface="Microsoft Yi Baiti"/>
+        <a:font script="Tibt" typeface="Microsoft Himalaya"/>
+        <a:font script="Thaa" typeface="MV Boli"/>
+        <a:font script="Deva" typeface="Mangal"/>
+        <a:font script="Telu" typeface="Gautami"/>
+        <a:font script="Taml" typeface="Latha"/>
+        <a:font script="Syrc" typeface="Estrangelo Edessa"/>
+        <a:font script="Orya" typeface="Kalinga"/>
+        <a:font script="Mlym" typeface="Kartika"/>
+        <a:font script="Laoo" typeface="DokChampa"/>
+        <a:font script="Sinh" typeface="Iskoola Pota"/>
+        <a:font script="Mong" typeface="Mongolian Baiti"/>
+        <a:font script="Viet" typeface="Arial"/>
+        <a:font script="Uigh" typeface="Microsoft Uighur"/>
+        <a:font script="Geor" typeface="Sylfaen"/>
+      </a:minorFont>
+    </a:fontScheme>
+    <a:fmtScheme name="Office">
+      <a:fillStyleLst>
+        <a:solidFill>
+          <a:schemeClr val="phClr"/>
+        </a:solidFill>
+        <a:gradFill rotWithShape="1">
+          <a:gsLst>
+            <a:gs pos="0">
+              <a:schemeClr val="phClr">
+                <a:tint val="50000"/>
+                <a:satMod val="300000"/>
+              </a:schemeClr>
+            </a:gs>
+            <a:gs pos="35000">
+              <a:schemeClr val="phClr">
+                <a:tint val="37000"/>
+                <a:satMod val="300000"/>
+              </a:schemeClr>
+            </a:gs>
+            <a:gs pos="100000">
+              <a:schemeClr val="phClr">
+                <a:tint val="15000"/>
+                <a:satMod val="350000"/>
+              </a:schemeClr>
+            </a:gs>
+          </a:gsLst>
+          <a:lin ang="16200000" scaled="1"/>
+        </a:gradFill>
+        <a:gradFill rotWithShape="1">
+          <a:gsLst>
+            <a:gs pos="0">
+              <a:schemeClr val="phClr">
+                <a:tint val="100000"/>
+                <a:shade val="100000"/>
+                <a:satMod val="130000"/>
+              </a:schemeClr>
+            </a:gs>
+            <a:gs pos="100000">
+              <a:schemeClr val="phClr">
+                <a:tint val="50000"/>
+                <a:shade val="100000"/>
+                <a:satMod val="350000"/>
+              </a:schemeClr>
+            </a:gs>
+          </a:gsLst>
+          <a:lin ang="16200000" scaled="0"/>
+        </a:gradFill>
+      </a:fillStyleLst>
+      <a:lnStyleLst>
+        <a:ln w="9525" cap="flat" cmpd="sng" algn="ctr">
+          <a:solidFill>
+            <a:schemeClr val="phClr">
+              <a:shade val="95000"/>
+              <a:satMod val="105000"/>
+            </a:schemeClr>
+          </a:solidFill>
+          <a:prstDash val="solid"/>
+        </a:ln>
+        <a:ln w="25400" cap="flat" cmpd="sng" algn="ctr">
+          <a:solidFill>
+            <a:schemeClr val="phClr"/>
+          </a:solidFill>
+          <a:prstDash val="solid"/>
+        </a:ln>
+        <a:ln w="38100" cap="flat" cmpd="sng" algn="ctr">
+          <a:solidFill>
+            <a:schemeClr val="phClr"/>
+          </a:solidFill>
+          <a:prstDash val="solid"/>
+        </a:ln>
+      </a:lnStyleLst>
+      <a:effectStyleLst>
+        <a:effectStyle>
+          <a:effectLst>
+            <a:outerShdw blurRad="40000" dist="20000" dir="5400000" rotWithShape="0">
+              <a:srgbClr val="000000">
+                <a:alpha val="38000"/>
+              </a:srgbClr>
+            </a:outerShdw>
+          </a:effectLst>
+        </a:effectStyle>
+        <a:effectStyle>
+          <a:effectLst>
+            <a:outerShdw blurRad="40000" dist="23000" dir="5400000" rotWithShape="0">
+              <a:srgbClr val="000000">
+                <a:alpha val="35000"/>
+              </a:srgbClr>
+            </a:outerShdw>
+          </a:effectLst>
+        </a:effectStyle>
+        <a:effectStyle>
+          <a:effectLst>
+            <a:outerShdw blurRad="40000" dist="23000" dir="5400000" rotWithShape="0">
+              <a:srgbClr val="000000">
+                <a:alpha val="35000"/>
+              </a:srgbClr>
+            </a:outerShdw>
+          </a:effectLst>
+          <a:scene3d>
+            <a:camera prst="orthographicFront">
+              <a:rot lat="0" lon="0" rev="0"/>
+            </a:camera>
+            <a:lightRig rig="threePt" dir="t">
+              <a:rot lat="0" lon="0" rev="1200000"/>
+            </a:lightRig>
+          </a:scene3d>
+          <a:sp3d>
+            <a:bevelT w="63500" h="25400"/>
+          </a:sp3d>
+        </a:effectStyle>
+      </a:effectStyleLst>
+      <a:bgFillStyleLst>
+        <a:solidFill>
+          <a:schemeClr val="phClr"/>
+        </a:solidFill>
+        <a:gradFill rotWithShape="1">
+          <a:gsLst>
+            <a:gs pos="0">
+              <a:schemeClr val="phClr">
+                <a:tint val="40000"/>
+                <a:satMod val="350000"/>
+              </a:schemeClr>
+            </a:gs>
+            <a:gs pos="40000">
+              <a:schemeClr val="phClr">
+                <a:tint val="45000"/>
+                <a:shade val="99000"/>
+                <a:satMod val="350000"/>
+              </a:schemeClr>
+            </a:gs>
+            <a:gs pos="100000">
+              <a:schemeClr val="phClr">
+                <a:shade val="20000"/>
+                <a:satMod val="255000"/>
+              </a:schemeClr>
+            </a:gs>
+          </a:gsLst>
+          <a:path path="circle">
+            <a:fillToRect l="50000" t="-80000" r="50000" b="180000"/>
+          </a:path>
+        </a:gradFill>
+        <a:gradFill rotWithShape="1">
+          <a:gsLst>
+            <a:gs pos="0">
+              <a:schemeClr val="phClr">
+                <a:tint val="80000"/>
+                <a:satMod val="300000"/>
+              </a:schemeClr>
+            </a:gs>
+            <a:gs pos="100000">
+              <a:schemeClr val="phClr">
+                <a:shade val="30000"/>
+                <a:satMod val="200000"/>
+              </a:schemeClr>
+            </a:gs>
+          </a:gsLst>
+          <a:path path="circle">
+            <a:fillToRect l="50000" t="50000" r="50000" b="50000"/>
+          </a:path>
+        </a:gradFill>
+      </a:bgFillStyleLst>
+    </a:fmtScheme>
+  </a:themeElements>
+</a:theme>
+</file>
+
+<file path=ppt/theme/theme2.xml><?xml version="1.0" encoding="utf-8"?>
 <a:theme xmlns:a="http://schemas.openxmlformats.org/drawingml/2006/main" xmlns:r="http://schemas.openxmlformats.org/officeDocument/2006/relationships">
   <a:themeElements>
     <a:clrScheme name="Default">
@@ -16685,283 +17285,4 @@
     </a:fmtScheme>
   </a:themeElements>
 </a:theme>
-</file>
-
-<file path=ppt/theme/theme2.xml><?xml version="1.0" encoding="utf-8"?>
-<a:theme xmlns:a="http://schemas.openxmlformats.org/drawingml/2006/main" xmlns:r="http://schemas.openxmlformats.org/officeDocument/2006/relationships" name="Simple Light">
-  <a:themeElements>
-    <a:clrScheme name="Simple Light">
-      <a:dk1>
-        <a:srgbClr val="000000"/>
-      </a:dk1>
-      <a:lt1>
-        <a:srgbClr val="FFFFFF"/>
-      </a:lt1>
-      <a:dk2>
-        <a:srgbClr val="595959"/>
-      </a:dk2>
-      <a:lt2>
-        <a:srgbClr val="EEEEEE"/>
-      </a:lt2>
-      <a:accent1>
-        <a:srgbClr val="FFAB40"/>
-      </a:accent1>
-      <a:accent2>
-        <a:srgbClr val="212121"/>
-      </a:accent2>
-      <a:accent3>
-        <a:srgbClr val="78909C"/>
-      </a:accent3>
-      <a:accent4>
-        <a:srgbClr val="FFAB40"/>
-      </a:accent4>
-      <a:accent5>
-        <a:srgbClr val="0097A7"/>
-      </a:accent5>
-      <a:accent6>
-        <a:srgbClr val="EEFF41"/>
-      </a:accent6>
-      <a:hlink>
-        <a:srgbClr val="0097A7"/>
-      </a:hlink>
-      <a:folHlink>
-        <a:srgbClr val="0097A7"/>
-      </a:folHlink>
-    </a:clrScheme>
-    <a:fontScheme name="Office">
-      <a:majorFont>
-        <a:latin typeface="Arial"/>
-        <a:ea typeface=""/>
-        <a:cs typeface=""/>
-        <a:font script="Jpan" typeface="ＭＳ Ｐゴシック"/>
-        <a:font script="Hang" typeface="맑은 고딕"/>
-        <a:font script="Hans" typeface="宋体"/>
-        <a:font script="Hant" typeface="新細明體"/>
-        <a:font script="Arab" typeface="Times New Roman"/>
-        <a:font script="Hebr" typeface="Times New Roman"/>
-        <a:font script="Thai" typeface="Angsana New"/>
-        <a:font script="Ethi" typeface="Nyala"/>
-        <a:font script="Beng" typeface="Vrinda"/>
-        <a:font script="Gujr" typeface="Shruti"/>
-        <a:font script="Khmr" typeface="MoolBoran"/>
-        <a:font script="Knda" typeface="Tunga"/>
-        <a:font script="Guru" typeface="Raavi"/>
-        <a:font script="Cans" typeface="Euphemia"/>
-        <a:font script="Cher" typeface="Plantagenet Cherokee"/>
-        <a:font script="Yiii" typeface="Microsoft Yi Baiti"/>
-        <a:font script="Tibt" typeface="Microsoft Himalaya"/>
-        <a:font script="Thaa" typeface="MV Boli"/>
-        <a:font script="Deva" typeface="Mangal"/>
-        <a:font script="Telu" typeface="Gautami"/>
-        <a:font script="Taml" typeface="Latha"/>
-        <a:font script="Syrc" typeface="Estrangelo Edessa"/>
-        <a:font script="Orya" typeface="Kalinga"/>
-        <a:font script="Mlym" typeface="Kartika"/>
-        <a:font script="Laoo" typeface="DokChampa"/>
-        <a:font script="Sinh" typeface="Iskoola Pota"/>
-        <a:font script="Mong" typeface="Mongolian Baiti"/>
-        <a:font script="Viet" typeface="Times New Roman"/>
-        <a:font script="Uigh" typeface="Microsoft Uighur"/>
-        <a:font script="Geor" typeface="Sylfaen"/>
-      </a:majorFont>
-      <a:minorFont>
-        <a:latin typeface="Arial"/>
-        <a:ea typeface=""/>
-        <a:cs typeface=""/>
-        <a:font script="Jpan" typeface="ＭＳ Ｐゴシック"/>
-        <a:font script="Hang" typeface="맑은 고딕"/>
-        <a:font script="Hans" typeface="宋体"/>
-        <a:font script="Hant" typeface="新細明體"/>
-        <a:font script="Arab" typeface="Arial"/>
-        <a:font script="Hebr" typeface="Arial"/>
-        <a:font script="Thai" typeface="Cordia New"/>
-        <a:font script="Ethi" typeface="Nyala"/>
-        <a:font script="Beng" typeface="Vrinda"/>
-        <a:font script="Gujr" typeface="Shruti"/>
-        <a:font script="Khmr" typeface="DaunPenh"/>
-        <a:font script="Knda" typeface="Tunga"/>
-        <a:font script="Guru" typeface="Raavi"/>
-        <a:font script="Cans" typeface="Euphemia"/>
-        <a:font script="Cher" typeface="Plantagenet Cherokee"/>
-        <a:font script="Yiii" typeface="Microsoft Yi Baiti"/>
-        <a:font script="Tibt" typeface="Microsoft Himalaya"/>
-        <a:font script="Thaa" typeface="MV Boli"/>
-        <a:font script="Deva" typeface="Mangal"/>
-        <a:font script="Telu" typeface="Gautami"/>
-        <a:font script="Taml" typeface="Latha"/>
-        <a:font script="Syrc" typeface="Estrangelo Edessa"/>
-        <a:font script="Orya" typeface="Kalinga"/>
-        <a:font script="Mlym" typeface="Kartika"/>
-        <a:font script="Laoo" typeface="DokChampa"/>
-        <a:font script="Sinh" typeface="Iskoola Pota"/>
-        <a:font script="Mong" typeface="Mongolian Baiti"/>
-        <a:font script="Viet" typeface="Arial"/>
-        <a:font script="Uigh" typeface="Microsoft Uighur"/>
-        <a:font script="Geor" typeface="Sylfaen"/>
-      </a:minorFont>
-    </a:fontScheme>
-    <a:fmtScheme name="Office">
-      <a:fillStyleLst>
-        <a:solidFill>
-          <a:schemeClr val="phClr"/>
-        </a:solidFill>
-        <a:gradFill rotWithShape="1">
-          <a:gsLst>
-            <a:gs pos="0">
-              <a:schemeClr val="phClr">
-                <a:tint val="50000"/>
-                <a:satMod val="300000"/>
-              </a:schemeClr>
-            </a:gs>
-            <a:gs pos="35000">
-              <a:schemeClr val="phClr">
-                <a:tint val="37000"/>
-                <a:satMod val="300000"/>
-              </a:schemeClr>
-            </a:gs>
-            <a:gs pos="100000">
-              <a:schemeClr val="phClr">
-                <a:tint val="15000"/>
-                <a:satMod val="350000"/>
-              </a:schemeClr>
-            </a:gs>
-          </a:gsLst>
-          <a:lin ang="16200000" scaled="1"/>
-        </a:gradFill>
-        <a:gradFill rotWithShape="1">
-          <a:gsLst>
-            <a:gs pos="0">
-              <a:schemeClr val="phClr">
-                <a:tint val="100000"/>
-                <a:shade val="100000"/>
-                <a:satMod val="130000"/>
-              </a:schemeClr>
-            </a:gs>
-            <a:gs pos="100000">
-              <a:schemeClr val="phClr">
-                <a:tint val="50000"/>
-                <a:shade val="100000"/>
-                <a:satMod val="350000"/>
-              </a:schemeClr>
-            </a:gs>
-          </a:gsLst>
-          <a:lin ang="16200000" scaled="0"/>
-        </a:gradFill>
-      </a:fillStyleLst>
-      <a:lnStyleLst>
-        <a:ln w="9525" cap="flat" cmpd="sng" algn="ctr">
-          <a:solidFill>
-            <a:schemeClr val="phClr">
-              <a:shade val="95000"/>
-              <a:satMod val="105000"/>
-            </a:schemeClr>
-          </a:solidFill>
-          <a:prstDash val="solid"/>
-        </a:ln>
-        <a:ln w="25400" cap="flat" cmpd="sng" algn="ctr">
-          <a:solidFill>
-            <a:schemeClr val="phClr"/>
-          </a:solidFill>
-          <a:prstDash val="solid"/>
-        </a:ln>
-        <a:ln w="38100" cap="flat" cmpd="sng" algn="ctr">
-          <a:solidFill>
-            <a:schemeClr val="phClr"/>
-          </a:solidFill>
-          <a:prstDash val="solid"/>
-        </a:ln>
-      </a:lnStyleLst>
-      <a:effectStyleLst>
-        <a:effectStyle>
-          <a:effectLst>
-            <a:outerShdw blurRad="40000" dist="20000" dir="5400000" rotWithShape="0">
-              <a:srgbClr val="000000">
-                <a:alpha val="38000"/>
-              </a:srgbClr>
-            </a:outerShdw>
-          </a:effectLst>
-        </a:effectStyle>
-        <a:effectStyle>
-          <a:effectLst>
-            <a:outerShdw blurRad="40000" dist="23000" dir="5400000" rotWithShape="0">
-              <a:srgbClr val="000000">
-                <a:alpha val="35000"/>
-              </a:srgbClr>
-            </a:outerShdw>
-          </a:effectLst>
-        </a:effectStyle>
-        <a:effectStyle>
-          <a:effectLst>
-            <a:outerShdw blurRad="40000" dist="23000" dir="5400000" rotWithShape="0">
-              <a:srgbClr val="000000">
-                <a:alpha val="35000"/>
-              </a:srgbClr>
-            </a:outerShdw>
-          </a:effectLst>
-          <a:scene3d>
-            <a:camera prst="orthographicFront">
-              <a:rot lat="0" lon="0" rev="0"/>
-            </a:camera>
-            <a:lightRig rig="threePt" dir="t">
-              <a:rot lat="0" lon="0" rev="1200000"/>
-            </a:lightRig>
-          </a:scene3d>
-          <a:sp3d>
-            <a:bevelT w="63500" h="25400"/>
-          </a:sp3d>
-        </a:effectStyle>
-      </a:effectStyleLst>
-      <a:bgFillStyleLst>
-        <a:solidFill>
-          <a:schemeClr val="phClr"/>
-        </a:solidFill>
-        <a:gradFill rotWithShape="1">
-          <a:gsLst>
-            <a:gs pos="0">
-              <a:schemeClr val="phClr">
-                <a:tint val="40000"/>
-                <a:satMod val="350000"/>
-              </a:schemeClr>
-            </a:gs>
-            <a:gs pos="40000">
-              <a:schemeClr val="phClr">
-                <a:tint val="45000"/>
-                <a:shade val="99000"/>
-                <a:satMod val="350000"/>
-              </a:schemeClr>
-            </a:gs>
-            <a:gs pos="100000">
-              <a:schemeClr val="phClr">
-                <a:shade val="20000"/>
-                <a:satMod val="255000"/>
-              </a:schemeClr>
-            </a:gs>
-          </a:gsLst>
-          <a:path path="circle">
-            <a:fillToRect l="50000" t="-80000" r="50000" b="180000"/>
-          </a:path>
-        </a:gradFill>
-        <a:gradFill rotWithShape="1">
-          <a:gsLst>
-            <a:gs pos="0">
-              <a:schemeClr val="phClr">
-                <a:tint val="80000"/>
-                <a:satMod val="300000"/>
-              </a:schemeClr>
-            </a:gs>
-            <a:gs pos="100000">
-              <a:schemeClr val="phClr">
-                <a:shade val="30000"/>
-                <a:satMod val="200000"/>
-              </a:schemeClr>
-            </a:gs>
-          </a:gsLst>
-          <a:path path="circle">
-            <a:fillToRect l="50000" t="50000" r="50000" b="50000"/>
-          </a:path>
-        </a:gradFill>
-      </a:bgFillStyleLst>
-    </a:fmtScheme>
-  </a:themeElements>
-</a:theme>
 </file>